--- a/Accelerating GPT-2 with GPUs - A Deep Dive.pptx
+++ b/Accelerating GPT-2 with GPUs - A Deep Dive.pptx
@@ -23,7 +23,9 @@
     <p:sldId id="271" r:id="rId17"/>
     <p:sldId id="272" r:id="rId18"/>
     <p:sldId id="274" r:id="rId19"/>
-    <p:sldId id="276" r:id="rId20"/>
+    <p:sldId id="277" r:id="rId20"/>
+    <p:sldId id="278" r:id="rId21"/>
+    <p:sldId id="276" r:id="rId22"/>
   </p:sldIdLst>
   <p:sldSz cx="12192000" cy="6858000"/>
   <p:notesSz cx="6858000" cy="9144000"/>
@@ -122,6 +124,11 @@
       </a:defRPr>
     </a:lvl9pPr>
   </p:defaultTextStyle>
+  <p:extLst>
+    <p:ext uri="{EFAFB233-063F-42B5-8137-9DF3F51BA10A}">
+      <p15:sldGuideLst xmlns:p15="http://schemas.microsoft.com/office/powerpoint/2012/main"/>
+    </p:ext>
+  </p:extLst>
 </p:presentation>
 </file>
 
@@ -274,7 +281,7 @@
           <a:p>
             <a:fld id="{D1192A50-5EA5-4A05-9467-D1AD35B8423A}" type="datetimeFigureOut">
               <a:rPr lang="pt-BR" smtClean="0"/>
-              <a:t>27/05/2025</a:t>
+              <a:t>28/05/2025</a:t>
             </a:fld>
             <a:endParaRPr lang="pt-BR"/>
           </a:p>
@@ -474,7 +481,7 @@
           <a:p>
             <a:fld id="{D1192A50-5EA5-4A05-9467-D1AD35B8423A}" type="datetimeFigureOut">
               <a:rPr lang="pt-BR" smtClean="0"/>
-              <a:t>27/05/2025</a:t>
+              <a:t>28/05/2025</a:t>
             </a:fld>
             <a:endParaRPr lang="pt-BR"/>
           </a:p>
@@ -684,7 +691,7 @@
           <a:p>
             <a:fld id="{D1192A50-5EA5-4A05-9467-D1AD35B8423A}" type="datetimeFigureOut">
               <a:rPr lang="pt-BR" smtClean="0"/>
-              <a:t>27/05/2025</a:t>
+              <a:t>28/05/2025</a:t>
             </a:fld>
             <a:endParaRPr lang="pt-BR"/>
           </a:p>
@@ -884,7 +891,7 @@
           <a:p>
             <a:fld id="{D1192A50-5EA5-4A05-9467-D1AD35B8423A}" type="datetimeFigureOut">
               <a:rPr lang="pt-BR" smtClean="0"/>
-              <a:t>27/05/2025</a:t>
+              <a:t>28/05/2025</a:t>
             </a:fld>
             <a:endParaRPr lang="pt-BR"/>
           </a:p>
@@ -1160,7 +1167,7 @@
           <a:p>
             <a:fld id="{D1192A50-5EA5-4A05-9467-D1AD35B8423A}" type="datetimeFigureOut">
               <a:rPr lang="pt-BR" smtClean="0"/>
-              <a:t>27/05/2025</a:t>
+              <a:t>28/05/2025</a:t>
             </a:fld>
             <a:endParaRPr lang="pt-BR"/>
           </a:p>
@@ -1428,7 +1435,7 @@
           <a:p>
             <a:fld id="{D1192A50-5EA5-4A05-9467-D1AD35B8423A}" type="datetimeFigureOut">
               <a:rPr lang="pt-BR" smtClean="0"/>
-              <a:t>27/05/2025</a:t>
+              <a:t>28/05/2025</a:t>
             </a:fld>
             <a:endParaRPr lang="pt-BR"/>
           </a:p>
@@ -1843,7 +1850,7 @@
           <a:p>
             <a:fld id="{D1192A50-5EA5-4A05-9467-D1AD35B8423A}" type="datetimeFigureOut">
               <a:rPr lang="pt-BR" smtClean="0"/>
-              <a:t>27/05/2025</a:t>
+              <a:t>28/05/2025</a:t>
             </a:fld>
             <a:endParaRPr lang="pt-BR"/>
           </a:p>
@@ -1985,7 +1992,7 @@
           <a:p>
             <a:fld id="{D1192A50-5EA5-4A05-9467-D1AD35B8423A}" type="datetimeFigureOut">
               <a:rPr lang="pt-BR" smtClean="0"/>
-              <a:t>27/05/2025</a:t>
+              <a:t>28/05/2025</a:t>
             </a:fld>
             <a:endParaRPr lang="pt-BR"/>
           </a:p>
@@ -2098,7 +2105,7 @@
           <a:p>
             <a:fld id="{D1192A50-5EA5-4A05-9467-D1AD35B8423A}" type="datetimeFigureOut">
               <a:rPr lang="pt-BR" smtClean="0"/>
-              <a:t>27/05/2025</a:t>
+              <a:t>28/05/2025</a:t>
             </a:fld>
             <a:endParaRPr lang="pt-BR"/>
           </a:p>
@@ -2411,7 +2418,7 @@
           <a:p>
             <a:fld id="{D1192A50-5EA5-4A05-9467-D1AD35B8423A}" type="datetimeFigureOut">
               <a:rPr lang="pt-BR" smtClean="0"/>
-              <a:t>27/05/2025</a:t>
+              <a:t>28/05/2025</a:t>
             </a:fld>
             <a:endParaRPr lang="pt-BR"/>
           </a:p>
@@ -2700,7 +2707,7 @@
           <a:p>
             <a:fld id="{D1192A50-5EA5-4A05-9467-D1AD35B8423A}" type="datetimeFigureOut">
               <a:rPr lang="pt-BR" smtClean="0"/>
-              <a:t>27/05/2025</a:t>
+              <a:t>28/05/2025</a:t>
             </a:fld>
             <a:endParaRPr lang="pt-BR"/>
           </a:p>
@@ -2943,7 +2950,7 @@
           <a:p>
             <a:fld id="{D1192A50-5EA5-4A05-9467-D1AD35B8423A}" type="datetimeFigureOut">
               <a:rPr lang="pt-BR" smtClean="0"/>
-              <a:t>27/05/2025</a:t>
+              <a:t>28/05/2025</a:t>
             </a:fld>
             <a:endParaRPr lang="pt-BR"/>
           </a:p>
@@ -9434,143 +9441,499 @@
           <a:lstStyle/>
           <a:p>
             <a:r>
-              <a:rPr lang="es-PE" sz="1300"/>
-              <a:t>Feed-Forward Networks (FFN):</a:t>
+              <a:rPr lang="es-PE" sz="1300" dirty="0" err="1"/>
+              <a:t>Feed</a:t>
+            </a:r>
+            <a:r>
+              <a:rPr lang="es-PE" sz="1300" dirty="0"/>
+              <a:t>-Forward Networks (FFN):</a:t>
             </a:r>
           </a:p>
           <a:p>
             <a:pPr lvl="1"/>
             <a:r>
-              <a:rPr lang="es-PE" sz="1300"/>
-              <a:t>Linear layers: accelerated with GEMM. </a:t>
+              <a:rPr lang="es-PE" sz="1300" dirty="0"/>
+              <a:t>Linear </a:t>
+            </a:r>
+            <a:r>
+              <a:rPr lang="es-PE" sz="1300" dirty="0" err="1"/>
+              <a:t>layers</a:t>
+            </a:r>
+            <a:r>
+              <a:rPr lang="es-PE" sz="1300" dirty="0"/>
+              <a:t>: </a:t>
+            </a:r>
+            <a:r>
+              <a:rPr lang="es-PE" sz="1300" dirty="0" err="1"/>
+              <a:t>accelerated</a:t>
+            </a:r>
+            <a:r>
+              <a:rPr lang="es-PE" sz="1300" dirty="0"/>
+              <a:t> </a:t>
+            </a:r>
+            <a:r>
+              <a:rPr lang="es-PE" sz="1300" dirty="0" err="1"/>
+              <a:t>with</a:t>
+            </a:r>
+            <a:r>
+              <a:rPr lang="es-PE" sz="1300" dirty="0"/>
+              <a:t> GEMM. </a:t>
             </a:r>
           </a:p>
           <a:p>
             <a:pPr lvl="1"/>
             <a:r>
-              <a:rPr lang="es-PE" sz="1300"/>
-              <a:t>GELU activation: element-wise, highly parallel. </a:t>
+              <a:rPr lang="es-PE" sz="1300" dirty="0"/>
+              <a:t>GELU </a:t>
+            </a:r>
+            <a:r>
+              <a:rPr lang="es-PE" sz="1300" dirty="0" err="1"/>
+              <a:t>activation</a:t>
+            </a:r>
+            <a:r>
+              <a:rPr lang="es-PE" sz="1300" dirty="0"/>
+              <a:t>: </a:t>
+            </a:r>
+            <a:r>
+              <a:rPr lang="es-PE" sz="1300" dirty="0" err="1"/>
+              <a:t>element-wise</a:t>
+            </a:r>
+            <a:r>
+              <a:rPr lang="es-PE" sz="1300" dirty="0"/>
+              <a:t>, </a:t>
+            </a:r>
+            <a:r>
+              <a:rPr lang="es-PE" sz="1300" dirty="0" err="1"/>
+              <a:t>highly</a:t>
+            </a:r>
+            <a:r>
+              <a:rPr lang="es-PE" sz="1300" dirty="0"/>
+              <a:t> </a:t>
+            </a:r>
+            <a:r>
+              <a:rPr lang="es-PE" sz="1300" dirty="0" err="1"/>
+              <a:t>parallel</a:t>
+            </a:r>
+            <a:r>
+              <a:rPr lang="es-PE" sz="1300" dirty="0"/>
+              <a:t>. </a:t>
             </a:r>
           </a:p>
           <a:p>
             <a:pPr lvl="1"/>
             <a:r>
-              <a:rPr lang="es-PE" sz="1300"/>
-              <a:t>Reference: `dev/cuda/gelu_forward.cu` </a:t>
+              <a:rPr lang="es-PE" sz="1300" dirty="0"/>
+              <a:t>Reference: `</a:t>
+            </a:r>
+            <a:r>
+              <a:rPr lang="es-PE" sz="1300" dirty="0" err="1"/>
+              <a:t>dev</a:t>
+            </a:r>
+            <a:r>
+              <a:rPr lang="es-PE" sz="1300" dirty="0"/>
+              <a:t>/</a:t>
+            </a:r>
+            <a:r>
+              <a:rPr lang="es-PE" sz="1300" dirty="0" err="1"/>
+              <a:t>cuda</a:t>
+            </a:r>
+            <a:r>
+              <a:rPr lang="es-PE" sz="1300" dirty="0"/>
+              <a:t>/gelu_forward.cu` </a:t>
             </a:r>
           </a:p>
           <a:p>
             <a:pPr lvl="2"/>
             <a:r>
-              <a:rPr lang="es-PE" sz="1300">
+              <a:rPr lang="es-PE" sz="1300" dirty="0">
                 <a:hlinkClick r:id="rId2"/>
               </a:rPr>
               <a:t>https://github.com/karpathy/llm.c/blob/master/dev/cuda/gelu_forward.cu</a:t>
             </a:r>
             <a:r>
-              <a:rPr lang="es-PE" sz="1300"/>
+              <a:rPr lang="es-PE" sz="1300" dirty="0"/>
               <a:t> </a:t>
             </a:r>
           </a:p>
           <a:p>
             <a:r>
-              <a:rPr lang="es-PE" sz="1300"/>
-              <a:t>Layer Normalization (LayerNorm):</a:t>
+              <a:rPr lang="es-PE" sz="1300" dirty="0" err="1"/>
+              <a:t>Layer</a:t>
+            </a:r>
+            <a:r>
+              <a:rPr lang="es-PE" sz="1300" dirty="0"/>
+              <a:t> </a:t>
+            </a:r>
+            <a:r>
+              <a:rPr lang="es-PE" sz="1300" dirty="0" err="1"/>
+              <a:t>Normalization</a:t>
+            </a:r>
+            <a:r>
+              <a:rPr lang="es-PE" sz="1300" dirty="0"/>
+              <a:t> (</a:t>
+            </a:r>
+            <a:r>
+              <a:rPr lang="es-PE" sz="1300" dirty="0" err="1"/>
+              <a:t>LayerNorm</a:t>
+            </a:r>
+            <a:r>
+              <a:rPr lang="es-PE" sz="1300" dirty="0"/>
+              <a:t>):</a:t>
             </a:r>
           </a:p>
           <a:p>
             <a:pPr lvl="1"/>
             <a:r>
-              <a:rPr lang="es-PE" sz="1300"/>
-              <a:t>Mean and variance calculation: parallel reductions per token (threads in a block collaborate). </a:t>
+              <a:rPr lang="es-PE" sz="1300" dirty="0"/>
+              <a:t>Mean and </a:t>
+            </a:r>
+            <a:r>
+              <a:rPr lang="es-PE" sz="1300" dirty="0" err="1"/>
+              <a:t>variance</a:t>
+            </a:r>
+            <a:r>
+              <a:rPr lang="es-PE" sz="1300" dirty="0"/>
+              <a:t> </a:t>
+            </a:r>
+            <a:r>
+              <a:rPr lang="es-PE" sz="1300" dirty="0" err="1"/>
+              <a:t>calculation</a:t>
+            </a:r>
+            <a:r>
+              <a:rPr lang="es-PE" sz="1300" dirty="0"/>
+              <a:t>: </a:t>
+            </a:r>
+            <a:r>
+              <a:rPr lang="es-PE" sz="1300" dirty="0" err="1"/>
+              <a:t>parallel</a:t>
+            </a:r>
+            <a:r>
+              <a:rPr lang="es-PE" sz="1300" dirty="0"/>
+              <a:t> </a:t>
+            </a:r>
+            <a:r>
+              <a:rPr lang="es-PE" sz="1300" dirty="0" err="1"/>
+              <a:t>reductions</a:t>
+            </a:r>
+            <a:r>
+              <a:rPr lang="es-PE" sz="1300" dirty="0"/>
+              <a:t> per token (</a:t>
+            </a:r>
+            <a:r>
+              <a:rPr lang="es-PE" sz="1300" dirty="0" err="1"/>
+              <a:t>threads</a:t>
+            </a:r>
+            <a:r>
+              <a:rPr lang="es-PE" sz="1300" dirty="0"/>
+              <a:t> in a block </a:t>
+            </a:r>
+            <a:r>
+              <a:rPr lang="es-PE" sz="1300" dirty="0" err="1"/>
+              <a:t>collaborate</a:t>
+            </a:r>
+            <a:r>
+              <a:rPr lang="es-PE" sz="1300" dirty="0"/>
+              <a:t>). </a:t>
             </a:r>
           </a:p>
           <a:p>
             <a:pPr lvl="1"/>
             <a:r>
-              <a:rPr lang="es-PE" sz="1300"/>
-              <a:t>Normalization: element-wise operation. </a:t>
+              <a:rPr lang="es-PE" sz="1300" dirty="0" err="1"/>
+              <a:t>Normalization</a:t>
+            </a:r>
+            <a:r>
+              <a:rPr lang="es-PE" sz="1300" dirty="0"/>
+              <a:t>: </a:t>
+            </a:r>
+            <a:r>
+              <a:rPr lang="es-PE" sz="1300" dirty="0" err="1"/>
+              <a:t>element-wise</a:t>
+            </a:r>
+            <a:r>
+              <a:rPr lang="es-PE" sz="1300" dirty="0"/>
+              <a:t> </a:t>
+            </a:r>
+            <a:r>
+              <a:rPr lang="es-PE" sz="1300" dirty="0" err="1"/>
+              <a:t>operation</a:t>
+            </a:r>
+            <a:r>
+              <a:rPr lang="es-PE" sz="1300" dirty="0"/>
+              <a:t>. </a:t>
             </a:r>
           </a:p>
           <a:p>
             <a:pPr lvl="1"/>
             <a:r>
-              <a:rPr lang="es-PE" sz="1300"/>
-              <a:t>Reference: `dev/cuda/layernorm_forward.cu` </a:t>
+              <a:rPr lang="es-PE" sz="1300" dirty="0"/>
+              <a:t>Reference: `</a:t>
+            </a:r>
+            <a:r>
+              <a:rPr lang="es-PE" sz="1300" dirty="0" err="1"/>
+              <a:t>dev</a:t>
+            </a:r>
+            <a:r>
+              <a:rPr lang="es-PE" sz="1300" dirty="0"/>
+              <a:t>/</a:t>
+            </a:r>
+            <a:r>
+              <a:rPr lang="es-PE" sz="1300" dirty="0" err="1"/>
+              <a:t>cuda</a:t>
+            </a:r>
+            <a:r>
+              <a:rPr lang="es-PE" sz="1300" dirty="0"/>
+              <a:t>/layernorm_forward.cu` </a:t>
             </a:r>
           </a:p>
           <a:p>
             <a:pPr lvl="2"/>
             <a:r>
-              <a:rPr lang="es-PE" sz="1300">
+              <a:rPr lang="es-PE" sz="1300" dirty="0">
                 <a:hlinkClick r:id="rId3"/>
               </a:rPr>
               <a:t>https://github.com/karpathy/llm.c/blob/master/dev/cuda/layernorm_forward.cu</a:t>
             </a:r>
             <a:r>
-              <a:rPr lang="es-PE" sz="1300"/>
+              <a:rPr lang="es-PE" sz="1300" dirty="0"/>
               <a:t> </a:t>
             </a:r>
           </a:p>
           <a:p>
             <a:r>
-              <a:rPr lang="es-PE" sz="1300"/>
-              <a:t>Residual Connections: Element-wise additions, perfectly parallel. </a:t>
+              <a:rPr lang="es-PE" sz="1300" dirty="0"/>
+              <a:t>Residual </a:t>
+            </a:r>
+            <a:r>
+              <a:rPr lang="es-PE" sz="1300" dirty="0" err="1"/>
+              <a:t>Connections</a:t>
+            </a:r>
+            <a:r>
+              <a:rPr lang="es-PE" sz="1300" dirty="0"/>
+              <a:t>: </a:t>
+            </a:r>
+            <a:r>
+              <a:rPr lang="es-PE" sz="1300" dirty="0" err="1"/>
+              <a:t>Element-wise</a:t>
+            </a:r>
+            <a:r>
+              <a:rPr lang="es-PE" sz="1300" dirty="0"/>
+              <a:t> </a:t>
+            </a:r>
+            <a:r>
+              <a:rPr lang="es-PE" sz="1300" dirty="0" err="1"/>
+              <a:t>additions</a:t>
+            </a:r>
+            <a:r>
+              <a:rPr lang="es-PE" sz="1300" dirty="0"/>
+              <a:t>, </a:t>
+            </a:r>
+            <a:r>
+              <a:rPr lang="es-PE" sz="1300" dirty="0" err="1"/>
+              <a:t>perfectly</a:t>
+            </a:r>
+            <a:r>
+              <a:rPr lang="es-PE" sz="1300" dirty="0"/>
+              <a:t> </a:t>
+            </a:r>
+            <a:r>
+              <a:rPr lang="es-PE" sz="1300" dirty="0" err="1"/>
+              <a:t>parallel</a:t>
+            </a:r>
+            <a:r>
+              <a:rPr lang="es-PE" sz="1300" dirty="0"/>
+              <a:t>. </a:t>
             </a:r>
           </a:p>
           <a:p>
             <a:pPr lvl="1"/>
             <a:r>
-              <a:rPr lang="es-PE" sz="1300"/>
-              <a:t>Reference: `dev/cuda/residual_forward.cu` </a:t>
+              <a:rPr lang="es-PE" sz="1300" dirty="0"/>
+              <a:t>Reference: `</a:t>
+            </a:r>
+            <a:r>
+              <a:rPr lang="es-PE" sz="1300" dirty="0" err="1"/>
+              <a:t>dev</a:t>
+            </a:r>
+            <a:r>
+              <a:rPr lang="es-PE" sz="1300" dirty="0"/>
+              <a:t>/</a:t>
+            </a:r>
+            <a:r>
+              <a:rPr lang="es-PE" sz="1300" dirty="0" err="1"/>
+              <a:t>cuda</a:t>
+            </a:r>
+            <a:r>
+              <a:rPr lang="es-PE" sz="1300" dirty="0"/>
+              <a:t>/residual_forward.cu` </a:t>
             </a:r>
           </a:p>
           <a:p>
             <a:pPr lvl="2"/>
             <a:r>
-              <a:rPr lang="es-PE" sz="1300">
+              <a:rPr lang="es-PE" sz="1300" dirty="0">
                 <a:hlinkClick r:id="rId4"/>
               </a:rPr>
               <a:t>https://github.com/karpathy/llm.c/blob/master/dev/cuda/residual_forward.cu</a:t>
             </a:r>
             <a:r>
-              <a:rPr lang="es-PE" sz="1300"/>
+              <a:rPr lang="es-PE" sz="1300" dirty="0"/>
               <a:t> </a:t>
             </a:r>
           </a:p>
           <a:p>
             <a:r>
-              <a:rPr lang="es-PE" sz="1300"/>
-              <a:t>Loss Calculation (Cross-Entropy during training):</a:t>
+              <a:rPr lang="es-PE" sz="1300" dirty="0" err="1"/>
+              <a:t>Loss</a:t>
+            </a:r>
+            <a:r>
+              <a:rPr lang="es-PE" sz="1300" dirty="0"/>
+              <a:t> </a:t>
+            </a:r>
+            <a:r>
+              <a:rPr lang="es-PE" sz="1300" dirty="0" err="1"/>
+              <a:t>Calculation</a:t>
+            </a:r>
+            <a:r>
+              <a:rPr lang="es-PE" sz="1300" dirty="0"/>
+              <a:t> (Cross-</a:t>
+            </a:r>
+            <a:r>
+              <a:rPr lang="es-PE" sz="1300" dirty="0" err="1"/>
+              <a:t>Entropy</a:t>
+            </a:r>
+            <a:r>
+              <a:rPr lang="es-PE" sz="1300" dirty="0"/>
+              <a:t> </a:t>
+            </a:r>
+            <a:r>
+              <a:rPr lang="es-PE" sz="1300" dirty="0" err="1"/>
+              <a:t>during</a:t>
+            </a:r>
+            <a:r>
+              <a:rPr lang="es-PE" sz="1300" dirty="0"/>
+              <a:t> training):</a:t>
             </a:r>
           </a:p>
           <a:p>
             <a:pPr lvl="1"/>
             <a:r>
-              <a:rPr lang="es-PE" sz="1300"/>
-              <a:t>Involves a softmax and then element-wise operations and reductions. Also benefits from GPU parallelism. </a:t>
+              <a:rPr lang="es-PE" sz="1300" dirty="0" err="1"/>
+              <a:t>Involves</a:t>
+            </a:r>
+            <a:r>
+              <a:rPr lang="es-PE" sz="1300" dirty="0"/>
+              <a:t> a </a:t>
+            </a:r>
+            <a:r>
+              <a:rPr lang="es-PE" sz="1300" dirty="0" err="1"/>
+              <a:t>softmax</a:t>
+            </a:r>
+            <a:r>
+              <a:rPr lang="es-PE" sz="1300" dirty="0"/>
+              <a:t> and </a:t>
+            </a:r>
+            <a:r>
+              <a:rPr lang="es-PE" sz="1300" dirty="0" err="1"/>
+              <a:t>then</a:t>
+            </a:r>
+            <a:r>
+              <a:rPr lang="es-PE" sz="1300" dirty="0"/>
+              <a:t> </a:t>
+            </a:r>
+            <a:r>
+              <a:rPr lang="es-PE" sz="1300" dirty="0" err="1"/>
+              <a:t>element-wise</a:t>
+            </a:r>
+            <a:r>
+              <a:rPr lang="es-PE" sz="1300" dirty="0"/>
+              <a:t> </a:t>
+            </a:r>
+            <a:r>
+              <a:rPr lang="es-PE" sz="1300" dirty="0" err="1"/>
+              <a:t>operations</a:t>
+            </a:r>
+            <a:r>
+              <a:rPr lang="es-PE" sz="1300" dirty="0"/>
+              <a:t> and </a:t>
+            </a:r>
+            <a:r>
+              <a:rPr lang="es-PE" sz="1300" dirty="0" err="1"/>
+              <a:t>reductions</a:t>
+            </a:r>
+            <a:r>
+              <a:rPr lang="es-PE" sz="1300" dirty="0"/>
+              <a:t>. </a:t>
+            </a:r>
+            <a:r>
+              <a:rPr lang="es-PE" sz="1300" dirty="0" err="1"/>
+              <a:t>Also</a:t>
+            </a:r>
+            <a:r>
+              <a:rPr lang="es-PE" sz="1300" dirty="0"/>
+              <a:t> </a:t>
+            </a:r>
+            <a:r>
+              <a:rPr lang="es-PE" sz="1300" dirty="0" err="1"/>
+              <a:t>benefits</a:t>
+            </a:r>
+            <a:r>
+              <a:rPr lang="es-PE" sz="1300" dirty="0"/>
+              <a:t> </a:t>
+            </a:r>
+            <a:r>
+              <a:rPr lang="es-PE" sz="1300" dirty="0" err="1"/>
+              <a:t>from</a:t>
+            </a:r>
+            <a:r>
+              <a:rPr lang="es-PE" sz="1300" dirty="0"/>
+              <a:t> GPU </a:t>
+            </a:r>
+            <a:r>
+              <a:rPr lang="es-PE" sz="1300" dirty="0" err="1"/>
+              <a:t>parallelism</a:t>
+            </a:r>
+            <a:r>
+              <a:rPr lang="es-PE" sz="1300" dirty="0"/>
+              <a:t>. </a:t>
             </a:r>
           </a:p>
           <a:p>
             <a:pPr lvl="1"/>
             <a:r>
-              <a:rPr lang="es-PE" sz="1300"/>
-              <a:t>Reference: `dev/cuda/crossentropy_forward.cu` </a:t>
+              <a:rPr lang="es-PE" sz="1300" dirty="0"/>
+              <a:t>Reference: `</a:t>
+            </a:r>
+            <a:r>
+              <a:rPr lang="es-PE" sz="1300" dirty="0" err="1"/>
+              <a:t>dev</a:t>
+            </a:r>
+            <a:r>
+              <a:rPr lang="es-PE" sz="1300" dirty="0"/>
+              <a:t>/</a:t>
+            </a:r>
+            <a:r>
+              <a:rPr lang="es-PE" sz="1300" dirty="0" err="1"/>
+              <a:t>cuda</a:t>
+            </a:r>
+            <a:r>
+              <a:rPr lang="es-PE" sz="1300" dirty="0"/>
+              <a:t>/crossentropy_forward.cu` </a:t>
             </a:r>
           </a:p>
           <a:p>
             <a:pPr lvl="2"/>
             <a:r>
-              <a:rPr lang="es-PE" sz="1300">
+              <a:rPr lang="es-PE" sz="1300" dirty="0">
                 <a:hlinkClick r:id="rId5"/>
               </a:rPr>
               <a:t>https://github.com/karpathy/llm.c/blob/master/dev/cuda/crossentropy_forward.cu</a:t>
             </a:r>
             <a:r>
-              <a:rPr lang="es-PE" sz="1300"/>
+              <a:rPr lang="es-PE" sz="1300" dirty="0"/>
               <a:t> </a:t>
             </a:r>
-            <a:endParaRPr lang="pt-BR" sz="1300"/>
+            <a:endParaRPr lang="pt-BR" sz="1300" dirty="0"/>
           </a:p>
         </p:txBody>
       </p:sp>
@@ -9588,6 +9951,1933 @@
 </file>
 
 <file path=ppt/slides/slide19.xml><?xml version="1.0" encoding="utf-8"?>
+<p:sld xmlns:a="http://schemas.openxmlformats.org/drawingml/2006/main" xmlns:r="http://schemas.openxmlformats.org/officeDocument/2006/relationships" xmlns:p="http://schemas.openxmlformats.org/presentationml/2006/main">
+  <p:cSld>
+    <p:bg>
+      <p:bgPr>
+        <a:solidFill>
+          <a:schemeClr val="bg1"/>
+        </a:solidFill>
+        <a:effectLst/>
+      </p:bgPr>
+    </p:bg>
+    <p:spTree>
+      <p:nvGrpSpPr>
+        <p:cNvPr id="1" name=""/>
+        <p:cNvGrpSpPr/>
+        <p:nvPr/>
+      </p:nvGrpSpPr>
+      <p:grpSpPr>
+        <a:xfrm>
+          <a:off x="0" y="0"/>
+          <a:ext cx="0" cy="0"/>
+          <a:chOff x="0" y="0"/>
+          <a:chExt cx="0" cy="0"/>
+        </a:xfrm>
+      </p:grpSpPr>
+      <p:sp useBgFill="1">
+        <p:nvSpPr>
+          <p:cNvPr id="8" name="Rectangle 7">
+            <a:extLst>
+              <a:ext uri="{FF2B5EF4-FFF2-40B4-BE49-F238E27FC236}">
+                <a16:creationId xmlns:a16="http://schemas.microsoft.com/office/drawing/2014/main" id="{4DA718D0-4865-4629-8134-44F68D41D574}"/>
+              </a:ext>
+              <a:ext uri="{C183D7F6-B498-43B3-948B-1728B52AA6E4}">
+                <adec:decorative xmlns:adec="http://schemas.microsoft.com/office/drawing/2017/decorative" val="1"/>
+              </a:ext>
+            </a:extLst>
+          </p:cNvPr>
+          <p:cNvSpPr>
+            <a:spLocks noGrp="1" noRot="1" noChangeAspect="1" noMove="1" noResize="1" noEditPoints="1" noAdjustHandles="1" noChangeArrowheads="1" noChangeShapeType="1" noTextEdit="1"/>
+          </p:cNvSpPr>
+          <p:nvPr>
+            <p:extLst>
+              <p:ext uri="{386F3935-93C4-4BCD-93E2-E3B085C9AB24}">
+                <p16:designElem xmlns:p16="http://schemas.microsoft.com/office/powerpoint/2015/main" val="1"/>
+              </p:ext>
+            </p:extLst>
+          </p:nvPr>
+        </p:nvSpPr>
+        <p:spPr>
+          <a:xfrm>
+            <a:off x="0" y="0"/>
+            <a:ext cx="12191999" cy="6857365"/>
+          </a:xfrm>
+          <a:prstGeom prst="rect">
+            <a:avLst/>
+          </a:prstGeom>
+          <a:ln>
+            <a:noFill/>
+          </a:ln>
+        </p:spPr>
+        <p:style>
+          <a:lnRef idx="2">
+            <a:schemeClr val="accent1">
+              <a:shade val="50000"/>
+            </a:schemeClr>
+          </a:lnRef>
+          <a:fillRef idx="1">
+            <a:schemeClr val="accent1"/>
+          </a:fillRef>
+          <a:effectRef idx="0">
+            <a:schemeClr val="accent1"/>
+          </a:effectRef>
+          <a:fontRef idx="minor">
+            <a:schemeClr val="lt1"/>
+          </a:fontRef>
+        </p:style>
+        <p:txBody>
+          <a:bodyPr rtlCol="0" anchor="ctr"/>
+          <a:lstStyle/>
+          <a:p>
+            <a:pPr algn="ctr"/>
+            <a:endParaRPr lang="en-US"/>
+          </a:p>
+        </p:txBody>
+      </p:sp>
+      <p:grpSp>
+        <p:nvGrpSpPr>
+          <p:cNvPr id="10" name="Group 9">
+            <a:extLst>
+              <a:ext uri="{FF2B5EF4-FFF2-40B4-BE49-F238E27FC236}">
+                <a16:creationId xmlns:a16="http://schemas.microsoft.com/office/drawing/2014/main" id="{65167ED7-6315-43AB-B1B6-C326D5FD8F84}"/>
+              </a:ext>
+              <a:ext uri="{C183D7F6-B498-43B3-948B-1728B52AA6E4}">
+                <adec:decorative xmlns:adec="http://schemas.microsoft.com/office/drawing/2017/decorative" val="1"/>
+              </a:ext>
+            </a:extLst>
+          </p:cNvPr>
+          <p:cNvGrpSpPr>
+            <a:grpSpLocks noGrp="1" noUngrp="1" noRot="1" noChangeAspect="1" noMove="1" noResize="1"/>
+          </p:cNvGrpSpPr>
+          <p:nvPr>
+            <p:extLst>
+              <p:ext uri="{386F3935-93C4-4BCD-93E2-E3B085C9AB24}">
+                <p16:designElem xmlns:p16="http://schemas.microsoft.com/office/powerpoint/2015/main" val="1"/>
+              </p:ext>
+            </p:extLst>
+          </p:nvPr>
+        </p:nvGrpSpPr>
+        <p:grpSpPr>
+          <a:xfrm rot="5400000">
+            <a:off x="-2340441" y="2666183"/>
+            <a:ext cx="5860051" cy="527712"/>
+            <a:chOff x="6081624" y="1998368"/>
+            <a:chExt cx="5613457" cy="782175"/>
+          </a:xfrm>
+          <a:solidFill>
+            <a:schemeClr val="accent4"/>
+          </a:solidFill>
+        </p:grpSpPr>
+        <p:sp>
+          <p:nvSpPr>
+            <p:cNvPr id="11" name="Rectangle 10">
+              <a:extLst>
+                <a:ext uri="{FF2B5EF4-FFF2-40B4-BE49-F238E27FC236}">
+                  <a16:creationId xmlns:a16="http://schemas.microsoft.com/office/drawing/2014/main" id="{EF4D8839-FB03-487D-ACC8-8BFEDD4FEBAE}"/>
+                </a:ext>
+                <a:ext uri="{C183D7F6-B498-43B3-948B-1728B52AA6E4}">
+                  <adec:decorative xmlns:adec="http://schemas.microsoft.com/office/drawing/2017/decorative" val="1"/>
+                </a:ext>
+              </a:extLst>
+            </p:cNvPr>
+            <p:cNvSpPr/>
+            <p:nvPr>
+              <p:extLst>
+                <p:ext uri="{386F3935-93C4-4BCD-93E2-E3B085C9AB24}">
+                  <p16:designElem xmlns:p16="http://schemas.microsoft.com/office/powerpoint/2015/main" val="1"/>
+                </p:ext>
+              </p:extLst>
+            </p:nvPr>
+          </p:nvSpPr>
+          <p:spPr>
+            <a:xfrm rot="5400000">
+              <a:off x="11228040" y="2313027"/>
+              <a:ext cx="781700" cy="152382"/>
+            </a:xfrm>
+            <a:prstGeom prst="rect">
+              <a:avLst/>
+            </a:prstGeom>
+            <a:grpFill/>
+            <a:ln>
+              <a:noFill/>
+            </a:ln>
+          </p:spPr>
+          <p:style>
+            <a:lnRef idx="2">
+              <a:schemeClr val="accent1">
+                <a:shade val="50000"/>
+              </a:schemeClr>
+            </a:lnRef>
+            <a:fillRef idx="1">
+              <a:schemeClr val="accent1"/>
+            </a:fillRef>
+            <a:effectRef idx="0">
+              <a:schemeClr val="accent1"/>
+            </a:effectRef>
+            <a:fontRef idx="minor">
+              <a:schemeClr val="lt1"/>
+            </a:fontRef>
+          </p:style>
+          <p:txBody>
+            <a:bodyPr rtlCol="0" anchor="ctr"/>
+            <a:lstStyle/>
+            <a:p>
+              <a:pPr algn="ctr"/>
+              <a:endParaRPr lang="en-US"/>
+            </a:p>
+          </p:txBody>
+        </p:sp>
+        <p:sp>
+          <p:nvSpPr>
+            <p:cNvPr id="12" name="Rectangle 11">
+              <a:extLst>
+                <a:ext uri="{FF2B5EF4-FFF2-40B4-BE49-F238E27FC236}">
+                  <a16:creationId xmlns:a16="http://schemas.microsoft.com/office/drawing/2014/main" id="{0EF75023-9A3B-42FC-B704-61A8F7BEF415}"/>
+                </a:ext>
+                <a:ext uri="{C183D7F6-B498-43B3-948B-1728B52AA6E4}">
+                  <adec:decorative xmlns:adec="http://schemas.microsoft.com/office/drawing/2017/decorative" val="1"/>
+                </a:ext>
+              </a:extLst>
+            </p:cNvPr>
+            <p:cNvSpPr/>
+            <p:nvPr>
+              <p:extLst>
+                <p:ext uri="{386F3935-93C4-4BCD-93E2-E3B085C9AB24}">
+                  <p16:designElem xmlns:p16="http://schemas.microsoft.com/office/powerpoint/2015/main" val="1"/>
+                </p:ext>
+              </p:extLst>
+            </p:nvPr>
+          </p:nvSpPr>
+          <p:spPr>
+            <a:xfrm flipH="1" flipV="1">
+              <a:off x="6081624" y="1998844"/>
+              <a:ext cx="5372968" cy="781699"/>
+            </a:xfrm>
+            <a:prstGeom prst="rect">
+              <a:avLst/>
+            </a:prstGeom>
+            <a:grpFill/>
+            <a:ln>
+              <a:noFill/>
+            </a:ln>
+          </p:spPr>
+          <p:style>
+            <a:lnRef idx="2">
+              <a:schemeClr val="accent1">
+                <a:shade val="50000"/>
+              </a:schemeClr>
+            </a:lnRef>
+            <a:fillRef idx="1">
+              <a:schemeClr val="accent1"/>
+            </a:fillRef>
+            <a:effectRef idx="0">
+              <a:schemeClr val="accent1"/>
+            </a:effectRef>
+            <a:fontRef idx="minor">
+              <a:schemeClr val="lt1"/>
+            </a:fontRef>
+          </p:style>
+          <p:txBody>
+            <a:bodyPr rtlCol="0" anchor="ctr"/>
+            <a:lstStyle/>
+            <a:p>
+              <a:pPr algn="ctr"/>
+              <a:endParaRPr lang="en-US"/>
+            </a:p>
+          </p:txBody>
+        </p:sp>
+      </p:grpSp>
+      <p:sp>
+        <p:nvSpPr>
+          <p:cNvPr id="14" name="Rectangle 13">
+            <a:extLst>
+              <a:ext uri="{FF2B5EF4-FFF2-40B4-BE49-F238E27FC236}">
+                <a16:creationId xmlns:a16="http://schemas.microsoft.com/office/drawing/2014/main" id="{CBC4F608-B4B8-48C3-9572-C0F061B1CD99}"/>
+              </a:ext>
+              <a:ext uri="{C183D7F6-B498-43B3-948B-1728B52AA6E4}">
+                <adec:decorative xmlns:adec="http://schemas.microsoft.com/office/drawing/2017/decorative" val="1"/>
+              </a:ext>
+            </a:extLst>
+          </p:cNvPr>
+          <p:cNvSpPr>
+            <a:spLocks noGrp="1" noRot="1" noChangeAspect="1" noMove="1" noResize="1" noEditPoints="1" noAdjustHandles="1" noChangeArrowheads="1" noChangeShapeType="1" noTextEdit="1"/>
+          </p:cNvSpPr>
+          <p:nvPr>
+            <p:extLst>
+              <p:ext uri="{386F3935-93C4-4BCD-93E2-E3B085C9AB24}">
+                <p16:designElem xmlns:p16="http://schemas.microsoft.com/office/powerpoint/2015/main" val="1"/>
+              </p:ext>
+            </p:extLst>
+          </p:nvPr>
+        </p:nvSpPr>
+        <p:spPr>
+          <a:xfrm>
+            <a:off x="579528" y="922919"/>
+            <a:ext cx="11111729" cy="5461252"/>
+          </a:xfrm>
+          <a:prstGeom prst="rect">
+            <a:avLst/>
+          </a:prstGeom>
+          <a:solidFill>
+            <a:schemeClr val="bg1"/>
+          </a:solidFill>
+          <a:ln>
+            <a:noFill/>
+          </a:ln>
+          <a:effectLst>
+            <a:outerShdw blurRad="139700" dist="127000" dir="5400000" algn="t" rotWithShape="0">
+              <a:prstClr val="black">
+                <a:alpha val="15000"/>
+              </a:prstClr>
+            </a:outerShdw>
+          </a:effectLst>
+        </p:spPr>
+        <p:style>
+          <a:lnRef idx="2">
+            <a:schemeClr val="accent1">
+              <a:shade val="50000"/>
+            </a:schemeClr>
+          </a:lnRef>
+          <a:fillRef idx="1">
+            <a:schemeClr val="accent1"/>
+          </a:fillRef>
+          <a:effectRef idx="0">
+            <a:schemeClr val="accent1"/>
+          </a:effectRef>
+          <a:fontRef idx="minor">
+            <a:schemeClr val="lt1"/>
+          </a:fontRef>
+        </p:style>
+        <p:txBody>
+          <a:bodyPr rtlCol="0" anchor="ctr"/>
+          <a:lstStyle/>
+          <a:p>
+            <a:pPr algn="ctr"/>
+            <a:endParaRPr lang="en-US"/>
+          </a:p>
+        </p:txBody>
+      </p:sp>
+      <p:sp>
+        <p:nvSpPr>
+          <p:cNvPr id="2" name="Title 1">
+            <a:extLst>
+              <a:ext uri="{FF2B5EF4-FFF2-40B4-BE49-F238E27FC236}">
+                <a16:creationId xmlns:a16="http://schemas.microsoft.com/office/drawing/2014/main" id="{57053429-E1CD-01D7-4DBB-9F6BF11836AC}"/>
+              </a:ext>
+            </a:extLst>
+          </p:cNvPr>
+          <p:cNvSpPr>
+            <a:spLocks noGrp="1"/>
+          </p:cNvSpPr>
+          <p:nvPr>
+            <p:ph type="title"/>
+          </p:nvPr>
+        </p:nvSpPr>
+        <p:spPr>
+          <a:xfrm>
+            <a:off x="1289304" y="648800"/>
+            <a:ext cx="9849751" cy="1349671"/>
+          </a:xfrm>
+        </p:spPr>
+        <p:txBody>
+          <a:bodyPr anchor="b">
+            <a:normAutofit/>
+          </a:bodyPr>
+          <a:lstStyle/>
+          <a:p>
+            <a:r>
+              <a:rPr lang="es-PE" dirty="0" err="1"/>
+              <a:t>Let's</a:t>
+            </a:r>
+            <a:r>
+              <a:rPr lang="es-PE" dirty="0"/>
+              <a:t> </a:t>
+            </a:r>
+            <a:r>
+              <a:rPr lang="es-PE" dirty="0" err="1"/>
+              <a:t>Get</a:t>
+            </a:r>
+            <a:r>
+              <a:rPr lang="es-PE" dirty="0"/>
+              <a:t> </a:t>
+            </a:r>
+            <a:r>
+              <a:rPr lang="es-PE" dirty="0" err="1"/>
+              <a:t>Hands</a:t>
+            </a:r>
+            <a:r>
+              <a:rPr lang="es-PE" dirty="0"/>
+              <a:t>-On! (Conceptual)</a:t>
+            </a:r>
+            <a:endParaRPr lang="pt-BR" dirty="0"/>
+          </a:p>
+        </p:txBody>
+      </p:sp>
+      <p:sp>
+        <p:nvSpPr>
+          <p:cNvPr id="46" name="Content Placeholder 2">
+            <a:extLst>
+              <a:ext uri="{FF2B5EF4-FFF2-40B4-BE49-F238E27FC236}">
+                <a16:creationId xmlns:a16="http://schemas.microsoft.com/office/drawing/2014/main" id="{F44B9934-D075-2573-43AF-520149387175}"/>
+              </a:ext>
+            </a:extLst>
+          </p:cNvPr>
+          <p:cNvSpPr>
+            <a:spLocks noGrp="1"/>
+          </p:cNvSpPr>
+          <p:nvPr>
+            <p:ph idx="1"/>
+          </p:nvPr>
+        </p:nvSpPr>
+        <p:spPr>
+          <a:xfrm>
+            <a:off x="1289302" y="2137460"/>
+            <a:ext cx="10323169" cy="4071739"/>
+          </a:xfrm>
+        </p:spPr>
+        <p:txBody>
+          <a:bodyPr anchor="ctr">
+            <a:normAutofit/>
+          </a:bodyPr>
+          <a:lstStyle/>
+          <a:p>
+            <a:pPr>
+              <a:buFont typeface="+mj-lt"/>
+              <a:buAutoNum type="arabicPeriod"/>
+            </a:pPr>
+            <a:r>
+              <a:rPr lang="es-PE" sz="1200" dirty="0" err="1"/>
+              <a:t>Identify</a:t>
+            </a:r>
+            <a:r>
+              <a:rPr lang="es-PE" sz="1200" dirty="0"/>
+              <a:t> Key </a:t>
+            </a:r>
+            <a:r>
+              <a:rPr lang="es-PE" sz="1200" dirty="0" err="1"/>
+              <a:t>Kernels</a:t>
+            </a:r>
+            <a:r>
+              <a:rPr lang="es-PE" sz="1200" dirty="0"/>
+              <a:t>: </a:t>
+            </a:r>
+          </a:p>
+          <a:p>
+            <a:pPr lvl="1"/>
+            <a:r>
+              <a:rPr lang="es-PE" sz="1200" dirty="0"/>
+              <a:t>Explore `</a:t>
+            </a:r>
+            <a:r>
+              <a:rPr lang="es-PE" sz="1200" dirty="0" err="1"/>
+              <a:t>dev</a:t>
+            </a:r>
+            <a:r>
+              <a:rPr lang="es-PE" sz="1200" dirty="0"/>
+              <a:t>/</a:t>
+            </a:r>
+            <a:r>
+              <a:rPr lang="es-PE" sz="1200" dirty="0" err="1"/>
+              <a:t>cuda</a:t>
+            </a:r>
+            <a:r>
+              <a:rPr lang="es-PE" sz="1200" dirty="0"/>
+              <a:t>/` in `</a:t>
+            </a:r>
+            <a:r>
+              <a:rPr lang="es-PE" sz="1200" dirty="0" err="1"/>
+              <a:t>llm.c</a:t>
+            </a:r>
+            <a:r>
+              <a:rPr lang="es-PE" sz="1200" dirty="0"/>
+              <a:t>`. </a:t>
+            </a:r>
+          </a:p>
+          <a:p>
+            <a:pPr lvl="1"/>
+            <a:r>
+              <a:rPr lang="es-PE" sz="1200" dirty="0" err="1"/>
+              <a:t>List</a:t>
+            </a:r>
+            <a:r>
+              <a:rPr lang="es-PE" sz="1200" dirty="0"/>
+              <a:t> </a:t>
+            </a:r>
+            <a:r>
+              <a:rPr lang="es-PE" sz="1200" dirty="0" err="1"/>
+              <a:t>critical</a:t>
+            </a:r>
+            <a:r>
+              <a:rPr lang="es-PE" sz="1200" dirty="0"/>
+              <a:t> `.</a:t>
+            </a:r>
+            <a:r>
+              <a:rPr lang="es-PE" sz="1200" dirty="0" err="1"/>
+              <a:t>cu</a:t>
+            </a:r>
+            <a:r>
+              <a:rPr lang="es-PE" sz="1200" dirty="0"/>
+              <a:t>` files for GPT-2's forward </a:t>
+            </a:r>
+            <a:r>
+              <a:rPr lang="es-PE" sz="1200" dirty="0" err="1"/>
+              <a:t>pass</a:t>
+            </a:r>
+            <a:r>
+              <a:rPr lang="es-PE" sz="1200" dirty="0"/>
+              <a:t>. </a:t>
+            </a:r>
+          </a:p>
+          <a:p>
+            <a:pPr lvl="1"/>
+            <a:r>
+              <a:rPr lang="es-PE" sz="1200" dirty="0"/>
+              <a:t>Describe </a:t>
+            </a:r>
+            <a:r>
+              <a:rPr lang="es-PE" sz="1200" dirty="0" err="1"/>
+              <a:t>their</a:t>
+            </a:r>
+            <a:r>
+              <a:rPr lang="es-PE" sz="1200" dirty="0"/>
+              <a:t> role and </a:t>
+            </a:r>
+            <a:r>
+              <a:rPr lang="es-PE" sz="1200" dirty="0" err="1"/>
+              <a:t>expected</a:t>
+            </a:r>
+            <a:r>
+              <a:rPr lang="es-PE" sz="1200" dirty="0"/>
+              <a:t> </a:t>
+            </a:r>
+            <a:r>
+              <a:rPr lang="es-PE" sz="1200" dirty="0" err="1"/>
+              <a:t>type</a:t>
+            </a:r>
+            <a:r>
+              <a:rPr lang="es-PE" sz="1200" dirty="0"/>
+              <a:t> </a:t>
+            </a:r>
+            <a:r>
+              <a:rPr lang="es-PE" sz="1200" dirty="0" err="1"/>
+              <a:t>of</a:t>
+            </a:r>
+            <a:r>
+              <a:rPr lang="es-PE" sz="1200" dirty="0"/>
+              <a:t> </a:t>
+            </a:r>
+            <a:r>
+              <a:rPr lang="es-PE" sz="1200" dirty="0" err="1"/>
+              <a:t>parallelism</a:t>
+            </a:r>
+            <a:r>
+              <a:rPr lang="es-PE" sz="1200" dirty="0"/>
+              <a:t>. </a:t>
+            </a:r>
+          </a:p>
+          <a:p>
+            <a:pPr>
+              <a:buFont typeface="+mj-lt"/>
+              <a:buAutoNum type="arabicPeriod"/>
+            </a:pPr>
+            <a:r>
+              <a:rPr lang="es-PE" sz="1200" dirty="0"/>
+              <a:t>Deep Dive </a:t>
+            </a:r>
+            <a:r>
+              <a:rPr lang="es-PE" sz="1200" dirty="0" err="1"/>
+              <a:t>into</a:t>
+            </a:r>
+            <a:r>
+              <a:rPr lang="es-PE" sz="1200" dirty="0"/>
+              <a:t> </a:t>
+            </a:r>
+            <a:r>
+              <a:rPr lang="es-PE" sz="1200" dirty="0" err="1"/>
+              <a:t>Attention</a:t>
+            </a:r>
+            <a:r>
+              <a:rPr lang="es-PE" sz="1200" dirty="0"/>
+              <a:t> </a:t>
+            </a:r>
+            <a:r>
+              <a:rPr lang="es-PE" sz="1200" dirty="0" err="1"/>
+              <a:t>Kernel</a:t>
+            </a:r>
+            <a:r>
+              <a:rPr lang="es-PE" sz="1200" dirty="0"/>
+              <a:t> (`</a:t>
+            </a:r>
+            <a:r>
+              <a:rPr lang="es-PE" sz="1200" dirty="0" err="1"/>
+              <a:t>dev</a:t>
+            </a:r>
+            <a:r>
+              <a:rPr lang="es-PE" sz="1200" dirty="0"/>
+              <a:t>/</a:t>
+            </a:r>
+            <a:r>
+              <a:rPr lang="es-PE" sz="1200" dirty="0" err="1"/>
+              <a:t>cuda</a:t>
+            </a:r>
+            <a:r>
+              <a:rPr lang="es-PE" sz="1200" dirty="0"/>
+              <a:t>/attention_forward.cu` </a:t>
+            </a:r>
+            <a:r>
+              <a:rPr lang="es-PE" sz="1200" dirty="0" err="1"/>
+              <a:t>source</a:t>
+            </a:r>
+            <a:r>
+              <a:rPr lang="es-PE" sz="1200" dirty="0"/>
+              <a:t>: </a:t>
+            </a:r>
+            <a:r>
+              <a:rPr lang="es-PE" sz="1200" dirty="0">
+                <a:hlinkClick r:id="rId2"/>
+              </a:rPr>
+              <a:t>https://github.com/karpathy/llm.c/blob/master/dev/cuda/attention_forward.cu</a:t>
+            </a:r>
+            <a:r>
+              <a:rPr lang="es-PE" sz="1200" dirty="0"/>
+              <a:t>:</a:t>
+            </a:r>
+          </a:p>
+          <a:p>
+            <a:pPr lvl="1"/>
+            <a:r>
+              <a:rPr lang="es-PE" sz="1200" dirty="0" err="1"/>
+              <a:t>How</a:t>
+            </a:r>
+            <a:r>
+              <a:rPr lang="es-PE" sz="1200" dirty="0"/>
+              <a:t> </a:t>
+            </a:r>
+            <a:r>
+              <a:rPr lang="es-PE" sz="1200" dirty="0" err="1"/>
+              <a:t>would</a:t>
+            </a:r>
+            <a:r>
+              <a:rPr lang="es-PE" sz="1200" dirty="0"/>
+              <a:t> </a:t>
+            </a:r>
+            <a:r>
+              <a:rPr lang="es-PE" sz="1200" dirty="0" err="1"/>
+              <a:t>you</a:t>
+            </a:r>
+            <a:r>
+              <a:rPr lang="es-PE" sz="1200" dirty="0"/>
+              <a:t> </a:t>
+            </a:r>
+            <a:r>
+              <a:rPr lang="es-PE" sz="1200" dirty="0" err="1"/>
+              <a:t>assign</a:t>
+            </a:r>
+            <a:r>
+              <a:rPr lang="es-PE" sz="1200" dirty="0"/>
+              <a:t> </a:t>
+            </a:r>
+            <a:r>
+              <a:rPr lang="es-PE" sz="1200" dirty="0" err="1"/>
+              <a:t>threads</a:t>
+            </a:r>
+            <a:r>
+              <a:rPr lang="es-PE" sz="1200" dirty="0"/>
+              <a:t>/blocks for `Q*K^T`? </a:t>
+            </a:r>
+          </a:p>
+          <a:p>
+            <a:pPr lvl="1"/>
+            <a:r>
+              <a:rPr lang="es-PE" sz="1200" dirty="0" err="1"/>
+              <a:t>How</a:t>
+            </a:r>
+            <a:r>
+              <a:rPr lang="es-PE" sz="1200" dirty="0"/>
+              <a:t> </a:t>
+            </a:r>
+            <a:r>
+              <a:rPr lang="es-PE" sz="1200" dirty="0" err="1"/>
+              <a:t>would</a:t>
+            </a:r>
+            <a:r>
+              <a:rPr lang="es-PE" sz="1200" dirty="0"/>
+              <a:t> </a:t>
+            </a:r>
+            <a:r>
+              <a:rPr lang="es-PE" sz="1200" dirty="0" err="1"/>
+              <a:t>shared</a:t>
+            </a:r>
+            <a:r>
+              <a:rPr lang="es-PE" sz="1200" dirty="0"/>
+              <a:t> </a:t>
+            </a:r>
+            <a:r>
+              <a:rPr lang="es-PE" sz="1200" dirty="0" err="1"/>
+              <a:t>memory</a:t>
+            </a:r>
+            <a:r>
+              <a:rPr lang="es-PE" sz="1200" dirty="0"/>
+              <a:t> be </a:t>
+            </a:r>
+            <a:r>
+              <a:rPr lang="es-PE" sz="1200" dirty="0" err="1"/>
+              <a:t>used</a:t>
+            </a:r>
+            <a:r>
+              <a:rPr lang="es-PE" sz="1200" dirty="0"/>
+              <a:t>? </a:t>
+            </a:r>
+          </a:p>
+          <a:p>
+            <a:pPr lvl="1"/>
+            <a:r>
+              <a:rPr lang="es-PE" sz="1200" dirty="0" err="1"/>
+              <a:t>How</a:t>
+            </a:r>
+            <a:r>
+              <a:rPr lang="es-PE" sz="1200" dirty="0"/>
+              <a:t> are </a:t>
+            </a:r>
+            <a:r>
+              <a:rPr lang="es-PE" sz="1200" dirty="0" err="1"/>
+              <a:t>multiple</a:t>
+            </a:r>
+            <a:r>
+              <a:rPr lang="es-PE" sz="1200" dirty="0"/>
+              <a:t> </a:t>
+            </a:r>
+            <a:r>
+              <a:rPr lang="es-PE" sz="1200" dirty="0" err="1"/>
+              <a:t>heads</a:t>
+            </a:r>
+            <a:r>
+              <a:rPr lang="es-PE" sz="1200" dirty="0"/>
+              <a:t> </a:t>
+            </a:r>
+            <a:r>
+              <a:rPr lang="es-PE" sz="1200" dirty="0" err="1"/>
+              <a:t>handled</a:t>
+            </a:r>
+            <a:r>
+              <a:rPr lang="es-PE" sz="1200" dirty="0"/>
+              <a:t> in </a:t>
+            </a:r>
+            <a:r>
+              <a:rPr lang="es-PE" sz="1200" dirty="0" err="1"/>
+              <a:t>parallel</a:t>
+            </a:r>
+            <a:r>
+              <a:rPr lang="es-PE" sz="1200" dirty="0"/>
+              <a:t>? </a:t>
+            </a:r>
+          </a:p>
+          <a:p>
+            <a:pPr>
+              <a:buFont typeface="+mj-lt"/>
+              <a:buAutoNum type="arabicPeriod"/>
+            </a:pPr>
+            <a:r>
+              <a:rPr lang="es-PE" sz="1200" dirty="0" err="1"/>
+              <a:t>Analyze</a:t>
+            </a:r>
+            <a:r>
+              <a:rPr lang="es-PE" sz="1200" dirty="0"/>
+              <a:t> a Training Script (</a:t>
+            </a:r>
+            <a:r>
+              <a:rPr lang="es-PE" sz="1200" dirty="0" err="1"/>
+              <a:t>e.g</a:t>
+            </a:r>
+            <a:r>
+              <a:rPr lang="es-PE" sz="1200" dirty="0"/>
+              <a:t>., `scripts/run_gpt2_124M.sh` </a:t>
+            </a:r>
+            <a:r>
+              <a:rPr lang="fr-FR" sz="1200" dirty="0"/>
+              <a:t>source: </a:t>
+            </a:r>
+            <a:r>
+              <a:rPr lang="fr-FR" sz="1200" dirty="0">
+                <a:hlinkClick r:id="rId3"/>
+              </a:rPr>
+              <a:t>https://github.com/karpathy/llm.c/blob/master</a:t>
+            </a:r>
+            <a:r>
+              <a:rPr lang="es-PE" sz="1200" dirty="0">
+                <a:hlinkClick r:id="rId3"/>
+              </a:rPr>
+              <a:t>/scripts/run_gpt2_124M.sh</a:t>
+            </a:r>
+            <a:endParaRPr lang="es-PE" sz="1200" dirty="0"/>
+          </a:p>
+          <a:p>
+            <a:pPr lvl="1"/>
+            <a:r>
+              <a:rPr lang="es-PE" sz="1200" dirty="0" err="1"/>
+              <a:t>Identify</a:t>
+            </a:r>
+            <a:r>
+              <a:rPr lang="es-PE" sz="1200" dirty="0"/>
+              <a:t> </a:t>
+            </a:r>
+            <a:r>
+              <a:rPr lang="es-PE" sz="1200" dirty="0" err="1"/>
+              <a:t>parameters</a:t>
+            </a:r>
+            <a:r>
+              <a:rPr lang="es-PE" sz="1200" dirty="0"/>
+              <a:t> </a:t>
+            </a:r>
+            <a:r>
+              <a:rPr lang="es-PE" sz="1200" dirty="0" err="1"/>
+              <a:t>related</a:t>
+            </a:r>
+            <a:r>
+              <a:rPr lang="es-PE" sz="1200" dirty="0"/>
+              <a:t> to GPU, </a:t>
+            </a:r>
+            <a:r>
+              <a:rPr lang="es-PE" sz="1200" dirty="0" err="1"/>
+              <a:t>batch</a:t>
+            </a:r>
+            <a:r>
+              <a:rPr lang="es-PE" sz="1200" dirty="0"/>
+              <a:t> </a:t>
+            </a:r>
+            <a:r>
+              <a:rPr lang="es-PE" sz="1200" dirty="0" err="1"/>
+              <a:t>size</a:t>
+            </a:r>
+            <a:r>
+              <a:rPr lang="es-PE" sz="1200" dirty="0"/>
+              <a:t>, </a:t>
+            </a:r>
+            <a:r>
+              <a:rPr lang="es-PE" sz="1200" dirty="0" err="1"/>
+              <a:t>sequence</a:t>
+            </a:r>
+            <a:r>
+              <a:rPr lang="es-PE" sz="1200" dirty="0"/>
+              <a:t> </a:t>
+            </a:r>
+            <a:r>
+              <a:rPr lang="es-PE" sz="1200" dirty="0" err="1"/>
+              <a:t>length</a:t>
+            </a:r>
+            <a:r>
+              <a:rPr lang="es-PE" sz="1200" dirty="0"/>
+              <a:t>. </a:t>
+            </a:r>
+          </a:p>
+          <a:p>
+            <a:pPr lvl="1"/>
+            <a:r>
+              <a:rPr lang="es-PE" sz="1200" dirty="0" err="1"/>
+              <a:t>Predict</a:t>
+            </a:r>
+            <a:r>
+              <a:rPr lang="es-PE" sz="1200" dirty="0"/>
+              <a:t> </a:t>
+            </a:r>
+            <a:r>
+              <a:rPr lang="es-PE" sz="1200" dirty="0" err="1"/>
+              <a:t>their</a:t>
+            </a:r>
+            <a:r>
+              <a:rPr lang="es-PE" sz="1200" dirty="0"/>
+              <a:t> </a:t>
+            </a:r>
+            <a:r>
+              <a:rPr lang="es-PE" sz="1200" dirty="0" err="1"/>
+              <a:t>impact</a:t>
+            </a:r>
+            <a:r>
+              <a:rPr lang="es-PE" sz="1200" dirty="0"/>
+              <a:t> on GPU </a:t>
+            </a:r>
+            <a:r>
+              <a:rPr lang="es-PE" sz="1200" dirty="0" err="1"/>
+              <a:t>memory</a:t>
+            </a:r>
+            <a:r>
+              <a:rPr lang="es-PE" sz="1200" dirty="0"/>
+              <a:t>, </a:t>
+            </a:r>
+            <a:r>
+              <a:rPr lang="es-PE" sz="1200" dirty="0" err="1"/>
+              <a:t>parallelism</a:t>
+            </a:r>
+            <a:r>
+              <a:rPr lang="es-PE" sz="1200" dirty="0"/>
+              <a:t>, and training time. </a:t>
+            </a:r>
+          </a:p>
+          <a:p>
+            <a:pPr>
+              <a:buFont typeface="+mj-lt"/>
+              <a:buAutoNum type="arabicPeriod"/>
+            </a:pPr>
+            <a:r>
+              <a:rPr lang="es-PE" sz="1200" dirty="0"/>
+              <a:t>(Bonus) Profiling </a:t>
+            </a:r>
+            <a:r>
+              <a:rPr lang="es-PE" sz="1200" dirty="0" err="1"/>
+              <a:t>Thought</a:t>
+            </a:r>
+            <a:r>
+              <a:rPr lang="es-PE" sz="1200" dirty="0"/>
+              <a:t> </a:t>
+            </a:r>
+            <a:r>
+              <a:rPr lang="es-PE" sz="1200" dirty="0" err="1"/>
+              <a:t>Experiment</a:t>
+            </a:r>
+            <a:r>
+              <a:rPr lang="es-PE" sz="1200" dirty="0"/>
+              <a:t>:</a:t>
+            </a:r>
+          </a:p>
+          <a:p>
+            <a:pPr lvl="1"/>
+            <a:r>
+              <a:rPr lang="es-PE" sz="1200" dirty="0" err="1"/>
+              <a:t>If</a:t>
+            </a:r>
+            <a:r>
+              <a:rPr lang="es-PE" sz="1200" dirty="0"/>
+              <a:t> </a:t>
+            </a:r>
+            <a:r>
+              <a:rPr lang="es-PE" sz="1200" dirty="0" err="1"/>
+              <a:t>you</a:t>
+            </a:r>
+            <a:r>
+              <a:rPr lang="es-PE" sz="1200" dirty="0"/>
+              <a:t> </a:t>
+            </a:r>
+            <a:r>
+              <a:rPr lang="es-PE" sz="1200" dirty="0" err="1"/>
+              <a:t>used</a:t>
+            </a:r>
+            <a:r>
+              <a:rPr lang="es-PE" sz="1200" dirty="0"/>
+              <a:t> a CUDA </a:t>
+            </a:r>
+            <a:r>
+              <a:rPr lang="es-PE" sz="1200" dirty="0" err="1"/>
+              <a:t>profiler</a:t>
+            </a:r>
+            <a:r>
+              <a:rPr lang="es-PE" sz="1200" dirty="0"/>
+              <a:t> (</a:t>
+            </a:r>
+            <a:r>
+              <a:rPr lang="es-PE" sz="1200" dirty="0" err="1"/>
+              <a:t>Nsight</a:t>
+            </a:r>
+            <a:r>
+              <a:rPr lang="es-PE" sz="1200" dirty="0"/>
+              <a:t>), </a:t>
+            </a:r>
+            <a:r>
+              <a:rPr lang="es-PE" sz="1200" dirty="0" err="1"/>
+              <a:t>what</a:t>
+            </a:r>
+            <a:r>
+              <a:rPr lang="es-PE" sz="1200" dirty="0"/>
+              <a:t> </a:t>
+            </a:r>
+            <a:r>
+              <a:rPr lang="es-PE" sz="1200" dirty="0" err="1"/>
+              <a:t>metrics</a:t>
+            </a:r>
+            <a:r>
+              <a:rPr lang="es-PE" sz="1200" dirty="0"/>
+              <a:t> and </a:t>
+            </a:r>
+            <a:r>
+              <a:rPr lang="es-PE" sz="1200" dirty="0" err="1"/>
+              <a:t>kernels</a:t>
+            </a:r>
+            <a:r>
+              <a:rPr lang="es-PE" sz="1200" dirty="0"/>
+              <a:t> </a:t>
+            </a:r>
+            <a:r>
+              <a:rPr lang="es-PE" sz="1200" dirty="0" err="1"/>
+              <a:t>would</a:t>
+            </a:r>
+            <a:r>
+              <a:rPr lang="es-PE" sz="1200" dirty="0"/>
+              <a:t> </a:t>
+            </a:r>
+            <a:r>
+              <a:rPr lang="es-PE" sz="1200" dirty="0" err="1"/>
+              <a:t>you</a:t>
+            </a:r>
+            <a:r>
+              <a:rPr lang="es-PE" sz="1200" dirty="0"/>
+              <a:t> look for to </a:t>
+            </a:r>
+            <a:r>
+              <a:rPr lang="es-PE" sz="1200" dirty="0" err="1"/>
+              <a:t>identify</a:t>
+            </a:r>
+            <a:r>
+              <a:rPr lang="es-PE" sz="1200" dirty="0"/>
+              <a:t> </a:t>
+            </a:r>
+            <a:r>
+              <a:rPr lang="es-PE" sz="1200" dirty="0" err="1"/>
+              <a:t>bottlenecks</a:t>
+            </a:r>
+            <a:r>
+              <a:rPr lang="es-PE" sz="1200" dirty="0"/>
+              <a:t>? </a:t>
+            </a:r>
+            <a:endParaRPr lang="pt-BR" sz="1200" dirty="0"/>
+          </a:p>
+        </p:txBody>
+      </p:sp>
+    </p:spTree>
+    <p:extLst>
+      <p:ext uri="{BB962C8B-B14F-4D97-AF65-F5344CB8AC3E}">
+        <p14:creationId xmlns:p14="http://schemas.microsoft.com/office/powerpoint/2010/main" val="1041672854"/>
+      </p:ext>
+    </p:extLst>
+  </p:cSld>
+  <p:clrMapOvr>
+    <a:masterClrMapping/>
+  </p:clrMapOvr>
+</p:sld>
+</file>
+
+<file path=ppt/slides/slide2.xml><?xml version="1.0" encoding="utf-8"?>
+<p:sld xmlns:a="http://schemas.openxmlformats.org/drawingml/2006/main" xmlns:r="http://schemas.openxmlformats.org/officeDocument/2006/relationships" xmlns:p="http://schemas.openxmlformats.org/presentationml/2006/main">
+  <p:cSld>
+    <p:bg>
+      <p:bgPr>
+        <a:solidFill>
+          <a:schemeClr val="bg1"/>
+        </a:solidFill>
+        <a:effectLst/>
+      </p:bgPr>
+    </p:bg>
+    <p:spTree>
+      <p:nvGrpSpPr>
+        <p:cNvPr id="1" name=""/>
+        <p:cNvGrpSpPr/>
+        <p:nvPr/>
+      </p:nvGrpSpPr>
+      <p:grpSpPr>
+        <a:xfrm>
+          <a:off x="0" y="0"/>
+          <a:ext cx="0" cy="0"/>
+          <a:chOff x="0" y="0"/>
+          <a:chExt cx="0" cy="0"/>
+        </a:xfrm>
+      </p:grpSpPr>
+      <p:sp>
+        <p:nvSpPr>
+          <p:cNvPr id="2" name="Title 1">
+            <a:extLst>
+              <a:ext uri="{FF2B5EF4-FFF2-40B4-BE49-F238E27FC236}">
+                <a16:creationId xmlns:a16="http://schemas.microsoft.com/office/drawing/2014/main" id="{40991826-AD8B-A5DB-090C-8D17F95CB110}"/>
+              </a:ext>
+            </a:extLst>
+          </p:cNvPr>
+          <p:cNvSpPr>
+            <a:spLocks noGrp="1"/>
+          </p:cNvSpPr>
+          <p:nvPr>
+            <p:ph type="title"/>
+          </p:nvPr>
+        </p:nvSpPr>
+        <p:spPr>
+          <a:xfrm>
+            <a:off x="761840" y="1138265"/>
+            <a:ext cx="4544762" cy="1401183"/>
+          </a:xfrm>
+        </p:spPr>
+        <p:txBody>
+          <a:bodyPr anchor="t">
+            <a:normAutofit/>
+          </a:bodyPr>
+          <a:lstStyle/>
+          <a:p>
+            <a:r>
+              <a:rPr lang="es-PE" sz="3200"/>
+              <a:t>Introduction</a:t>
+            </a:r>
+            <a:endParaRPr lang="pt-BR" sz="3200"/>
+          </a:p>
+        </p:txBody>
+      </p:sp>
+      <p:cxnSp>
+        <p:nvCxnSpPr>
+          <p:cNvPr id="23" name="Straight Connector 22">
+            <a:extLst>
+              <a:ext uri="{FF2B5EF4-FFF2-40B4-BE49-F238E27FC236}">
+                <a16:creationId xmlns:a16="http://schemas.microsoft.com/office/drawing/2014/main" id="{FC23E3B9-5ABF-58B3-E2B0-E9A5DAA90037}"/>
+              </a:ext>
+              <a:ext uri="{C183D7F6-B498-43B3-948B-1728B52AA6E4}">
+                <adec:decorative xmlns:adec="http://schemas.microsoft.com/office/drawing/2017/decorative" val="1"/>
+              </a:ext>
+            </a:extLst>
+          </p:cNvPr>
+          <p:cNvCxnSpPr>
+            <a:cxnSpLocks noGrp="1" noRot="1" noChangeAspect="1" noMove="1" noResize="1" noEditPoints="1" noAdjustHandles="1" noChangeArrowheads="1" noChangeShapeType="1"/>
+          </p:cNvCxnSpPr>
+          <p:nvPr>
+            <p:extLst>
+              <p:ext uri="{386F3935-93C4-4BCD-93E2-E3B085C9AB24}">
+                <p16:designElem xmlns:p16="http://schemas.microsoft.com/office/powerpoint/2015/main" val="1"/>
+              </p:ext>
+            </p:extLst>
+          </p:nvPr>
+        </p:nvCxnSpPr>
+        <p:spPr>
+          <a:xfrm>
+            <a:off x="861462" y="871146"/>
+            <a:ext cx="736939" cy="0"/>
+          </a:xfrm>
+          <a:prstGeom prst="line">
+            <a:avLst/>
+          </a:prstGeom>
+          <a:ln w="57150">
+            <a:solidFill>
+              <a:schemeClr val="accent4"/>
+            </a:solidFill>
+          </a:ln>
+        </p:spPr>
+        <p:style>
+          <a:lnRef idx="1">
+            <a:schemeClr val="accent1"/>
+          </a:lnRef>
+          <a:fillRef idx="0">
+            <a:schemeClr val="accent1"/>
+          </a:fillRef>
+          <a:effectRef idx="0">
+            <a:schemeClr val="accent1"/>
+          </a:effectRef>
+          <a:fontRef idx="minor">
+            <a:schemeClr val="tx1"/>
+          </a:fontRef>
+        </p:style>
+      </p:cxnSp>
+      <p:sp>
+        <p:nvSpPr>
+          <p:cNvPr id="3" name="Content Placeholder 2">
+            <a:extLst>
+              <a:ext uri="{FF2B5EF4-FFF2-40B4-BE49-F238E27FC236}">
+                <a16:creationId xmlns:a16="http://schemas.microsoft.com/office/drawing/2014/main" id="{D38F4323-8718-D310-D352-3F2DA4F0219E}"/>
+              </a:ext>
+            </a:extLst>
+          </p:cNvPr>
+          <p:cNvSpPr>
+            <a:spLocks noGrp="1"/>
+          </p:cNvSpPr>
+          <p:nvPr>
+            <p:ph idx="1"/>
+          </p:nvPr>
+        </p:nvSpPr>
+        <p:spPr>
+          <a:xfrm>
+            <a:off x="761840" y="2551176"/>
+            <a:ext cx="4544762" cy="3602935"/>
+          </a:xfrm>
+        </p:spPr>
+        <p:txBody>
+          <a:bodyPr>
+            <a:normAutofit/>
+          </a:bodyPr>
+          <a:lstStyle/>
+          <a:p>
+            <a:r>
+              <a:rPr lang="pt-BR" sz="1700" dirty="0" err="1"/>
+              <a:t>Welcome</a:t>
+            </a:r>
+            <a:r>
+              <a:rPr lang="pt-BR" sz="1700" dirty="0"/>
+              <a:t> to the </a:t>
+            </a:r>
+            <a:r>
+              <a:rPr lang="pt-BR" sz="1700" dirty="0" err="1"/>
+              <a:t>session</a:t>
+            </a:r>
+            <a:r>
+              <a:rPr lang="pt-BR" sz="1700" dirty="0"/>
+              <a:t>.</a:t>
+            </a:r>
+          </a:p>
+          <a:p>
+            <a:r>
+              <a:rPr lang="pt-BR" sz="1700" dirty="0" err="1"/>
+              <a:t>Brief</a:t>
+            </a:r>
+            <a:r>
+              <a:rPr lang="pt-BR" sz="1700" dirty="0"/>
+              <a:t> overview </a:t>
+            </a:r>
+            <a:r>
+              <a:rPr lang="pt-BR" sz="1700" dirty="0" err="1"/>
+              <a:t>of</a:t>
+            </a:r>
+            <a:r>
+              <a:rPr lang="pt-BR" sz="1700" dirty="0"/>
+              <a:t> the </a:t>
+            </a:r>
+            <a:r>
+              <a:rPr lang="pt-BR" sz="1700" dirty="0" err="1"/>
+              <a:t>objective</a:t>
+            </a:r>
+            <a:r>
+              <a:rPr lang="pt-BR" sz="1700" dirty="0"/>
+              <a:t>: </a:t>
+            </a:r>
+            <a:r>
+              <a:rPr lang="pt-BR" sz="1700" dirty="0" err="1"/>
+              <a:t>Understand</a:t>
+            </a:r>
+            <a:r>
+              <a:rPr lang="pt-BR" sz="1700" dirty="0"/>
+              <a:t> GPT-2 </a:t>
+            </a:r>
+            <a:r>
+              <a:rPr lang="pt-BR" sz="1700" dirty="0" err="1"/>
+              <a:t>and</a:t>
+            </a:r>
+            <a:r>
+              <a:rPr lang="pt-BR" sz="1700" dirty="0"/>
+              <a:t> </a:t>
+            </a:r>
+            <a:r>
+              <a:rPr lang="pt-BR" sz="1700" dirty="0" err="1"/>
+              <a:t>how</a:t>
+            </a:r>
+            <a:r>
+              <a:rPr lang="pt-BR" sz="1700" dirty="0"/>
+              <a:t> </a:t>
+            </a:r>
+            <a:r>
+              <a:rPr lang="pt-BR" sz="1700" dirty="0" err="1"/>
+              <a:t>GPUs</a:t>
+            </a:r>
+            <a:r>
+              <a:rPr lang="pt-BR" sz="1700" dirty="0"/>
+              <a:t> </a:t>
+            </a:r>
+            <a:r>
+              <a:rPr lang="pt-BR" sz="1700" dirty="0" err="1"/>
+              <a:t>boost</a:t>
+            </a:r>
+            <a:r>
+              <a:rPr lang="pt-BR" sz="1700" dirty="0"/>
+              <a:t> its performance.</a:t>
+            </a:r>
+          </a:p>
+          <a:p>
+            <a:r>
+              <a:rPr lang="pt-BR" sz="1700" dirty="0" err="1"/>
+              <a:t>Mention</a:t>
+            </a:r>
+            <a:r>
+              <a:rPr lang="pt-BR" sz="1700" dirty="0"/>
+              <a:t> the </a:t>
+            </a:r>
+            <a:r>
+              <a:rPr lang="pt-BR" sz="1700" dirty="0" err="1"/>
+              <a:t>relevance</a:t>
+            </a:r>
+            <a:r>
+              <a:rPr lang="pt-BR" sz="1700" dirty="0"/>
+              <a:t> </a:t>
+            </a:r>
+            <a:r>
+              <a:rPr lang="pt-BR" sz="1700" dirty="0" err="1"/>
+              <a:t>of</a:t>
+            </a:r>
+            <a:r>
+              <a:rPr lang="pt-BR" sz="1700" dirty="0"/>
+              <a:t> LLMs </a:t>
+            </a:r>
+            <a:r>
+              <a:rPr lang="pt-BR" sz="1700" dirty="0" err="1"/>
+              <a:t>and</a:t>
+            </a:r>
+            <a:r>
+              <a:rPr lang="pt-BR" sz="1700" dirty="0"/>
+              <a:t> high-performance </a:t>
+            </a:r>
+            <a:r>
+              <a:rPr lang="pt-BR" sz="1700" dirty="0" err="1"/>
+              <a:t>computing</a:t>
+            </a:r>
+            <a:r>
+              <a:rPr lang="pt-BR" sz="1700" dirty="0"/>
+              <a:t>.</a:t>
+            </a:r>
+          </a:p>
+          <a:p>
+            <a:r>
+              <a:rPr lang="pt-BR" sz="1700" dirty="0"/>
+              <a:t>Conceptual </a:t>
+            </a:r>
+            <a:r>
+              <a:rPr lang="pt-BR" sz="1700" dirty="0" err="1"/>
+              <a:t>reference</a:t>
+            </a:r>
+            <a:r>
+              <a:rPr lang="pt-BR" sz="1700" dirty="0"/>
+              <a:t> to </a:t>
+            </a:r>
+            <a:r>
+              <a:rPr lang="pt-BR" sz="1700" dirty="0" err="1"/>
+              <a:t>Andrej</a:t>
+            </a:r>
+            <a:r>
+              <a:rPr lang="pt-BR" sz="1700" dirty="0"/>
+              <a:t> </a:t>
+            </a:r>
+            <a:r>
+              <a:rPr lang="pt-BR" sz="1700" dirty="0" err="1"/>
+              <a:t>Karpathy's</a:t>
+            </a:r>
+            <a:r>
+              <a:rPr lang="pt-BR" sz="1700" dirty="0"/>
+              <a:t> </a:t>
+            </a:r>
+            <a:r>
+              <a:rPr lang="pt-BR" sz="1700" dirty="0" err="1"/>
+              <a:t>llm.c</a:t>
+            </a:r>
+            <a:r>
+              <a:rPr lang="pt-BR" sz="1700" dirty="0"/>
+              <a:t> </a:t>
+            </a:r>
+            <a:r>
+              <a:rPr lang="pt-BR" sz="1700" dirty="0" err="1"/>
+              <a:t>project</a:t>
+            </a:r>
+            <a:r>
+              <a:rPr lang="pt-BR" sz="1700" dirty="0"/>
+              <a:t> as a C/CUDA </a:t>
+            </a:r>
+            <a:r>
+              <a:rPr lang="pt-BR" sz="1700" dirty="0" err="1"/>
+              <a:t>implementation</a:t>
+            </a:r>
+            <a:r>
+              <a:rPr lang="pt-BR" sz="1700" dirty="0"/>
+              <a:t> </a:t>
+            </a:r>
+            <a:r>
+              <a:rPr lang="pt-BR" sz="1700" dirty="0" err="1"/>
+              <a:t>example</a:t>
+            </a:r>
+            <a:r>
+              <a:rPr lang="pt-BR" sz="1700" dirty="0"/>
+              <a:t>. </a:t>
+            </a:r>
+          </a:p>
+          <a:p>
+            <a:pPr lvl="1"/>
+            <a:r>
+              <a:rPr lang="pt-BR" sz="1700" dirty="0" err="1"/>
+              <a:t>Source</a:t>
+            </a:r>
+            <a:r>
+              <a:rPr lang="pt-BR" sz="1700" dirty="0"/>
+              <a:t>: https://github.com/karpathy/llm.c/blob/master/README.md</a:t>
+            </a:r>
+          </a:p>
+        </p:txBody>
+      </p:sp>
+      <p:pic>
+        <p:nvPicPr>
+          <p:cNvPr id="7" name="Graphic 6" descr="Presentation with Checklist">
+            <a:extLst>
+              <a:ext uri="{FF2B5EF4-FFF2-40B4-BE49-F238E27FC236}">
+                <a16:creationId xmlns:a16="http://schemas.microsoft.com/office/drawing/2014/main" id="{F5201FE4-A181-5899-6921-4712683E32BB}"/>
+              </a:ext>
+            </a:extLst>
+          </p:cNvPr>
+          <p:cNvPicPr>
+            <a:picLocks noChangeAspect="1"/>
+          </p:cNvPicPr>
+          <p:nvPr/>
+        </p:nvPicPr>
+        <p:blipFill>
+          <a:blip r:embed="rId2">
+            <a:extLst>
+              <a:ext uri="{28A0092B-C50C-407E-A947-70E740481C1C}">
+                <a14:useLocalDpi xmlns:a14="http://schemas.microsoft.com/office/drawing/2010/main" val="0"/>
+              </a:ext>
+              <a:ext uri="{96DAC541-7B7A-43D3-8B79-37D633B846F1}">
+                <asvg:svgBlip xmlns:asvg="http://schemas.microsoft.com/office/drawing/2016/SVG/main" r:embed="rId3"/>
+              </a:ext>
+            </a:extLst>
+          </a:blip>
+          <a:stretch>
+            <a:fillRect/>
+          </a:stretch>
+        </p:blipFill>
+        <p:spPr>
+          <a:xfrm>
+            <a:off x="6091780" y="771753"/>
+            <a:ext cx="5316095" cy="5316095"/>
+          </a:xfrm>
+          <a:prstGeom prst="rect">
+            <a:avLst/>
+          </a:prstGeom>
+        </p:spPr>
+      </p:pic>
+    </p:spTree>
+    <p:extLst>
+      <p:ext uri="{BB962C8B-B14F-4D97-AF65-F5344CB8AC3E}">
+        <p14:creationId xmlns:p14="http://schemas.microsoft.com/office/powerpoint/2010/main" val="328623004"/>
+      </p:ext>
+    </p:extLst>
+  </p:cSld>
+  <p:clrMapOvr>
+    <a:masterClrMapping/>
+  </p:clrMapOvr>
+</p:sld>
+</file>
+
+<file path=ppt/slides/slide20.xml><?xml version="1.0" encoding="utf-8"?>
+<p:sld xmlns:a="http://schemas.openxmlformats.org/drawingml/2006/main" xmlns:r="http://schemas.openxmlformats.org/officeDocument/2006/relationships" xmlns:p="http://schemas.openxmlformats.org/presentationml/2006/main">
+  <p:cSld>
+    <p:bg>
+      <p:bgPr>
+        <a:solidFill>
+          <a:schemeClr val="bg1"/>
+        </a:solidFill>
+        <a:effectLst/>
+      </p:bgPr>
+    </p:bg>
+    <p:spTree>
+      <p:nvGrpSpPr>
+        <p:cNvPr id="1" name=""/>
+        <p:cNvGrpSpPr/>
+        <p:nvPr/>
+      </p:nvGrpSpPr>
+      <p:grpSpPr>
+        <a:xfrm>
+          <a:off x="0" y="0"/>
+          <a:ext cx="0" cy="0"/>
+          <a:chOff x="0" y="0"/>
+          <a:chExt cx="0" cy="0"/>
+        </a:xfrm>
+      </p:grpSpPr>
+      <p:sp useBgFill="1">
+        <p:nvSpPr>
+          <p:cNvPr id="8" name="Rectangle 7">
+            <a:extLst>
+              <a:ext uri="{FF2B5EF4-FFF2-40B4-BE49-F238E27FC236}">
+                <a16:creationId xmlns:a16="http://schemas.microsoft.com/office/drawing/2014/main" id="{B6CDA21F-E7AF-4C75-8395-33F58D5B0E45}"/>
+              </a:ext>
+              <a:ext uri="{C183D7F6-B498-43B3-948B-1728B52AA6E4}">
+                <adec:decorative xmlns:adec="http://schemas.microsoft.com/office/drawing/2017/decorative" val="1"/>
+              </a:ext>
+            </a:extLst>
+          </p:cNvPr>
+          <p:cNvSpPr>
+            <a:spLocks noGrp="1" noRot="1" noChangeAspect="1" noMove="1" noResize="1" noEditPoints="1" noAdjustHandles="1" noChangeArrowheads="1" noChangeShapeType="1" noTextEdit="1"/>
+          </p:cNvSpPr>
+          <p:nvPr>
+            <p:extLst>
+              <p:ext uri="{386F3935-93C4-4BCD-93E2-E3B085C9AB24}">
+                <p16:designElem xmlns:p16="http://schemas.microsoft.com/office/powerpoint/2015/main" val="1"/>
+              </p:ext>
+            </p:extLst>
+          </p:nvPr>
+        </p:nvSpPr>
+        <p:spPr>
+          <a:xfrm>
+            <a:off x="0" y="0"/>
+            <a:ext cx="12191999" cy="6857365"/>
+          </a:xfrm>
+          <a:prstGeom prst="rect">
+            <a:avLst/>
+          </a:prstGeom>
+          <a:ln>
+            <a:noFill/>
+          </a:ln>
+        </p:spPr>
+        <p:style>
+          <a:lnRef idx="2">
+            <a:schemeClr val="accent1">
+              <a:shade val="50000"/>
+            </a:schemeClr>
+          </a:lnRef>
+          <a:fillRef idx="1">
+            <a:schemeClr val="accent1"/>
+          </a:fillRef>
+          <a:effectRef idx="0">
+            <a:schemeClr val="accent1"/>
+          </a:effectRef>
+          <a:fontRef idx="minor">
+            <a:schemeClr val="lt1"/>
+          </a:fontRef>
+        </p:style>
+        <p:txBody>
+          <a:bodyPr rtlCol="0" anchor="ctr"/>
+          <a:lstStyle/>
+          <a:p>
+            <a:pPr algn="ctr"/>
+            <a:endParaRPr lang="en-US"/>
+          </a:p>
+        </p:txBody>
+      </p:sp>
+      <p:grpSp>
+        <p:nvGrpSpPr>
+          <p:cNvPr id="10" name="Group 9">
+            <a:extLst>
+              <a:ext uri="{FF2B5EF4-FFF2-40B4-BE49-F238E27FC236}">
+                <a16:creationId xmlns:a16="http://schemas.microsoft.com/office/drawing/2014/main" id="{AE1C45F0-260A-458C-96ED-C1F6D2151219}"/>
+              </a:ext>
+              <a:ext uri="{C183D7F6-B498-43B3-948B-1728B52AA6E4}">
+                <adec:decorative xmlns:adec="http://schemas.microsoft.com/office/drawing/2017/decorative" val="1"/>
+              </a:ext>
+            </a:extLst>
+          </p:cNvPr>
+          <p:cNvGrpSpPr>
+            <a:grpSpLocks noGrp="1" noUngrp="1" noRot="1" noChangeAspect="1" noMove="1" noResize="1"/>
+          </p:cNvGrpSpPr>
+          <p:nvPr>
+            <p:extLst>
+              <p:ext uri="{386F3935-93C4-4BCD-93E2-E3B085C9AB24}">
+                <p16:designElem xmlns:p16="http://schemas.microsoft.com/office/powerpoint/2015/main" val="1"/>
+              </p:ext>
+            </p:extLst>
+          </p:nvPr>
+        </p:nvGrpSpPr>
+        <p:grpSpPr>
+          <a:xfrm>
+            <a:off x="4" y="1216597"/>
+            <a:ext cx="731521" cy="673460"/>
+            <a:chOff x="3940602" y="308034"/>
+            <a:chExt cx="2116791" cy="3428999"/>
+          </a:xfrm>
+          <a:solidFill>
+            <a:schemeClr val="accent4"/>
+          </a:solidFill>
+        </p:grpSpPr>
+        <p:sp>
+          <p:nvSpPr>
+            <p:cNvPr id="11" name="Rectangle 10">
+              <a:extLst>
+                <a:ext uri="{FF2B5EF4-FFF2-40B4-BE49-F238E27FC236}">
+                  <a16:creationId xmlns:a16="http://schemas.microsoft.com/office/drawing/2014/main" id="{A6604B49-AD5C-4590-B051-06C8222ECD99}"/>
+                </a:ext>
+                <a:ext uri="{C183D7F6-B498-43B3-948B-1728B52AA6E4}">
+                  <adec:decorative xmlns:adec="http://schemas.microsoft.com/office/drawing/2017/decorative" val="1"/>
+                </a:ext>
+              </a:extLst>
+            </p:cNvPr>
+            <p:cNvSpPr/>
+            <p:nvPr>
+              <p:extLst>
+                <p:ext uri="{386F3935-93C4-4BCD-93E2-E3B085C9AB24}">
+                  <p16:designElem xmlns:p16="http://schemas.microsoft.com/office/powerpoint/2015/main" val="1"/>
+                </p:ext>
+              </p:extLst>
+            </p:nvPr>
+          </p:nvSpPr>
+          <p:spPr>
+            <a:xfrm>
+              <a:off x="3940602" y="308034"/>
+              <a:ext cx="566743" cy="3428999"/>
+            </a:xfrm>
+            <a:prstGeom prst="rect">
+              <a:avLst/>
+            </a:prstGeom>
+            <a:grpFill/>
+            <a:ln>
+              <a:noFill/>
+            </a:ln>
+          </p:spPr>
+          <p:style>
+            <a:lnRef idx="2">
+              <a:schemeClr val="accent1">
+                <a:shade val="50000"/>
+              </a:schemeClr>
+            </a:lnRef>
+            <a:fillRef idx="1">
+              <a:schemeClr val="accent1"/>
+            </a:fillRef>
+            <a:effectRef idx="0">
+              <a:schemeClr val="accent1"/>
+            </a:effectRef>
+            <a:fontRef idx="minor">
+              <a:schemeClr val="lt1"/>
+            </a:fontRef>
+          </p:style>
+          <p:txBody>
+            <a:bodyPr rtlCol="0" anchor="ctr"/>
+            <a:lstStyle/>
+            <a:p>
+              <a:pPr algn="ctr"/>
+              <a:endParaRPr lang="en-US"/>
+            </a:p>
+          </p:txBody>
+        </p:sp>
+        <p:sp>
+          <p:nvSpPr>
+            <p:cNvPr id="12" name="Rectangle 11">
+              <a:extLst>
+                <a:ext uri="{FF2B5EF4-FFF2-40B4-BE49-F238E27FC236}">
+                  <a16:creationId xmlns:a16="http://schemas.microsoft.com/office/drawing/2014/main" id="{743ECCAF-29C5-4537-947C-7EA1292463DB}"/>
+                </a:ext>
+                <a:ext uri="{C183D7F6-B498-43B3-948B-1728B52AA6E4}">
+                  <adec:decorative xmlns:adec="http://schemas.microsoft.com/office/drawing/2017/decorative" val="1"/>
+                </a:ext>
+              </a:extLst>
+            </p:cNvPr>
+            <p:cNvSpPr/>
+            <p:nvPr>
+              <p:extLst>
+                <p:ext uri="{386F3935-93C4-4BCD-93E2-E3B085C9AB24}">
+                  <p16:designElem xmlns:p16="http://schemas.microsoft.com/office/powerpoint/2015/main" val="1"/>
+                </p:ext>
+              </p:extLst>
+            </p:nvPr>
+          </p:nvSpPr>
+          <p:spPr>
+            <a:xfrm>
+              <a:off x="4715626" y="308034"/>
+              <a:ext cx="566743" cy="3428999"/>
+            </a:xfrm>
+            <a:prstGeom prst="rect">
+              <a:avLst/>
+            </a:prstGeom>
+            <a:grpFill/>
+            <a:ln>
+              <a:noFill/>
+            </a:ln>
+          </p:spPr>
+          <p:style>
+            <a:lnRef idx="2">
+              <a:schemeClr val="accent1">
+                <a:shade val="50000"/>
+              </a:schemeClr>
+            </a:lnRef>
+            <a:fillRef idx="1">
+              <a:schemeClr val="accent1"/>
+            </a:fillRef>
+            <a:effectRef idx="0">
+              <a:schemeClr val="accent1"/>
+            </a:effectRef>
+            <a:fontRef idx="minor">
+              <a:schemeClr val="lt1"/>
+            </a:fontRef>
+          </p:style>
+          <p:txBody>
+            <a:bodyPr rtlCol="0" anchor="ctr"/>
+            <a:lstStyle/>
+            <a:p>
+              <a:pPr algn="ctr"/>
+              <a:endParaRPr lang="en-US"/>
+            </a:p>
+          </p:txBody>
+        </p:sp>
+        <p:sp>
+          <p:nvSpPr>
+            <p:cNvPr id="13" name="Rectangle 12">
+              <a:extLst>
+                <a:ext uri="{FF2B5EF4-FFF2-40B4-BE49-F238E27FC236}">
+                  <a16:creationId xmlns:a16="http://schemas.microsoft.com/office/drawing/2014/main" id="{ED49787B-8DE6-4467-AD0A-8DECC6E0C2D6}"/>
+                </a:ext>
+                <a:ext uri="{C183D7F6-B498-43B3-948B-1728B52AA6E4}">
+                  <adec:decorative xmlns:adec="http://schemas.microsoft.com/office/drawing/2017/decorative" val="1"/>
+                </a:ext>
+              </a:extLst>
+            </p:cNvPr>
+            <p:cNvSpPr/>
+            <p:nvPr>
+              <p:extLst>
+                <p:ext uri="{386F3935-93C4-4BCD-93E2-E3B085C9AB24}">
+                  <p16:designElem xmlns:p16="http://schemas.microsoft.com/office/powerpoint/2015/main" val="1"/>
+                </p:ext>
+              </p:extLst>
+            </p:nvPr>
+          </p:nvSpPr>
+          <p:spPr>
+            <a:xfrm>
+              <a:off x="5490650" y="308034"/>
+              <a:ext cx="566743" cy="3428999"/>
+            </a:xfrm>
+            <a:prstGeom prst="rect">
+              <a:avLst/>
+            </a:prstGeom>
+            <a:grpFill/>
+            <a:ln>
+              <a:noFill/>
+            </a:ln>
+          </p:spPr>
+          <p:style>
+            <a:lnRef idx="2">
+              <a:schemeClr val="accent1">
+                <a:shade val="50000"/>
+              </a:schemeClr>
+            </a:lnRef>
+            <a:fillRef idx="1">
+              <a:schemeClr val="accent1"/>
+            </a:fillRef>
+            <a:effectRef idx="0">
+              <a:schemeClr val="accent1"/>
+            </a:effectRef>
+            <a:fontRef idx="minor">
+              <a:schemeClr val="lt1"/>
+            </a:fontRef>
+          </p:style>
+          <p:txBody>
+            <a:bodyPr rtlCol="0" anchor="ctr"/>
+            <a:lstStyle/>
+            <a:p>
+              <a:pPr algn="ctr"/>
+              <a:endParaRPr lang="en-US"/>
+            </a:p>
+          </p:txBody>
+        </p:sp>
+      </p:grpSp>
+      <p:sp>
+        <p:nvSpPr>
+          <p:cNvPr id="15" name="Rectangle 14">
+            <a:extLst>
+              <a:ext uri="{FF2B5EF4-FFF2-40B4-BE49-F238E27FC236}">
+                <a16:creationId xmlns:a16="http://schemas.microsoft.com/office/drawing/2014/main" id="{D5B0017B-2ECA-49AF-B397-DC140825DF8D}"/>
+              </a:ext>
+              <a:ext uri="{C183D7F6-B498-43B3-948B-1728B52AA6E4}">
+                <adec:decorative xmlns:adec="http://schemas.microsoft.com/office/drawing/2017/decorative" val="1"/>
+              </a:ext>
+            </a:extLst>
+          </p:cNvPr>
+          <p:cNvSpPr>
+            <a:spLocks noGrp="1" noRot="1" noChangeAspect="1" noMove="1" noResize="1" noEditPoints="1" noAdjustHandles="1" noChangeArrowheads="1" noChangeShapeType="1" noTextEdit="1"/>
+          </p:cNvSpPr>
+          <p:nvPr>
+            <p:extLst>
+              <p:ext uri="{386F3935-93C4-4BCD-93E2-E3B085C9AB24}">
+                <p16:designElem xmlns:p16="http://schemas.microsoft.com/office/powerpoint/2015/main" val="1"/>
+              </p:ext>
+            </p:extLst>
+          </p:nvPr>
+        </p:nvSpPr>
+        <p:spPr>
+          <a:xfrm>
+            <a:off x="640079" y="613954"/>
+            <a:ext cx="10907487" cy="1894116"/>
+          </a:xfrm>
+          <a:prstGeom prst="rect">
+            <a:avLst/>
+          </a:prstGeom>
+          <a:solidFill>
+            <a:schemeClr val="bg1"/>
+          </a:solidFill>
+          <a:ln>
+            <a:noFill/>
+          </a:ln>
+          <a:effectLst>
+            <a:outerShdw blurRad="139700" dist="127000" dir="5400000" algn="t" rotWithShape="0">
+              <a:prstClr val="black">
+                <a:alpha val="15000"/>
+              </a:prstClr>
+            </a:outerShdw>
+          </a:effectLst>
+        </p:spPr>
+        <p:style>
+          <a:lnRef idx="2">
+            <a:schemeClr val="accent1">
+              <a:shade val="50000"/>
+            </a:schemeClr>
+          </a:lnRef>
+          <a:fillRef idx="1">
+            <a:schemeClr val="accent1"/>
+          </a:fillRef>
+          <a:effectRef idx="0">
+            <a:schemeClr val="accent1"/>
+          </a:effectRef>
+          <a:fontRef idx="minor">
+            <a:schemeClr val="lt1"/>
+          </a:fontRef>
+        </p:style>
+        <p:txBody>
+          <a:bodyPr rtlCol="0" anchor="ctr"/>
+          <a:lstStyle/>
+          <a:p>
+            <a:pPr algn="ctr"/>
+            <a:endParaRPr lang="en-US"/>
+          </a:p>
+        </p:txBody>
+      </p:sp>
+      <p:sp>
+        <p:nvSpPr>
+          <p:cNvPr id="2" name="Title 1">
+            <a:extLst>
+              <a:ext uri="{FF2B5EF4-FFF2-40B4-BE49-F238E27FC236}">
+                <a16:creationId xmlns:a16="http://schemas.microsoft.com/office/drawing/2014/main" id="{7B91BA7D-76F6-0CC0-A7E5-73B72CB87120}"/>
+              </a:ext>
+            </a:extLst>
+          </p:cNvPr>
+          <p:cNvSpPr>
+            <a:spLocks noGrp="1"/>
+          </p:cNvSpPr>
+          <p:nvPr>
+            <p:ph type="title"/>
+          </p:nvPr>
+        </p:nvSpPr>
+        <p:spPr>
+          <a:xfrm>
+            <a:off x="1043631" y="809898"/>
+            <a:ext cx="9942716" cy="1554480"/>
+          </a:xfrm>
+        </p:spPr>
+        <p:txBody>
+          <a:bodyPr anchor="ctr">
+            <a:normAutofit/>
+          </a:bodyPr>
+          <a:lstStyle/>
+          <a:p>
+            <a:r>
+              <a:rPr lang="es-PE" sz="4800"/>
+              <a:t>Conclusions and Q&amp;A</a:t>
+            </a:r>
+            <a:endParaRPr lang="pt-BR" sz="4800"/>
+          </a:p>
+        </p:txBody>
+      </p:sp>
+      <p:sp>
+        <p:nvSpPr>
+          <p:cNvPr id="3" name="Content Placeholder 2">
+            <a:extLst>
+              <a:ext uri="{FF2B5EF4-FFF2-40B4-BE49-F238E27FC236}">
+                <a16:creationId xmlns:a16="http://schemas.microsoft.com/office/drawing/2014/main" id="{9F795E03-C17E-D2FB-3DB0-2F5CC482B1C6}"/>
+              </a:ext>
+            </a:extLst>
+          </p:cNvPr>
+          <p:cNvSpPr>
+            <a:spLocks noGrp="1"/>
+          </p:cNvSpPr>
+          <p:nvPr>
+            <p:ph idx="1"/>
+          </p:nvPr>
+        </p:nvSpPr>
+        <p:spPr>
+          <a:xfrm>
+            <a:off x="1045028" y="3017522"/>
+            <a:ext cx="9941319" cy="3124658"/>
+          </a:xfrm>
+        </p:spPr>
+        <p:txBody>
+          <a:bodyPr anchor="ctr">
+            <a:normAutofit/>
+          </a:bodyPr>
+          <a:lstStyle/>
+          <a:p>
+            <a:r>
+              <a:rPr lang="en-US" sz="2400"/>
+              <a:t>Recap of GPT-2 architecture and its key components.</a:t>
+            </a:r>
+          </a:p>
+          <a:p>
+            <a:r>
+              <a:rPr lang="en-US" sz="2400"/>
+              <a:t>Critical importance of GPU acceleration for the feasibility of LLMs.</a:t>
+            </a:r>
+          </a:p>
+          <a:p>
+            <a:r>
+              <a:rPr lang="en-US" sz="2400"/>
+              <a:t>Attention is a computational bottleneck but highly parallelizable.</a:t>
+            </a:r>
+          </a:p>
+          <a:p>
+            <a:r>
+              <a:rPr lang="en-US" sz="2400"/>
+              <a:t>Projects like `llm.c` offer an educational view of these implementations. </a:t>
+            </a:r>
+          </a:p>
+          <a:p>
+            <a:pPr lvl="1"/>
+            <a:r>
+              <a:rPr lang="en-US" dirty="0"/>
+              <a:t>Source: https://github.com/karpathy/llm.c/blob/master/README.md</a:t>
+            </a:r>
+            <a:endParaRPr lang="pt-BR" dirty="0"/>
+          </a:p>
+        </p:txBody>
+      </p:sp>
+      <p:cxnSp>
+        <p:nvCxnSpPr>
+          <p:cNvPr id="17" name="Straight Connector 16">
+            <a:extLst>
+              <a:ext uri="{FF2B5EF4-FFF2-40B4-BE49-F238E27FC236}">
+                <a16:creationId xmlns:a16="http://schemas.microsoft.com/office/drawing/2014/main" id="{6CF1BAF6-AD41-4082-B212-8A1F9A2E8779}"/>
+              </a:ext>
+              <a:ext uri="{C183D7F6-B498-43B3-948B-1728B52AA6E4}">
+                <adec:decorative xmlns:adec="http://schemas.microsoft.com/office/drawing/2017/decorative" val="1"/>
+              </a:ext>
+            </a:extLst>
+          </p:cNvPr>
+          <p:cNvCxnSpPr>
+            <a:cxnSpLocks noGrp="1" noRot="1" noChangeAspect="1" noMove="1" noResize="1" noEditPoints="1" noAdjustHandles="1" noChangeArrowheads="1" noChangeShapeType="1"/>
+          </p:cNvCxnSpPr>
+          <p:nvPr>
+            <p:extLst>
+              <p:ext uri="{386F3935-93C4-4BCD-93E2-E3B085C9AB24}">
+                <p16:designElem xmlns:p16="http://schemas.microsoft.com/office/powerpoint/2015/main" val="1"/>
+              </p:ext>
+            </p:extLst>
+          </p:nvPr>
+        </p:nvCxnSpPr>
+        <p:spPr>
+          <a:xfrm flipH="1">
+            <a:off x="838200" y="6485313"/>
+            <a:ext cx="10515600" cy="0"/>
+          </a:xfrm>
+          <a:prstGeom prst="line">
+            <a:avLst/>
+          </a:prstGeom>
+          <a:ln w="57150">
+            <a:solidFill>
+              <a:schemeClr val="accent4"/>
+            </a:solidFill>
+          </a:ln>
+        </p:spPr>
+        <p:style>
+          <a:lnRef idx="1">
+            <a:schemeClr val="accent1"/>
+          </a:lnRef>
+          <a:fillRef idx="0">
+            <a:schemeClr val="accent1"/>
+          </a:fillRef>
+          <a:effectRef idx="0">
+            <a:schemeClr val="accent1"/>
+          </a:effectRef>
+          <a:fontRef idx="minor">
+            <a:schemeClr val="tx1"/>
+          </a:fontRef>
+        </p:style>
+      </p:cxnSp>
+    </p:spTree>
+    <p:extLst>
+      <p:ext uri="{BB962C8B-B14F-4D97-AF65-F5344CB8AC3E}">
+        <p14:creationId xmlns:p14="http://schemas.microsoft.com/office/powerpoint/2010/main" val="1188733384"/>
+      </p:ext>
+    </p:extLst>
+  </p:cSld>
+  <p:clrMapOvr>
+    <a:masterClrMapping/>
+  </p:clrMapOvr>
+</p:sld>
+</file>
+
+<file path=ppt/slides/slide21.xml><?xml version="1.0" encoding="utf-8"?>
 <p:sld xmlns:a="http://schemas.openxmlformats.org/drawingml/2006/main" xmlns:r="http://schemas.openxmlformats.org/officeDocument/2006/relationships" xmlns:p="http://schemas.openxmlformats.org/presentationml/2006/main">
   <p:cSld>
     <p:bg>
@@ -10140,399 +12430,6 @@
     <p:extLst>
       <p:ext uri="{BB962C8B-B14F-4D97-AF65-F5344CB8AC3E}">
         <p14:creationId xmlns:p14="http://schemas.microsoft.com/office/powerpoint/2010/main" val="660420932"/>
-      </p:ext>
-    </p:extLst>
-  </p:cSld>
-  <p:clrMapOvr>
-    <a:masterClrMapping/>
-  </p:clrMapOvr>
-</p:sld>
-</file>
-
-<file path=ppt/slides/slide2.xml><?xml version="1.0" encoding="utf-8"?>
-<p:sld xmlns:a="http://schemas.openxmlformats.org/drawingml/2006/main" xmlns:r="http://schemas.openxmlformats.org/officeDocument/2006/relationships" xmlns:p="http://schemas.openxmlformats.org/presentationml/2006/main">
-  <p:cSld>
-    <p:bg>
-      <p:bgPr>
-        <a:solidFill>
-          <a:schemeClr val="bg1"/>
-        </a:solidFill>
-        <a:effectLst/>
-      </p:bgPr>
-    </p:bg>
-    <p:spTree>
-      <p:nvGrpSpPr>
-        <p:cNvPr id="1" name=""/>
-        <p:cNvGrpSpPr/>
-        <p:nvPr/>
-      </p:nvGrpSpPr>
-      <p:grpSpPr>
-        <a:xfrm>
-          <a:off x="0" y="0"/>
-          <a:ext cx="0" cy="0"/>
-          <a:chOff x="0" y="0"/>
-          <a:chExt cx="0" cy="0"/>
-        </a:xfrm>
-      </p:grpSpPr>
-      <p:sp>
-        <p:nvSpPr>
-          <p:cNvPr id="2" name="Title 1">
-            <a:extLst>
-              <a:ext uri="{FF2B5EF4-FFF2-40B4-BE49-F238E27FC236}">
-                <a16:creationId xmlns:a16="http://schemas.microsoft.com/office/drawing/2014/main" id="{40991826-AD8B-A5DB-090C-8D17F95CB110}"/>
-              </a:ext>
-            </a:extLst>
-          </p:cNvPr>
-          <p:cNvSpPr>
-            <a:spLocks noGrp="1"/>
-          </p:cNvSpPr>
-          <p:nvPr>
-            <p:ph type="title"/>
-          </p:nvPr>
-        </p:nvSpPr>
-        <p:spPr>
-          <a:xfrm>
-            <a:off x="761840" y="1138265"/>
-            <a:ext cx="4544762" cy="1401183"/>
-          </a:xfrm>
-        </p:spPr>
-        <p:txBody>
-          <a:bodyPr anchor="t">
-            <a:normAutofit/>
-          </a:bodyPr>
-          <a:lstStyle/>
-          <a:p>
-            <a:r>
-              <a:rPr lang="es-PE" sz="3200"/>
-              <a:t>Introduction</a:t>
-            </a:r>
-            <a:endParaRPr lang="pt-BR" sz="3200"/>
-          </a:p>
-        </p:txBody>
-      </p:sp>
-      <p:cxnSp>
-        <p:nvCxnSpPr>
-          <p:cNvPr id="23" name="Straight Connector 22">
-            <a:extLst>
-              <a:ext uri="{FF2B5EF4-FFF2-40B4-BE49-F238E27FC236}">
-                <a16:creationId xmlns:a16="http://schemas.microsoft.com/office/drawing/2014/main" id="{FC23E3B9-5ABF-58B3-E2B0-E9A5DAA90037}"/>
-              </a:ext>
-              <a:ext uri="{C183D7F6-B498-43B3-948B-1728B52AA6E4}">
-                <adec:decorative xmlns:adec="http://schemas.microsoft.com/office/drawing/2017/decorative" val="1"/>
-              </a:ext>
-            </a:extLst>
-          </p:cNvPr>
-          <p:cNvCxnSpPr>
-            <a:cxnSpLocks noGrp="1" noRot="1" noChangeAspect="1" noMove="1" noResize="1" noEditPoints="1" noAdjustHandles="1" noChangeArrowheads="1" noChangeShapeType="1"/>
-          </p:cNvCxnSpPr>
-          <p:nvPr>
-            <p:extLst>
-              <p:ext uri="{386F3935-93C4-4BCD-93E2-E3B085C9AB24}">
-                <p16:designElem xmlns:p16="http://schemas.microsoft.com/office/powerpoint/2015/main" val="1"/>
-              </p:ext>
-            </p:extLst>
-          </p:nvPr>
-        </p:nvCxnSpPr>
-        <p:spPr>
-          <a:xfrm>
-            <a:off x="861462" y="871146"/>
-            <a:ext cx="736939" cy="0"/>
-          </a:xfrm>
-          <a:prstGeom prst="line">
-            <a:avLst/>
-          </a:prstGeom>
-          <a:ln w="57150">
-            <a:solidFill>
-              <a:schemeClr val="accent4"/>
-            </a:solidFill>
-          </a:ln>
-        </p:spPr>
-        <p:style>
-          <a:lnRef idx="1">
-            <a:schemeClr val="accent1"/>
-          </a:lnRef>
-          <a:fillRef idx="0">
-            <a:schemeClr val="accent1"/>
-          </a:fillRef>
-          <a:effectRef idx="0">
-            <a:schemeClr val="accent1"/>
-          </a:effectRef>
-          <a:fontRef idx="minor">
-            <a:schemeClr val="tx1"/>
-          </a:fontRef>
-        </p:style>
-      </p:cxnSp>
-      <p:sp>
-        <p:nvSpPr>
-          <p:cNvPr id="3" name="Content Placeholder 2">
-            <a:extLst>
-              <a:ext uri="{FF2B5EF4-FFF2-40B4-BE49-F238E27FC236}">
-                <a16:creationId xmlns:a16="http://schemas.microsoft.com/office/drawing/2014/main" id="{D38F4323-8718-D310-D352-3F2DA4F0219E}"/>
-              </a:ext>
-            </a:extLst>
-          </p:cNvPr>
-          <p:cNvSpPr>
-            <a:spLocks noGrp="1"/>
-          </p:cNvSpPr>
-          <p:nvPr>
-            <p:ph idx="1"/>
-          </p:nvPr>
-        </p:nvSpPr>
-        <p:spPr>
-          <a:xfrm>
-            <a:off x="761840" y="2551176"/>
-            <a:ext cx="4544762" cy="3602935"/>
-          </a:xfrm>
-        </p:spPr>
-        <p:txBody>
-          <a:bodyPr>
-            <a:normAutofit/>
-          </a:bodyPr>
-          <a:lstStyle/>
-          <a:p>
-            <a:r>
-              <a:rPr lang="pt-BR" sz="1700" dirty="0" err="1"/>
-              <a:t>Welcome</a:t>
-            </a:r>
-            <a:r>
-              <a:rPr lang="pt-BR" sz="1700" dirty="0"/>
-              <a:t> to the </a:t>
-            </a:r>
-            <a:r>
-              <a:rPr lang="pt-BR" sz="1700" dirty="0" err="1"/>
-              <a:t>session</a:t>
-            </a:r>
-            <a:r>
-              <a:rPr lang="pt-BR" sz="1700" dirty="0"/>
-              <a:t>.</a:t>
-            </a:r>
-          </a:p>
-          <a:p>
-            <a:r>
-              <a:rPr lang="pt-BR" sz="1700" dirty="0" err="1"/>
-              <a:t>Brief</a:t>
-            </a:r>
-            <a:r>
-              <a:rPr lang="pt-BR" sz="1700" dirty="0"/>
-              <a:t> overview </a:t>
-            </a:r>
-            <a:r>
-              <a:rPr lang="pt-BR" sz="1700" dirty="0" err="1"/>
-              <a:t>of</a:t>
-            </a:r>
-            <a:r>
-              <a:rPr lang="pt-BR" sz="1700" dirty="0"/>
-              <a:t> the </a:t>
-            </a:r>
-            <a:r>
-              <a:rPr lang="pt-BR" sz="1700" dirty="0" err="1"/>
-              <a:t>objective</a:t>
-            </a:r>
-            <a:r>
-              <a:rPr lang="pt-BR" sz="1700" dirty="0"/>
-              <a:t>: </a:t>
-            </a:r>
-            <a:r>
-              <a:rPr lang="pt-BR" sz="1700" dirty="0" err="1"/>
-              <a:t>Understand</a:t>
-            </a:r>
-            <a:r>
-              <a:rPr lang="pt-BR" sz="1700" dirty="0"/>
-              <a:t> GPT-2 </a:t>
-            </a:r>
-            <a:r>
-              <a:rPr lang="pt-BR" sz="1700" dirty="0" err="1"/>
-              <a:t>and</a:t>
-            </a:r>
-            <a:r>
-              <a:rPr lang="pt-BR" sz="1700" dirty="0"/>
-              <a:t> </a:t>
-            </a:r>
-            <a:r>
-              <a:rPr lang="pt-BR" sz="1700" dirty="0" err="1"/>
-              <a:t>how</a:t>
-            </a:r>
-            <a:r>
-              <a:rPr lang="pt-BR" sz="1700" dirty="0"/>
-              <a:t> </a:t>
-            </a:r>
-            <a:r>
-              <a:rPr lang="pt-BR" sz="1700" dirty="0" err="1"/>
-              <a:t>GPUs</a:t>
-            </a:r>
-            <a:r>
-              <a:rPr lang="pt-BR" sz="1700" dirty="0"/>
-              <a:t> </a:t>
-            </a:r>
-            <a:r>
-              <a:rPr lang="pt-BR" sz="1700" dirty="0" err="1"/>
-              <a:t>boost</a:t>
-            </a:r>
-            <a:r>
-              <a:rPr lang="pt-BR" sz="1700" dirty="0"/>
-              <a:t> its performance.</a:t>
-            </a:r>
-          </a:p>
-          <a:p>
-            <a:r>
-              <a:rPr lang="pt-BR" sz="1700" dirty="0" err="1"/>
-              <a:t>Mention</a:t>
-            </a:r>
-            <a:r>
-              <a:rPr lang="pt-BR" sz="1700" dirty="0"/>
-              <a:t> the </a:t>
-            </a:r>
-            <a:r>
-              <a:rPr lang="pt-BR" sz="1700" dirty="0" err="1"/>
-              <a:t>relevance</a:t>
-            </a:r>
-            <a:r>
-              <a:rPr lang="pt-BR" sz="1700" dirty="0"/>
-              <a:t> </a:t>
-            </a:r>
-            <a:r>
-              <a:rPr lang="pt-BR" sz="1700" dirty="0" err="1"/>
-              <a:t>of</a:t>
-            </a:r>
-            <a:r>
-              <a:rPr lang="pt-BR" sz="1700" dirty="0"/>
-              <a:t> LLMs </a:t>
-            </a:r>
-            <a:r>
-              <a:rPr lang="pt-BR" sz="1700" dirty="0" err="1"/>
-              <a:t>and</a:t>
-            </a:r>
-            <a:r>
-              <a:rPr lang="pt-BR" sz="1700" dirty="0"/>
-              <a:t> high-performance </a:t>
-            </a:r>
-            <a:r>
-              <a:rPr lang="pt-BR" sz="1700" dirty="0" err="1"/>
-              <a:t>computing</a:t>
-            </a:r>
-            <a:r>
-              <a:rPr lang="pt-BR" sz="1700" dirty="0"/>
-              <a:t>.</a:t>
-            </a:r>
-          </a:p>
-          <a:p>
-            <a:r>
-              <a:rPr lang="pt-BR" sz="1700" dirty="0"/>
-              <a:t>Conceptual </a:t>
-            </a:r>
-            <a:r>
-              <a:rPr lang="pt-BR" sz="1700" dirty="0" err="1"/>
-              <a:t>reference</a:t>
-            </a:r>
-            <a:r>
-              <a:rPr lang="pt-BR" sz="1700" dirty="0"/>
-              <a:t> to </a:t>
-            </a:r>
-            <a:r>
-              <a:rPr lang="pt-BR" sz="1700" dirty="0" err="1"/>
-              <a:t>Andrej</a:t>
-            </a:r>
-            <a:r>
-              <a:rPr lang="pt-BR" sz="1700" dirty="0"/>
-              <a:t> </a:t>
-            </a:r>
-            <a:r>
-              <a:rPr lang="pt-BR" sz="1700" dirty="0" err="1"/>
-              <a:t>Karpathy's</a:t>
-            </a:r>
-            <a:r>
-              <a:rPr lang="pt-BR" sz="1700" dirty="0"/>
-              <a:t> </a:t>
-            </a:r>
-            <a:r>
-              <a:rPr lang="pt-BR" sz="1700" dirty="0" err="1"/>
-              <a:t>llm.c</a:t>
-            </a:r>
-            <a:r>
-              <a:rPr lang="pt-BR" sz="1700" dirty="0"/>
-              <a:t> </a:t>
-            </a:r>
-            <a:r>
-              <a:rPr lang="pt-BR" sz="1700" dirty="0" err="1"/>
-              <a:t>project</a:t>
-            </a:r>
-            <a:r>
-              <a:rPr lang="pt-BR" sz="1700" dirty="0"/>
-              <a:t> as a C/CUDA </a:t>
-            </a:r>
-            <a:r>
-              <a:rPr lang="pt-BR" sz="1700" dirty="0" err="1"/>
-              <a:t>implementation</a:t>
-            </a:r>
-            <a:r>
-              <a:rPr lang="pt-BR" sz="1700" dirty="0"/>
-              <a:t> </a:t>
-            </a:r>
-            <a:r>
-              <a:rPr lang="pt-BR" sz="1700" dirty="0" err="1"/>
-              <a:t>example</a:t>
-            </a:r>
-            <a:r>
-              <a:rPr lang="pt-BR" sz="1700" dirty="0"/>
-              <a:t>. </a:t>
-            </a:r>
-          </a:p>
-          <a:p>
-            <a:pPr lvl="1"/>
-            <a:r>
-              <a:rPr lang="pt-BR" sz="1700" dirty="0" err="1"/>
-              <a:t>Source</a:t>
-            </a:r>
-            <a:r>
-              <a:rPr lang="pt-BR" sz="1700" dirty="0"/>
-              <a:t>: https://github.com/karpathy/llm.c/blob/master/README.md</a:t>
-            </a:r>
-          </a:p>
-        </p:txBody>
-      </p:sp>
-      <p:pic>
-        <p:nvPicPr>
-          <p:cNvPr id="7" name="Graphic 6" descr="Presentation with Checklist">
-            <a:extLst>
-              <a:ext uri="{FF2B5EF4-FFF2-40B4-BE49-F238E27FC236}">
-                <a16:creationId xmlns:a16="http://schemas.microsoft.com/office/drawing/2014/main" id="{F5201FE4-A181-5899-6921-4712683E32BB}"/>
-              </a:ext>
-            </a:extLst>
-          </p:cNvPr>
-          <p:cNvPicPr>
-            <a:picLocks noChangeAspect="1"/>
-          </p:cNvPicPr>
-          <p:nvPr/>
-        </p:nvPicPr>
-        <p:blipFill>
-          <a:blip r:embed="rId2">
-            <a:extLst>
-              <a:ext uri="{28A0092B-C50C-407E-A947-70E740481C1C}">
-                <a14:useLocalDpi xmlns:a14="http://schemas.microsoft.com/office/drawing/2010/main" val="0"/>
-              </a:ext>
-              <a:ext uri="{96DAC541-7B7A-43D3-8B79-37D633B846F1}">
-                <asvg:svgBlip xmlns:asvg="http://schemas.microsoft.com/office/drawing/2016/SVG/main" r:embed="rId3"/>
-              </a:ext>
-            </a:extLst>
-          </a:blip>
-          <a:stretch>
-            <a:fillRect/>
-          </a:stretch>
-        </p:blipFill>
-        <p:spPr>
-          <a:xfrm>
-            <a:off x="6091780" y="771753"/>
-            <a:ext cx="5316095" cy="5316095"/>
-          </a:xfrm>
-          <a:prstGeom prst="rect">
-            <a:avLst/>
-          </a:prstGeom>
-        </p:spPr>
-      </p:pic>
-    </p:spTree>
-    <p:extLst>
-      <p:ext uri="{BB962C8B-B14F-4D97-AF65-F5344CB8AC3E}">
-        <p14:creationId xmlns:p14="http://schemas.microsoft.com/office/powerpoint/2010/main" val="328623004"/>
       </p:ext>
     </p:extLst>
   </p:cSld>

--- a/Accelerating GPT-2 with GPUs - A Deep Dive.pptx
+++ b/Accelerating GPT-2 with GPUs - A Deep Dive.pptx
@@ -281,7 +281,7 @@
           <a:p>
             <a:fld id="{D1192A50-5EA5-4A05-9467-D1AD35B8423A}" type="datetimeFigureOut">
               <a:rPr lang="pt-BR" smtClean="0"/>
-              <a:t>28/05/2025</a:t>
+              <a:t>13/06/2025</a:t>
             </a:fld>
             <a:endParaRPr lang="pt-BR"/>
           </a:p>
@@ -481,7 +481,7 @@
           <a:p>
             <a:fld id="{D1192A50-5EA5-4A05-9467-D1AD35B8423A}" type="datetimeFigureOut">
               <a:rPr lang="pt-BR" smtClean="0"/>
-              <a:t>28/05/2025</a:t>
+              <a:t>13/06/2025</a:t>
             </a:fld>
             <a:endParaRPr lang="pt-BR"/>
           </a:p>
@@ -691,7 +691,7 @@
           <a:p>
             <a:fld id="{D1192A50-5EA5-4A05-9467-D1AD35B8423A}" type="datetimeFigureOut">
               <a:rPr lang="pt-BR" smtClean="0"/>
-              <a:t>28/05/2025</a:t>
+              <a:t>13/06/2025</a:t>
             </a:fld>
             <a:endParaRPr lang="pt-BR"/>
           </a:p>
@@ -891,7 +891,7 @@
           <a:p>
             <a:fld id="{D1192A50-5EA5-4A05-9467-D1AD35B8423A}" type="datetimeFigureOut">
               <a:rPr lang="pt-BR" smtClean="0"/>
-              <a:t>28/05/2025</a:t>
+              <a:t>13/06/2025</a:t>
             </a:fld>
             <a:endParaRPr lang="pt-BR"/>
           </a:p>
@@ -1167,7 +1167,7 @@
           <a:p>
             <a:fld id="{D1192A50-5EA5-4A05-9467-D1AD35B8423A}" type="datetimeFigureOut">
               <a:rPr lang="pt-BR" smtClean="0"/>
-              <a:t>28/05/2025</a:t>
+              <a:t>13/06/2025</a:t>
             </a:fld>
             <a:endParaRPr lang="pt-BR"/>
           </a:p>
@@ -1435,7 +1435,7 @@
           <a:p>
             <a:fld id="{D1192A50-5EA5-4A05-9467-D1AD35B8423A}" type="datetimeFigureOut">
               <a:rPr lang="pt-BR" smtClean="0"/>
-              <a:t>28/05/2025</a:t>
+              <a:t>13/06/2025</a:t>
             </a:fld>
             <a:endParaRPr lang="pt-BR"/>
           </a:p>
@@ -1850,7 +1850,7 @@
           <a:p>
             <a:fld id="{D1192A50-5EA5-4A05-9467-D1AD35B8423A}" type="datetimeFigureOut">
               <a:rPr lang="pt-BR" smtClean="0"/>
-              <a:t>28/05/2025</a:t>
+              <a:t>13/06/2025</a:t>
             </a:fld>
             <a:endParaRPr lang="pt-BR"/>
           </a:p>
@@ -1992,7 +1992,7 @@
           <a:p>
             <a:fld id="{D1192A50-5EA5-4A05-9467-D1AD35B8423A}" type="datetimeFigureOut">
               <a:rPr lang="pt-BR" smtClean="0"/>
-              <a:t>28/05/2025</a:t>
+              <a:t>13/06/2025</a:t>
             </a:fld>
             <a:endParaRPr lang="pt-BR"/>
           </a:p>
@@ -2105,7 +2105,7 @@
           <a:p>
             <a:fld id="{D1192A50-5EA5-4A05-9467-D1AD35B8423A}" type="datetimeFigureOut">
               <a:rPr lang="pt-BR" smtClean="0"/>
-              <a:t>28/05/2025</a:t>
+              <a:t>13/06/2025</a:t>
             </a:fld>
             <a:endParaRPr lang="pt-BR"/>
           </a:p>
@@ -2418,7 +2418,7 @@
           <a:p>
             <a:fld id="{D1192A50-5EA5-4A05-9467-D1AD35B8423A}" type="datetimeFigureOut">
               <a:rPr lang="pt-BR" smtClean="0"/>
-              <a:t>28/05/2025</a:t>
+              <a:t>13/06/2025</a:t>
             </a:fld>
             <a:endParaRPr lang="pt-BR"/>
           </a:p>
@@ -2707,7 +2707,7 @@
           <a:p>
             <a:fld id="{D1192A50-5EA5-4A05-9467-D1AD35B8423A}" type="datetimeFigureOut">
               <a:rPr lang="pt-BR" smtClean="0"/>
-              <a:t>28/05/2025</a:t>
+              <a:t>13/06/2025</a:t>
             </a:fld>
             <a:endParaRPr lang="pt-BR"/>
           </a:p>
@@ -2950,7 +2950,7 @@
           <a:p>
             <a:fld id="{D1192A50-5EA5-4A05-9467-D1AD35B8423A}" type="datetimeFigureOut">
               <a:rPr lang="pt-BR" smtClean="0"/>
-              <a:t>28/05/2025</a:t>
+              <a:t>13/06/2025</a:t>
             </a:fld>
             <a:endParaRPr lang="pt-BR"/>
           </a:p>
@@ -3597,6 +3597,41 @@
           </a:prstGeom>
         </p:spPr>
       </p:pic>
+      <p:sp>
+        <p:nvSpPr>
+          <p:cNvPr id="4" name="TextBox 3">
+            <a:extLst>
+              <a:ext uri="{FF2B5EF4-FFF2-40B4-BE49-F238E27FC236}">
+                <a16:creationId xmlns:a16="http://schemas.microsoft.com/office/drawing/2014/main" id="{E2D031FA-EE08-6C66-4678-AF2BAC77C51F}"/>
+              </a:ext>
+            </a:extLst>
+          </p:cNvPr>
+          <p:cNvSpPr txBox="1"/>
+          <p:nvPr/>
+        </p:nvSpPr>
+        <p:spPr>
+          <a:xfrm>
+            <a:off x="787400" y="5765800"/>
+            <a:ext cx="3725333" cy="369332"/>
+          </a:xfrm>
+          <a:prstGeom prst="rect">
+            <a:avLst/>
+          </a:prstGeom>
+          <a:noFill/>
+        </p:spPr>
+        <p:txBody>
+          <a:bodyPr wrap="square" rtlCol="0">
+            <a:spAutoFit/>
+          </a:bodyPr>
+          <a:lstStyle/>
+          <a:p>
+            <a:r>
+              <a:rPr lang="pt-BR" dirty="0"/>
+              <a:t>Autor: Dennys Mallqui</a:t>
+            </a:r>
+          </a:p>
+        </p:txBody>
+      </p:sp>
     </p:spTree>
     <p:extLst>
       <p:ext uri="{BB962C8B-B14F-4D97-AF65-F5344CB8AC3E}">
@@ -11998,10 +12033,10 @@
           <a:p>
             <a:pPr algn="l"/>
             <a:r>
-              <a:rPr lang="en-US" sz="4200"/>
+              <a:rPr lang="en-US" sz="4200" dirty="0"/>
               <a:t>GPT-2: Architecture and GPU Acceleration</a:t>
             </a:r>
-            <a:endParaRPr lang="pt-BR" sz="4200"/>
+            <a:endParaRPr lang="pt-BR" sz="4200" dirty="0"/>
           </a:p>
         </p:txBody>
       </p:sp>
@@ -12426,6 +12461,47 @@
           </a:prstGeom>
         </p:spPr>
       </p:pic>
+      <p:sp>
+        <p:nvSpPr>
+          <p:cNvPr id="4" name="TextBox 3">
+            <a:extLst>
+              <a:ext uri="{FF2B5EF4-FFF2-40B4-BE49-F238E27FC236}">
+                <a16:creationId xmlns:a16="http://schemas.microsoft.com/office/drawing/2014/main" id="{F87C0EC6-2ADA-9C63-99AA-A20DD47065CF}"/>
+              </a:ext>
+            </a:extLst>
+          </p:cNvPr>
+          <p:cNvSpPr txBox="1"/>
+          <p:nvPr/>
+        </p:nvSpPr>
+        <p:spPr>
+          <a:xfrm>
+            <a:off x="787400" y="5765800"/>
+            <a:ext cx="3725333" cy="646331"/>
+          </a:xfrm>
+          <a:prstGeom prst="rect">
+            <a:avLst/>
+          </a:prstGeom>
+          <a:noFill/>
+        </p:spPr>
+        <p:txBody>
+          <a:bodyPr wrap="square" rtlCol="0">
+            <a:spAutoFit/>
+          </a:bodyPr>
+          <a:lstStyle/>
+          <a:p>
+            <a:r>
+              <a:rPr lang="pt-BR" dirty="0"/>
+              <a:t>Autor: Dennys Mallqui</a:t>
+            </a:r>
+          </a:p>
+          <a:p>
+            <a:r>
+              <a:rPr lang="pt-BR" dirty="0"/>
+              <a:t>Email: dennys.mallqui@gmail.com</a:t>
+            </a:r>
+          </a:p>
+        </p:txBody>
+      </p:sp>
     </p:spTree>
     <p:extLst>
       <p:ext uri="{BB962C8B-B14F-4D97-AF65-F5344CB8AC3E}">

--- a/Accelerating GPT-2 with GPUs - A Deep Dive.pptx
+++ b/Accelerating GPT-2 with GPUs - A Deep Dive.pptx
@@ -11,21 +11,22 @@
     <p:sldId id="259" r:id="rId5"/>
     <p:sldId id="260" r:id="rId6"/>
     <p:sldId id="261" r:id="rId7"/>
-    <p:sldId id="262" r:id="rId8"/>
-    <p:sldId id="263" r:id="rId9"/>
-    <p:sldId id="264" r:id="rId10"/>
-    <p:sldId id="265" r:id="rId11"/>
-    <p:sldId id="266" r:id="rId12"/>
-    <p:sldId id="267" r:id="rId13"/>
-    <p:sldId id="268" r:id="rId14"/>
-    <p:sldId id="269" r:id="rId15"/>
-    <p:sldId id="270" r:id="rId16"/>
-    <p:sldId id="271" r:id="rId17"/>
-    <p:sldId id="272" r:id="rId18"/>
-    <p:sldId id="274" r:id="rId19"/>
-    <p:sldId id="277" r:id="rId20"/>
-    <p:sldId id="278" r:id="rId21"/>
-    <p:sldId id="276" r:id="rId22"/>
+    <p:sldId id="279" r:id="rId8"/>
+    <p:sldId id="262" r:id="rId9"/>
+    <p:sldId id="263" r:id="rId10"/>
+    <p:sldId id="264" r:id="rId11"/>
+    <p:sldId id="265" r:id="rId12"/>
+    <p:sldId id="266" r:id="rId13"/>
+    <p:sldId id="267" r:id="rId14"/>
+    <p:sldId id="268" r:id="rId15"/>
+    <p:sldId id="269" r:id="rId16"/>
+    <p:sldId id="270" r:id="rId17"/>
+    <p:sldId id="271" r:id="rId18"/>
+    <p:sldId id="272" r:id="rId19"/>
+    <p:sldId id="274" r:id="rId20"/>
+    <p:sldId id="277" r:id="rId21"/>
+    <p:sldId id="278" r:id="rId22"/>
+    <p:sldId id="276" r:id="rId23"/>
   </p:sldIdLst>
   <p:sldSz cx="12192000" cy="6858000"/>
   <p:notesSz cx="6858000" cy="9144000"/>
@@ -281,7 +282,7 @@
           <a:p>
             <a:fld id="{D1192A50-5EA5-4A05-9467-D1AD35B8423A}" type="datetimeFigureOut">
               <a:rPr lang="pt-BR" smtClean="0"/>
-              <a:t>13/06/2025</a:t>
+              <a:t>15/06/2025</a:t>
             </a:fld>
             <a:endParaRPr lang="pt-BR"/>
           </a:p>
@@ -481,7 +482,7 @@
           <a:p>
             <a:fld id="{D1192A50-5EA5-4A05-9467-D1AD35B8423A}" type="datetimeFigureOut">
               <a:rPr lang="pt-BR" smtClean="0"/>
-              <a:t>13/06/2025</a:t>
+              <a:t>15/06/2025</a:t>
             </a:fld>
             <a:endParaRPr lang="pt-BR"/>
           </a:p>
@@ -691,7 +692,7 @@
           <a:p>
             <a:fld id="{D1192A50-5EA5-4A05-9467-D1AD35B8423A}" type="datetimeFigureOut">
               <a:rPr lang="pt-BR" smtClean="0"/>
-              <a:t>13/06/2025</a:t>
+              <a:t>15/06/2025</a:t>
             </a:fld>
             <a:endParaRPr lang="pt-BR"/>
           </a:p>
@@ -891,7 +892,7 @@
           <a:p>
             <a:fld id="{D1192A50-5EA5-4A05-9467-D1AD35B8423A}" type="datetimeFigureOut">
               <a:rPr lang="pt-BR" smtClean="0"/>
-              <a:t>13/06/2025</a:t>
+              <a:t>15/06/2025</a:t>
             </a:fld>
             <a:endParaRPr lang="pt-BR"/>
           </a:p>
@@ -1167,7 +1168,7 @@
           <a:p>
             <a:fld id="{D1192A50-5EA5-4A05-9467-D1AD35B8423A}" type="datetimeFigureOut">
               <a:rPr lang="pt-BR" smtClean="0"/>
-              <a:t>13/06/2025</a:t>
+              <a:t>15/06/2025</a:t>
             </a:fld>
             <a:endParaRPr lang="pt-BR"/>
           </a:p>
@@ -1435,7 +1436,7 @@
           <a:p>
             <a:fld id="{D1192A50-5EA5-4A05-9467-D1AD35B8423A}" type="datetimeFigureOut">
               <a:rPr lang="pt-BR" smtClean="0"/>
-              <a:t>13/06/2025</a:t>
+              <a:t>15/06/2025</a:t>
             </a:fld>
             <a:endParaRPr lang="pt-BR"/>
           </a:p>
@@ -1850,7 +1851,7 @@
           <a:p>
             <a:fld id="{D1192A50-5EA5-4A05-9467-D1AD35B8423A}" type="datetimeFigureOut">
               <a:rPr lang="pt-BR" smtClean="0"/>
-              <a:t>13/06/2025</a:t>
+              <a:t>15/06/2025</a:t>
             </a:fld>
             <a:endParaRPr lang="pt-BR"/>
           </a:p>
@@ -1992,7 +1993,7 @@
           <a:p>
             <a:fld id="{D1192A50-5EA5-4A05-9467-D1AD35B8423A}" type="datetimeFigureOut">
               <a:rPr lang="pt-BR" smtClean="0"/>
-              <a:t>13/06/2025</a:t>
+              <a:t>15/06/2025</a:t>
             </a:fld>
             <a:endParaRPr lang="pt-BR"/>
           </a:p>
@@ -2105,7 +2106,7 @@
           <a:p>
             <a:fld id="{D1192A50-5EA5-4A05-9467-D1AD35B8423A}" type="datetimeFigureOut">
               <a:rPr lang="pt-BR" smtClean="0"/>
-              <a:t>13/06/2025</a:t>
+              <a:t>15/06/2025</a:t>
             </a:fld>
             <a:endParaRPr lang="pt-BR"/>
           </a:p>
@@ -2418,7 +2419,7 @@
           <a:p>
             <a:fld id="{D1192A50-5EA5-4A05-9467-D1AD35B8423A}" type="datetimeFigureOut">
               <a:rPr lang="pt-BR" smtClean="0"/>
-              <a:t>13/06/2025</a:t>
+              <a:t>15/06/2025</a:t>
             </a:fld>
             <a:endParaRPr lang="pt-BR"/>
           </a:p>
@@ -2707,7 +2708,7 @@
           <a:p>
             <a:fld id="{D1192A50-5EA5-4A05-9467-D1AD35B8423A}" type="datetimeFigureOut">
               <a:rPr lang="pt-BR" smtClean="0"/>
-              <a:t>13/06/2025</a:t>
+              <a:t>15/06/2025</a:t>
             </a:fld>
             <a:endParaRPr lang="pt-BR"/>
           </a:p>
@@ -2950,7 +2951,7 @@
           <a:p>
             <a:fld id="{D1192A50-5EA5-4A05-9467-D1AD35B8423A}" type="datetimeFigureOut">
               <a:rPr lang="pt-BR" smtClean="0"/>
-              <a:t>13/06/2025</a:t>
+              <a:t>15/06/2025</a:t>
             </a:fld>
             <a:endParaRPr lang="pt-BR"/>
           </a:p>
@@ -3672,6 +3673,446 @@
       </p:grpSpPr>
       <p:sp useBgFill="1">
         <p:nvSpPr>
+          <p:cNvPr id="10" name="Rectangle 9">
+            <a:extLst>
+              <a:ext uri="{FF2B5EF4-FFF2-40B4-BE49-F238E27FC236}">
+                <a16:creationId xmlns:a16="http://schemas.microsoft.com/office/drawing/2014/main" id="{058A14AF-9FB5-4CC7-BA35-E8E85D3EDF0E}"/>
+              </a:ext>
+              <a:ext uri="{C183D7F6-B498-43B3-948B-1728B52AA6E4}">
+                <adec:decorative xmlns:adec="http://schemas.microsoft.com/office/drawing/2017/decorative" val="1"/>
+              </a:ext>
+            </a:extLst>
+          </p:cNvPr>
+          <p:cNvSpPr>
+            <a:spLocks noGrp="1" noRot="1" noChangeAspect="1" noMove="1" noResize="1" noEditPoints="1" noAdjustHandles="1" noChangeArrowheads="1" noChangeShapeType="1" noTextEdit="1"/>
+          </p:cNvSpPr>
+          <p:nvPr>
+            <p:extLst>
+              <p:ext uri="{386F3935-93C4-4BCD-93E2-E3B085C9AB24}">
+                <p16:designElem xmlns:p16="http://schemas.microsoft.com/office/powerpoint/2015/main" val="1"/>
+              </p:ext>
+            </p:extLst>
+          </p:nvPr>
+        </p:nvSpPr>
+        <p:spPr>
+          <a:xfrm>
+            <a:off x="0" y="0"/>
+            <a:ext cx="12191999" cy="6857365"/>
+          </a:xfrm>
+          <a:prstGeom prst="rect">
+            <a:avLst/>
+          </a:prstGeom>
+          <a:ln>
+            <a:noFill/>
+          </a:ln>
+        </p:spPr>
+        <p:style>
+          <a:lnRef idx="2">
+            <a:schemeClr val="accent1">
+              <a:shade val="50000"/>
+            </a:schemeClr>
+          </a:lnRef>
+          <a:fillRef idx="1">
+            <a:schemeClr val="accent1"/>
+          </a:fillRef>
+          <a:effectRef idx="0">
+            <a:schemeClr val="accent1"/>
+          </a:effectRef>
+          <a:fontRef idx="minor">
+            <a:schemeClr val="lt1"/>
+          </a:fontRef>
+        </p:style>
+        <p:txBody>
+          <a:bodyPr rtlCol="0" anchor="ctr"/>
+          <a:lstStyle/>
+          <a:p>
+            <a:pPr algn="ctr"/>
+            <a:endParaRPr lang="en-US"/>
+          </a:p>
+        </p:txBody>
+      </p:sp>
+      <p:sp>
+        <p:nvSpPr>
+          <p:cNvPr id="2" name="Title 1">
+            <a:extLst>
+              <a:ext uri="{FF2B5EF4-FFF2-40B4-BE49-F238E27FC236}">
+                <a16:creationId xmlns:a16="http://schemas.microsoft.com/office/drawing/2014/main" id="{FF8A60A0-2C08-9D28-6F25-107F5D86A218}"/>
+              </a:ext>
+            </a:extLst>
+          </p:cNvPr>
+          <p:cNvSpPr>
+            <a:spLocks noGrp="1"/>
+          </p:cNvSpPr>
+          <p:nvPr>
+            <p:ph type="title"/>
+          </p:nvPr>
+        </p:nvSpPr>
+        <p:spPr>
+          <a:xfrm>
+            <a:off x="793662" y="386930"/>
+            <a:ext cx="10066122" cy="1298448"/>
+          </a:xfrm>
+        </p:spPr>
+        <p:txBody>
+          <a:bodyPr anchor="b">
+            <a:normAutofit/>
+          </a:bodyPr>
+          <a:lstStyle/>
+          <a:p>
+            <a:r>
+              <a:rPr lang="en-US" sz="4800"/>
+              <a:t>The Heart of GPT: Attention (Part 1)</a:t>
+            </a:r>
+            <a:endParaRPr lang="pt-BR" sz="4800"/>
+          </a:p>
+        </p:txBody>
+      </p:sp>
+      <p:sp>
+        <p:nvSpPr>
+          <p:cNvPr id="12" name="Rectangle 11">
+            <a:extLst>
+              <a:ext uri="{FF2B5EF4-FFF2-40B4-BE49-F238E27FC236}">
+                <a16:creationId xmlns:a16="http://schemas.microsoft.com/office/drawing/2014/main" id="{3A9A4357-BD1D-4622-A4FE-766E6AB8DE84}"/>
+              </a:ext>
+              <a:ext uri="{C183D7F6-B498-43B3-948B-1728B52AA6E4}">
+                <adec:decorative xmlns:adec="http://schemas.microsoft.com/office/drawing/2017/decorative" val="1"/>
+              </a:ext>
+            </a:extLst>
+          </p:cNvPr>
+          <p:cNvSpPr>
+            <a:spLocks noGrp="1" noRot="1" noChangeAspect="1" noMove="1" noResize="1" noEditPoints="1" noAdjustHandles="1" noChangeArrowheads="1" noChangeShapeType="1" noTextEdit="1"/>
+          </p:cNvSpPr>
+          <p:nvPr>
+            <p:extLst>
+              <p:ext uri="{386F3935-93C4-4BCD-93E2-E3B085C9AB24}">
+                <p16:designElem xmlns:p16="http://schemas.microsoft.com/office/powerpoint/2015/main" val="1"/>
+              </p:ext>
+            </p:extLst>
+          </p:nvPr>
+        </p:nvSpPr>
+        <p:spPr>
+          <a:xfrm flipH="1" flipV="1">
+            <a:off x="-2" y="1998845"/>
+            <a:ext cx="11454595" cy="781699"/>
+          </a:xfrm>
+          <a:prstGeom prst="rect">
+            <a:avLst/>
+          </a:prstGeom>
+          <a:solidFill>
+            <a:schemeClr val="accent4"/>
+          </a:solidFill>
+          <a:ln>
+            <a:noFill/>
+          </a:ln>
+        </p:spPr>
+        <p:style>
+          <a:lnRef idx="2">
+            <a:schemeClr val="accent1">
+              <a:shade val="50000"/>
+            </a:schemeClr>
+          </a:lnRef>
+          <a:fillRef idx="1">
+            <a:schemeClr val="accent1"/>
+          </a:fillRef>
+          <a:effectRef idx="0">
+            <a:schemeClr val="accent1"/>
+          </a:effectRef>
+          <a:fontRef idx="minor">
+            <a:schemeClr val="lt1"/>
+          </a:fontRef>
+        </p:style>
+        <p:txBody>
+          <a:bodyPr rtlCol="0" anchor="ctr"/>
+          <a:lstStyle/>
+          <a:p>
+            <a:pPr algn="ctr"/>
+            <a:endParaRPr lang="en-US"/>
+          </a:p>
+        </p:txBody>
+      </p:sp>
+      <p:sp>
+        <p:nvSpPr>
+          <p:cNvPr id="14" name="Rectangle 13">
+            <a:extLst>
+              <a:ext uri="{FF2B5EF4-FFF2-40B4-BE49-F238E27FC236}">
+                <a16:creationId xmlns:a16="http://schemas.microsoft.com/office/drawing/2014/main" id="{E659831F-0D9A-4C63-9EBB-8435B85A440F}"/>
+              </a:ext>
+              <a:ext uri="{C183D7F6-B498-43B3-948B-1728B52AA6E4}">
+                <adec:decorative xmlns:adec="http://schemas.microsoft.com/office/drawing/2017/decorative" val="1"/>
+              </a:ext>
+            </a:extLst>
+          </p:cNvPr>
+          <p:cNvSpPr>
+            <a:spLocks noGrp="1" noRot="1" noChangeAspect="1" noMove="1" noResize="1" noEditPoints="1" noAdjustHandles="1" noChangeArrowheads="1" noChangeShapeType="1" noTextEdit="1"/>
+          </p:cNvSpPr>
+          <p:nvPr>
+            <p:extLst>
+              <p:ext uri="{386F3935-93C4-4BCD-93E2-E3B085C9AB24}">
+                <p16:designElem xmlns:p16="http://schemas.microsoft.com/office/powerpoint/2015/main" val="1"/>
+              </p:ext>
+            </p:extLst>
+          </p:nvPr>
+        </p:nvSpPr>
+        <p:spPr>
+          <a:xfrm>
+            <a:off x="0" y="2203079"/>
+            <a:ext cx="11383362" cy="4267991"/>
+          </a:xfrm>
+          <a:prstGeom prst="rect">
+            <a:avLst/>
+          </a:prstGeom>
+          <a:solidFill>
+            <a:schemeClr val="bg1"/>
+          </a:solidFill>
+          <a:ln>
+            <a:noFill/>
+          </a:ln>
+          <a:effectLst>
+            <a:outerShdw blurRad="139700" dist="127000" dir="5400000" algn="t" rotWithShape="0">
+              <a:prstClr val="black">
+                <a:alpha val="15000"/>
+              </a:prstClr>
+            </a:outerShdw>
+          </a:effectLst>
+        </p:spPr>
+        <p:style>
+          <a:lnRef idx="2">
+            <a:schemeClr val="accent1">
+              <a:shade val="50000"/>
+            </a:schemeClr>
+          </a:lnRef>
+          <a:fillRef idx="1">
+            <a:schemeClr val="accent1"/>
+          </a:fillRef>
+          <a:effectRef idx="0">
+            <a:schemeClr val="accent1"/>
+          </a:effectRef>
+          <a:fontRef idx="minor">
+            <a:schemeClr val="lt1"/>
+          </a:fontRef>
+        </p:style>
+        <p:txBody>
+          <a:bodyPr rtlCol="0" anchor="ctr"/>
+          <a:lstStyle/>
+          <a:p>
+            <a:pPr algn="ctr"/>
+            <a:endParaRPr lang="en-US"/>
+          </a:p>
+        </p:txBody>
+      </p:sp>
+      <p:sp>
+        <p:nvSpPr>
+          <p:cNvPr id="3" name="Content Placeholder 2">
+            <a:extLst>
+              <a:ext uri="{FF2B5EF4-FFF2-40B4-BE49-F238E27FC236}">
+                <a16:creationId xmlns:a16="http://schemas.microsoft.com/office/drawing/2014/main" id="{5E2234BA-5C57-45E2-29E6-CD2B11285ED1}"/>
+              </a:ext>
+            </a:extLst>
+          </p:cNvPr>
+          <p:cNvSpPr>
+            <a:spLocks noGrp="1"/>
+          </p:cNvSpPr>
+          <p:nvPr>
+            <p:ph idx="1"/>
+          </p:nvPr>
+        </p:nvSpPr>
+        <p:spPr>
+          <a:xfrm>
+            <a:off x="793661" y="2599509"/>
+            <a:ext cx="4530898" cy="3639450"/>
+          </a:xfrm>
+        </p:spPr>
+        <p:txBody>
+          <a:bodyPr anchor="ctr">
+            <a:normAutofit/>
+          </a:bodyPr>
+          <a:lstStyle/>
+          <a:p>
+            <a:r>
+              <a:rPr lang="en-US" sz="1600" dirty="0"/>
+              <a:t>Objective: Allow the model to weigh the importance of different previous tokens when processing the current token.    </a:t>
+            </a:r>
+          </a:p>
+          <a:p>
+            <a:r>
+              <a:rPr lang="en-US" sz="1600" dirty="0"/>
+              <a:t>Process per attention head:</a:t>
+            </a:r>
+          </a:p>
+          <a:p>
+            <a:pPr marL="800100" lvl="1" indent="-342900">
+              <a:buFont typeface="+mj-lt"/>
+              <a:buAutoNum type="arabicPeriod"/>
+            </a:pPr>
+            <a:r>
+              <a:rPr lang="en-US" sz="1600" dirty="0"/>
+              <a:t>Linear Projections: From the input embeddings, three vectors are generated for each token:            </a:t>
+            </a:r>
+          </a:p>
+          <a:p>
+            <a:pPr lvl="2"/>
+            <a:r>
+              <a:rPr lang="en-US" sz="1600" dirty="0"/>
+              <a:t>Query (Q): Represents the current token "asking" for relevance.            </a:t>
+            </a:r>
+          </a:p>
+          <a:p>
+            <a:pPr lvl="2"/>
+            <a:r>
+              <a:rPr lang="en-US" sz="1600" dirty="0"/>
+              <a:t>Key (K): Represents how each previous token "answers" the query.            </a:t>
+            </a:r>
+          </a:p>
+          <a:p>
+            <a:pPr lvl="2"/>
+            <a:r>
+              <a:rPr lang="en-US" sz="1600" dirty="0"/>
+              <a:t>Value (V): Represents the actual content of the previous token.        </a:t>
+            </a:r>
+          </a:p>
+          <a:p>
+            <a:pPr lvl="2"/>
+            <a:r>
+              <a:rPr lang="en-US" sz="1600" dirty="0"/>
+              <a:t>(These are matrix multiplications).</a:t>
+            </a:r>
+            <a:endParaRPr lang="pt-BR" sz="1600" dirty="0"/>
+          </a:p>
+        </p:txBody>
+      </p:sp>
+      <p:pic>
+        <p:nvPicPr>
+          <p:cNvPr id="5" name="Picture 4" descr="A diagram of a machine&#10;&#10;AI-generated content may be incorrect.">
+            <a:extLst>
+              <a:ext uri="{FF2B5EF4-FFF2-40B4-BE49-F238E27FC236}">
+                <a16:creationId xmlns:a16="http://schemas.microsoft.com/office/drawing/2014/main" id="{C77BFECA-0093-0BD7-C258-E61014AB9A34}"/>
+              </a:ext>
+            </a:extLst>
+          </p:cNvPr>
+          <p:cNvPicPr>
+            <a:picLocks noChangeAspect="1"/>
+          </p:cNvPicPr>
+          <p:nvPr/>
+        </p:nvPicPr>
+        <p:blipFill>
+          <a:blip r:embed="rId2"/>
+          <a:stretch>
+            <a:fillRect/>
+          </a:stretch>
+        </p:blipFill>
+        <p:spPr>
+          <a:xfrm>
+            <a:off x="5911532" y="3330635"/>
+            <a:ext cx="5150277" cy="2021483"/>
+          </a:xfrm>
+          <a:prstGeom prst="rect">
+            <a:avLst/>
+          </a:prstGeom>
+        </p:spPr>
+      </p:pic>
+      <p:sp>
+        <p:nvSpPr>
+          <p:cNvPr id="16" name="Rectangle 15">
+            <a:extLst>
+              <a:ext uri="{FF2B5EF4-FFF2-40B4-BE49-F238E27FC236}">
+                <a16:creationId xmlns:a16="http://schemas.microsoft.com/office/drawing/2014/main" id="{E6995CE5-F890-4ABA-82A2-26507CE8D2A3}"/>
+              </a:ext>
+              <a:ext uri="{C183D7F6-B498-43B3-948B-1728B52AA6E4}">
+                <adec:decorative xmlns:adec="http://schemas.microsoft.com/office/drawing/2017/decorative" val="1"/>
+              </a:ext>
+            </a:extLst>
+          </p:cNvPr>
+          <p:cNvSpPr>
+            <a:spLocks noGrp="1" noRot="1" noChangeAspect="1" noMove="1" noResize="1" noEditPoints="1" noAdjustHandles="1" noChangeArrowheads="1" noChangeShapeType="1" noTextEdit="1"/>
+          </p:cNvSpPr>
+          <p:nvPr>
+            <p:extLst>
+              <p:ext uri="{386F3935-93C4-4BCD-93E2-E3B085C9AB24}">
+                <p16:designElem xmlns:p16="http://schemas.microsoft.com/office/powerpoint/2015/main" val="1"/>
+              </p:ext>
+            </p:extLst>
+          </p:nvPr>
+        </p:nvSpPr>
+        <p:spPr>
+          <a:xfrm rot="5400000">
+            <a:off x="11228040" y="2313027"/>
+            <a:ext cx="781700" cy="152382"/>
+          </a:xfrm>
+          <a:prstGeom prst="rect">
+            <a:avLst/>
+          </a:prstGeom>
+          <a:solidFill>
+            <a:schemeClr val="accent4"/>
+          </a:solidFill>
+          <a:ln>
+            <a:noFill/>
+          </a:ln>
+        </p:spPr>
+        <p:style>
+          <a:lnRef idx="2">
+            <a:schemeClr val="accent1">
+              <a:shade val="50000"/>
+            </a:schemeClr>
+          </a:lnRef>
+          <a:fillRef idx="1">
+            <a:schemeClr val="accent1"/>
+          </a:fillRef>
+          <a:effectRef idx="0">
+            <a:schemeClr val="accent1"/>
+          </a:effectRef>
+          <a:fontRef idx="minor">
+            <a:schemeClr val="lt1"/>
+          </a:fontRef>
+        </p:style>
+        <p:txBody>
+          <a:bodyPr rtlCol="0" anchor="ctr"/>
+          <a:lstStyle/>
+          <a:p>
+            <a:pPr algn="ctr"/>
+            <a:endParaRPr lang="en-US"/>
+          </a:p>
+        </p:txBody>
+      </p:sp>
+    </p:spTree>
+    <p:extLst>
+      <p:ext uri="{BB962C8B-B14F-4D97-AF65-F5344CB8AC3E}">
+        <p14:creationId xmlns:p14="http://schemas.microsoft.com/office/powerpoint/2010/main" val="98167611"/>
+      </p:ext>
+    </p:extLst>
+  </p:cSld>
+  <p:clrMapOvr>
+    <a:masterClrMapping/>
+  </p:clrMapOvr>
+</p:sld>
+</file>
+
+<file path=ppt/slides/slide11.xml><?xml version="1.0" encoding="utf-8"?>
+<p:sld xmlns:a="http://schemas.openxmlformats.org/drawingml/2006/main" xmlns:r="http://schemas.openxmlformats.org/officeDocument/2006/relationships" xmlns:p="http://schemas.openxmlformats.org/presentationml/2006/main">
+  <p:cSld>
+    <p:bg>
+      <p:bgPr>
+        <a:solidFill>
+          <a:schemeClr val="bg1"/>
+        </a:solidFill>
+        <a:effectLst/>
+      </p:bgPr>
+    </p:bg>
+    <p:spTree>
+      <p:nvGrpSpPr>
+        <p:cNvPr id="1" name=""/>
+        <p:cNvGrpSpPr/>
+        <p:nvPr/>
+      </p:nvGrpSpPr>
+      <p:grpSpPr>
+        <a:xfrm>
+          <a:off x="0" y="0"/>
+          <a:ext cx="0" cy="0"/>
+          <a:chOff x="0" y="0"/>
+          <a:chExt cx="0" cy="0"/>
+        </a:xfrm>
+      </p:grpSpPr>
+      <p:sp useBgFill="1">
+        <p:nvSpPr>
           <p:cNvPr id="18" name="Rectangle 17">
             <a:extLst>
               <a:ext uri="{FF2B5EF4-FFF2-40B4-BE49-F238E27FC236}">
@@ -4289,7 +4730,7 @@
 </p:sld>
 </file>
 
-<file path=ppt/slides/slide11.xml><?xml version="1.0" encoding="utf-8"?>
+<file path=ppt/slides/slide12.xml><?xml version="1.0" encoding="utf-8"?>
 <p:sld xmlns:a="http://schemas.openxmlformats.org/drawingml/2006/main" xmlns:r="http://schemas.openxmlformats.org/officeDocument/2006/relationships" xmlns:p="http://schemas.openxmlformats.org/presentationml/2006/main">
   <p:cSld>
     <p:bg>
@@ -4851,7 +5292,7 @@
 </p:sld>
 </file>
 
-<file path=ppt/slides/slide12.xml><?xml version="1.0" encoding="utf-8"?>
+<file path=ppt/slides/slide13.xml><?xml version="1.0" encoding="utf-8"?>
 <p:sld xmlns:a="http://schemas.openxmlformats.org/drawingml/2006/main" xmlns:r="http://schemas.openxmlformats.org/officeDocument/2006/relationships" xmlns:p="http://schemas.openxmlformats.org/presentationml/2006/main">
   <p:cSld>
     <p:bg>
@@ -5787,7 +6228,7 @@
 </p:sld>
 </file>
 
-<file path=ppt/slides/slide13.xml><?xml version="1.0" encoding="utf-8"?>
+<file path=ppt/slides/slide14.xml><?xml version="1.0" encoding="utf-8"?>
 <p:sld xmlns:a="http://schemas.openxmlformats.org/drawingml/2006/main" xmlns:r="http://schemas.openxmlformats.org/officeDocument/2006/relationships" xmlns:p="http://schemas.openxmlformats.org/presentationml/2006/main">
   <p:cSld>
     <p:bg>
@@ -6695,7 +7136,7 @@
 </p:sld>
 </file>
 
-<file path=ppt/slides/slide14.xml><?xml version="1.0" encoding="utf-8"?>
+<file path=ppt/slides/slide15.xml><?xml version="1.0" encoding="utf-8"?>
 <p:sld xmlns:a="http://schemas.openxmlformats.org/drawingml/2006/main" xmlns:r="http://schemas.openxmlformats.org/officeDocument/2006/relationships" xmlns:p="http://schemas.openxmlformats.org/presentationml/2006/main">
   <p:cSld>
     <p:bg>
@@ -7135,7 +7576,7 @@
 </p:sld>
 </file>
 
-<file path=ppt/slides/slide15.xml><?xml version="1.0" encoding="utf-8"?>
+<file path=ppt/slides/slide16.xml><?xml version="1.0" encoding="utf-8"?>
 <p:sld xmlns:a="http://schemas.openxmlformats.org/drawingml/2006/main" xmlns:r="http://schemas.openxmlformats.org/officeDocument/2006/relationships" xmlns:p="http://schemas.openxmlformats.org/presentationml/2006/main">
   <p:cSld>
     <p:bg>
@@ -7974,7 +8415,7 @@
 </p:sld>
 </file>
 
-<file path=ppt/slides/slide16.xml><?xml version="1.0" encoding="utf-8"?>
+<file path=ppt/slides/slide17.xml><?xml version="1.0" encoding="utf-8"?>
 <p:sld xmlns:a="http://schemas.openxmlformats.org/drawingml/2006/main" xmlns:r="http://schemas.openxmlformats.org/officeDocument/2006/relationships" xmlns:p="http://schemas.openxmlformats.org/presentationml/2006/main">
   <p:cSld>
     <p:bg>
@@ -8460,7 +8901,7 @@
 </p:sld>
 </file>
 
-<file path=ppt/slides/slide17.xml><?xml version="1.0" encoding="utf-8"?>
+<file path=ppt/slides/slide18.xml><?xml version="1.0" encoding="utf-8"?>
 <p:sld xmlns:a="http://schemas.openxmlformats.org/drawingml/2006/main" xmlns:r="http://schemas.openxmlformats.org/officeDocument/2006/relationships" xmlns:p="http://schemas.openxmlformats.org/presentationml/2006/main">
   <p:cSld>
     <p:bg>
@@ -8937,7 +9378,7 @@
 </p:sld>
 </file>
 
-<file path=ppt/slides/slide18.xml><?xml version="1.0" encoding="utf-8"?>
+<file path=ppt/slides/slide19.xml><?xml version="1.0" encoding="utf-8"?>
 <p:sld xmlns:a="http://schemas.openxmlformats.org/drawingml/2006/main" xmlns:r="http://schemas.openxmlformats.org/officeDocument/2006/relationships" xmlns:p="http://schemas.openxmlformats.org/presentationml/2006/main">
   <p:cSld>
     <p:bg>
@@ -9985,7 +10426,400 @@
 </p:sld>
 </file>
 
-<file path=ppt/slides/slide19.xml><?xml version="1.0" encoding="utf-8"?>
+<file path=ppt/slides/slide2.xml><?xml version="1.0" encoding="utf-8"?>
+<p:sld xmlns:a="http://schemas.openxmlformats.org/drawingml/2006/main" xmlns:r="http://schemas.openxmlformats.org/officeDocument/2006/relationships" xmlns:p="http://schemas.openxmlformats.org/presentationml/2006/main">
+  <p:cSld>
+    <p:bg>
+      <p:bgPr>
+        <a:solidFill>
+          <a:schemeClr val="bg1"/>
+        </a:solidFill>
+        <a:effectLst/>
+      </p:bgPr>
+    </p:bg>
+    <p:spTree>
+      <p:nvGrpSpPr>
+        <p:cNvPr id="1" name=""/>
+        <p:cNvGrpSpPr/>
+        <p:nvPr/>
+      </p:nvGrpSpPr>
+      <p:grpSpPr>
+        <a:xfrm>
+          <a:off x="0" y="0"/>
+          <a:ext cx="0" cy="0"/>
+          <a:chOff x="0" y="0"/>
+          <a:chExt cx="0" cy="0"/>
+        </a:xfrm>
+      </p:grpSpPr>
+      <p:sp>
+        <p:nvSpPr>
+          <p:cNvPr id="2" name="Title 1">
+            <a:extLst>
+              <a:ext uri="{FF2B5EF4-FFF2-40B4-BE49-F238E27FC236}">
+                <a16:creationId xmlns:a16="http://schemas.microsoft.com/office/drawing/2014/main" id="{40991826-AD8B-A5DB-090C-8D17F95CB110}"/>
+              </a:ext>
+            </a:extLst>
+          </p:cNvPr>
+          <p:cNvSpPr>
+            <a:spLocks noGrp="1"/>
+          </p:cNvSpPr>
+          <p:nvPr>
+            <p:ph type="title"/>
+          </p:nvPr>
+        </p:nvSpPr>
+        <p:spPr>
+          <a:xfrm>
+            <a:off x="761840" y="1138265"/>
+            <a:ext cx="4544762" cy="1401183"/>
+          </a:xfrm>
+        </p:spPr>
+        <p:txBody>
+          <a:bodyPr anchor="t">
+            <a:normAutofit/>
+          </a:bodyPr>
+          <a:lstStyle/>
+          <a:p>
+            <a:r>
+              <a:rPr lang="es-PE" sz="3200"/>
+              <a:t>Introduction</a:t>
+            </a:r>
+            <a:endParaRPr lang="pt-BR" sz="3200"/>
+          </a:p>
+        </p:txBody>
+      </p:sp>
+      <p:cxnSp>
+        <p:nvCxnSpPr>
+          <p:cNvPr id="23" name="Straight Connector 22">
+            <a:extLst>
+              <a:ext uri="{FF2B5EF4-FFF2-40B4-BE49-F238E27FC236}">
+                <a16:creationId xmlns:a16="http://schemas.microsoft.com/office/drawing/2014/main" id="{FC23E3B9-5ABF-58B3-E2B0-E9A5DAA90037}"/>
+              </a:ext>
+              <a:ext uri="{C183D7F6-B498-43B3-948B-1728B52AA6E4}">
+                <adec:decorative xmlns:adec="http://schemas.microsoft.com/office/drawing/2017/decorative" val="1"/>
+              </a:ext>
+            </a:extLst>
+          </p:cNvPr>
+          <p:cNvCxnSpPr>
+            <a:cxnSpLocks noGrp="1" noRot="1" noChangeAspect="1" noMove="1" noResize="1" noEditPoints="1" noAdjustHandles="1" noChangeArrowheads="1" noChangeShapeType="1"/>
+          </p:cNvCxnSpPr>
+          <p:nvPr>
+            <p:extLst>
+              <p:ext uri="{386F3935-93C4-4BCD-93E2-E3B085C9AB24}">
+                <p16:designElem xmlns:p16="http://schemas.microsoft.com/office/powerpoint/2015/main" val="1"/>
+              </p:ext>
+            </p:extLst>
+          </p:nvPr>
+        </p:nvCxnSpPr>
+        <p:spPr>
+          <a:xfrm>
+            <a:off x="861462" y="871146"/>
+            <a:ext cx="736939" cy="0"/>
+          </a:xfrm>
+          <a:prstGeom prst="line">
+            <a:avLst/>
+          </a:prstGeom>
+          <a:ln w="57150">
+            <a:solidFill>
+              <a:schemeClr val="accent4"/>
+            </a:solidFill>
+          </a:ln>
+        </p:spPr>
+        <p:style>
+          <a:lnRef idx="1">
+            <a:schemeClr val="accent1"/>
+          </a:lnRef>
+          <a:fillRef idx="0">
+            <a:schemeClr val="accent1"/>
+          </a:fillRef>
+          <a:effectRef idx="0">
+            <a:schemeClr val="accent1"/>
+          </a:effectRef>
+          <a:fontRef idx="minor">
+            <a:schemeClr val="tx1"/>
+          </a:fontRef>
+        </p:style>
+      </p:cxnSp>
+      <p:sp>
+        <p:nvSpPr>
+          <p:cNvPr id="3" name="Content Placeholder 2">
+            <a:extLst>
+              <a:ext uri="{FF2B5EF4-FFF2-40B4-BE49-F238E27FC236}">
+                <a16:creationId xmlns:a16="http://schemas.microsoft.com/office/drawing/2014/main" id="{D38F4323-8718-D310-D352-3F2DA4F0219E}"/>
+              </a:ext>
+            </a:extLst>
+          </p:cNvPr>
+          <p:cNvSpPr>
+            <a:spLocks noGrp="1"/>
+          </p:cNvSpPr>
+          <p:nvPr>
+            <p:ph idx="1"/>
+          </p:nvPr>
+        </p:nvSpPr>
+        <p:spPr>
+          <a:xfrm>
+            <a:off x="761840" y="2551176"/>
+            <a:ext cx="4544762" cy="3602935"/>
+          </a:xfrm>
+        </p:spPr>
+        <p:txBody>
+          <a:bodyPr>
+            <a:normAutofit/>
+          </a:bodyPr>
+          <a:lstStyle/>
+          <a:p>
+            <a:r>
+              <a:rPr lang="pt-BR" sz="1700" dirty="0" err="1"/>
+              <a:t>Welcome</a:t>
+            </a:r>
+            <a:r>
+              <a:rPr lang="pt-BR" sz="1700" dirty="0"/>
+              <a:t> to the </a:t>
+            </a:r>
+            <a:r>
+              <a:rPr lang="pt-BR" sz="1700" dirty="0" err="1"/>
+              <a:t>session</a:t>
+            </a:r>
+            <a:r>
+              <a:rPr lang="pt-BR" sz="1700" dirty="0"/>
+              <a:t>.</a:t>
+            </a:r>
+          </a:p>
+          <a:p>
+            <a:r>
+              <a:rPr lang="pt-BR" sz="1700" dirty="0" err="1"/>
+              <a:t>Brief</a:t>
+            </a:r>
+            <a:r>
+              <a:rPr lang="pt-BR" sz="1700" dirty="0"/>
+              <a:t> overview </a:t>
+            </a:r>
+            <a:r>
+              <a:rPr lang="pt-BR" sz="1700" dirty="0" err="1"/>
+              <a:t>of</a:t>
+            </a:r>
+            <a:r>
+              <a:rPr lang="pt-BR" sz="1700" dirty="0"/>
+              <a:t> the </a:t>
+            </a:r>
+            <a:r>
+              <a:rPr lang="pt-BR" sz="1700" dirty="0" err="1"/>
+              <a:t>objective</a:t>
+            </a:r>
+            <a:r>
+              <a:rPr lang="pt-BR" sz="1700" dirty="0"/>
+              <a:t>: </a:t>
+            </a:r>
+            <a:r>
+              <a:rPr lang="pt-BR" sz="1700" dirty="0" err="1"/>
+              <a:t>Understand</a:t>
+            </a:r>
+            <a:r>
+              <a:rPr lang="pt-BR" sz="1700" dirty="0"/>
+              <a:t> GPT-2 </a:t>
+            </a:r>
+            <a:r>
+              <a:rPr lang="pt-BR" sz="1700" dirty="0" err="1"/>
+              <a:t>and</a:t>
+            </a:r>
+            <a:r>
+              <a:rPr lang="pt-BR" sz="1700" dirty="0"/>
+              <a:t> </a:t>
+            </a:r>
+            <a:r>
+              <a:rPr lang="pt-BR" sz="1700" dirty="0" err="1"/>
+              <a:t>how</a:t>
+            </a:r>
+            <a:r>
+              <a:rPr lang="pt-BR" sz="1700" dirty="0"/>
+              <a:t> </a:t>
+            </a:r>
+            <a:r>
+              <a:rPr lang="pt-BR" sz="1700" dirty="0" err="1"/>
+              <a:t>GPUs</a:t>
+            </a:r>
+            <a:r>
+              <a:rPr lang="pt-BR" sz="1700" dirty="0"/>
+              <a:t> </a:t>
+            </a:r>
+            <a:r>
+              <a:rPr lang="pt-BR" sz="1700" dirty="0" err="1"/>
+              <a:t>boost</a:t>
+            </a:r>
+            <a:r>
+              <a:rPr lang="pt-BR" sz="1700" dirty="0"/>
+              <a:t> its performance.</a:t>
+            </a:r>
+          </a:p>
+          <a:p>
+            <a:r>
+              <a:rPr lang="pt-BR" sz="1700" dirty="0" err="1"/>
+              <a:t>Mention</a:t>
+            </a:r>
+            <a:r>
+              <a:rPr lang="pt-BR" sz="1700" dirty="0"/>
+              <a:t> the </a:t>
+            </a:r>
+            <a:r>
+              <a:rPr lang="pt-BR" sz="1700" dirty="0" err="1"/>
+              <a:t>relevance</a:t>
+            </a:r>
+            <a:r>
+              <a:rPr lang="pt-BR" sz="1700" dirty="0"/>
+              <a:t> </a:t>
+            </a:r>
+            <a:r>
+              <a:rPr lang="pt-BR" sz="1700" dirty="0" err="1"/>
+              <a:t>of</a:t>
+            </a:r>
+            <a:r>
+              <a:rPr lang="pt-BR" sz="1700" dirty="0"/>
+              <a:t> LLMs </a:t>
+            </a:r>
+            <a:r>
+              <a:rPr lang="pt-BR" sz="1700" dirty="0" err="1"/>
+              <a:t>and</a:t>
+            </a:r>
+            <a:r>
+              <a:rPr lang="pt-BR" sz="1700" dirty="0"/>
+              <a:t> high-performance </a:t>
+            </a:r>
+            <a:r>
+              <a:rPr lang="pt-BR" sz="1700" dirty="0" err="1"/>
+              <a:t>computing</a:t>
+            </a:r>
+            <a:r>
+              <a:rPr lang="pt-BR" sz="1700" dirty="0"/>
+              <a:t>.</a:t>
+            </a:r>
+          </a:p>
+          <a:p>
+            <a:r>
+              <a:rPr lang="pt-BR" sz="1700" dirty="0"/>
+              <a:t>Conceptual </a:t>
+            </a:r>
+            <a:r>
+              <a:rPr lang="pt-BR" sz="1700" dirty="0" err="1"/>
+              <a:t>reference</a:t>
+            </a:r>
+            <a:r>
+              <a:rPr lang="pt-BR" sz="1700" dirty="0"/>
+              <a:t> to </a:t>
+            </a:r>
+            <a:r>
+              <a:rPr lang="pt-BR" sz="1700" dirty="0" err="1"/>
+              <a:t>Andrej</a:t>
+            </a:r>
+            <a:r>
+              <a:rPr lang="pt-BR" sz="1700" dirty="0"/>
+              <a:t> </a:t>
+            </a:r>
+            <a:r>
+              <a:rPr lang="pt-BR" sz="1700" dirty="0" err="1"/>
+              <a:t>Karpathy's</a:t>
+            </a:r>
+            <a:r>
+              <a:rPr lang="pt-BR" sz="1700" dirty="0"/>
+              <a:t> </a:t>
+            </a:r>
+            <a:r>
+              <a:rPr lang="pt-BR" sz="1700" dirty="0" err="1"/>
+              <a:t>llm.c</a:t>
+            </a:r>
+            <a:r>
+              <a:rPr lang="pt-BR" sz="1700" dirty="0"/>
+              <a:t> </a:t>
+            </a:r>
+            <a:r>
+              <a:rPr lang="pt-BR" sz="1700" dirty="0" err="1"/>
+              <a:t>project</a:t>
+            </a:r>
+            <a:r>
+              <a:rPr lang="pt-BR" sz="1700" dirty="0"/>
+              <a:t> as a C/CUDA </a:t>
+            </a:r>
+            <a:r>
+              <a:rPr lang="pt-BR" sz="1700" dirty="0" err="1"/>
+              <a:t>implementation</a:t>
+            </a:r>
+            <a:r>
+              <a:rPr lang="pt-BR" sz="1700" dirty="0"/>
+              <a:t> </a:t>
+            </a:r>
+            <a:r>
+              <a:rPr lang="pt-BR" sz="1700" dirty="0" err="1"/>
+              <a:t>example</a:t>
+            </a:r>
+            <a:r>
+              <a:rPr lang="pt-BR" sz="1700" dirty="0"/>
+              <a:t>. </a:t>
+            </a:r>
+          </a:p>
+          <a:p>
+            <a:pPr lvl="1"/>
+            <a:r>
+              <a:rPr lang="pt-BR" sz="1700" dirty="0" err="1"/>
+              <a:t>Source</a:t>
+            </a:r>
+            <a:r>
+              <a:rPr lang="pt-BR" sz="1700" dirty="0"/>
+              <a:t>: https://github.com/karpathy/llm.c/blob/master/README.md</a:t>
+            </a:r>
+          </a:p>
+        </p:txBody>
+      </p:sp>
+      <p:pic>
+        <p:nvPicPr>
+          <p:cNvPr id="7" name="Graphic 6" descr="Presentation with Checklist">
+            <a:extLst>
+              <a:ext uri="{FF2B5EF4-FFF2-40B4-BE49-F238E27FC236}">
+                <a16:creationId xmlns:a16="http://schemas.microsoft.com/office/drawing/2014/main" id="{F5201FE4-A181-5899-6921-4712683E32BB}"/>
+              </a:ext>
+            </a:extLst>
+          </p:cNvPr>
+          <p:cNvPicPr>
+            <a:picLocks noChangeAspect="1"/>
+          </p:cNvPicPr>
+          <p:nvPr/>
+        </p:nvPicPr>
+        <p:blipFill>
+          <a:blip r:embed="rId2">
+            <a:extLst>
+              <a:ext uri="{28A0092B-C50C-407E-A947-70E740481C1C}">
+                <a14:useLocalDpi xmlns:a14="http://schemas.microsoft.com/office/drawing/2010/main" val="0"/>
+              </a:ext>
+              <a:ext uri="{96DAC541-7B7A-43D3-8B79-37D633B846F1}">
+                <asvg:svgBlip xmlns:asvg="http://schemas.microsoft.com/office/drawing/2016/SVG/main" r:embed="rId3"/>
+              </a:ext>
+            </a:extLst>
+          </a:blip>
+          <a:stretch>
+            <a:fillRect/>
+          </a:stretch>
+        </p:blipFill>
+        <p:spPr>
+          <a:xfrm>
+            <a:off x="6091780" y="771753"/>
+            <a:ext cx="5316095" cy="5316095"/>
+          </a:xfrm>
+          <a:prstGeom prst="rect">
+            <a:avLst/>
+          </a:prstGeom>
+        </p:spPr>
+      </p:pic>
+    </p:spTree>
+    <p:extLst>
+      <p:ext uri="{BB962C8B-B14F-4D97-AF65-F5344CB8AC3E}">
+        <p14:creationId xmlns:p14="http://schemas.microsoft.com/office/powerpoint/2010/main" val="328623004"/>
+      </p:ext>
+    </p:extLst>
+  </p:cSld>
+  <p:clrMapOvr>
+    <a:masterClrMapping/>
+  </p:clrMapOvr>
+</p:sld>
+</file>
+
+<file path=ppt/slides/slide20.xml><?xml version="1.0" encoding="utf-8"?>
 <p:sld xmlns:a="http://schemas.openxmlformats.org/drawingml/2006/main" xmlns:r="http://schemas.openxmlformats.org/officeDocument/2006/relationships" xmlns:p="http://schemas.openxmlformats.org/presentationml/2006/main">
   <p:cSld>
     <p:bg>
@@ -10990,400 +11824,7 @@
 </p:sld>
 </file>
 
-<file path=ppt/slides/slide2.xml><?xml version="1.0" encoding="utf-8"?>
-<p:sld xmlns:a="http://schemas.openxmlformats.org/drawingml/2006/main" xmlns:r="http://schemas.openxmlformats.org/officeDocument/2006/relationships" xmlns:p="http://schemas.openxmlformats.org/presentationml/2006/main">
-  <p:cSld>
-    <p:bg>
-      <p:bgPr>
-        <a:solidFill>
-          <a:schemeClr val="bg1"/>
-        </a:solidFill>
-        <a:effectLst/>
-      </p:bgPr>
-    </p:bg>
-    <p:spTree>
-      <p:nvGrpSpPr>
-        <p:cNvPr id="1" name=""/>
-        <p:cNvGrpSpPr/>
-        <p:nvPr/>
-      </p:nvGrpSpPr>
-      <p:grpSpPr>
-        <a:xfrm>
-          <a:off x="0" y="0"/>
-          <a:ext cx="0" cy="0"/>
-          <a:chOff x="0" y="0"/>
-          <a:chExt cx="0" cy="0"/>
-        </a:xfrm>
-      </p:grpSpPr>
-      <p:sp>
-        <p:nvSpPr>
-          <p:cNvPr id="2" name="Title 1">
-            <a:extLst>
-              <a:ext uri="{FF2B5EF4-FFF2-40B4-BE49-F238E27FC236}">
-                <a16:creationId xmlns:a16="http://schemas.microsoft.com/office/drawing/2014/main" id="{40991826-AD8B-A5DB-090C-8D17F95CB110}"/>
-              </a:ext>
-            </a:extLst>
-          </p:cNvPr>
-          <p:cNvSpPr>
-            <a:spLocks noGrp="1"/>
-          </p:cNvSpPr>
-          <p:nvPr>
-            <p:ph type="title"/>
-          </p:nvPr>
-        </p:nvSpPr>
-        <p:spPr>
-          <a:xfrm>
-            <a:off x="761840" y="1138265"/>
-            <a:ext cx="4544762" cy="1401183"/>
-          </a:xfrm>
-        </p:spPr>
-        <p:txBody>
-          <a:bodyPr anchor="t">
-            <a:normAutofit/>
-          </a:bodyPr>
-          <a:lstStyle/>
-          <a:p>
-            <a:r>
-              <a:rPr lang="es-PE" sz="3200"/>
-              <a:t>Introduction</a:t>
-            </a:r>
-            <a:endParaRPr lang="pt-BR" sz="3200"/>
-          </a:p>
-        </p:txBody>
-      </p:sp>
-      <p:cxnSp>
-        <p:nvCxnSpPr>
-          <p:cNvPr id="23" name="Straight Connector 22">
-            <a:extLst>
-              <a:ext uri="{FF2B5EF4-FFF2-40B4-BE49-F238E27FC236}">
-                <a16:creationId xmlns:a16="http://schemas.microsoft.com/office/drawing/2014/main" id="{FC23E3B9-5ABF-58B3-E2B0-E9A5DAA90037}"/>
-              </a:ext>
-              <a:ext uri="{C183D7F6-B498-43B3-948B-1728B52AA6E4}">
-                <adec:decorative xmlns:adec="http://schemas.microsoft.com/office/drawing/2017/decorative" val="1"/>
-              </a:ext>
-            </a:extLst>
-          </p:cNvPr>
-          <p:cNvCxnSpPr>
-            <a:cxnSpLocks noGrp="1" noRot="1" noChangeAspect="1" noMove="1" noResize="1" noEditPoints="1" noAdjustHandles="1" noChangeArrowheads="1" noChangeShapeType="1"/>
-          </p:cNvCxnSpPr>
-          <p:nvPr>
-            <p:extLst>
-              <p:ext uri="{386F3935-93C4-4BCD-93E2-E3B085C9AB24}">
-                <p16:designElem xmlns:p16="http://schemas.microsoft.com/office/powerpoint/2015/main" val="1"/>
-              </p:ext>
-            </p:extLst>
-          </p:nvPr>
-        </p:nvCxnSpPr>
-        <p:spPr>
-          <a:xfrm>
-            <a:off x="861462" y="871146"/>
-            <a:ext cx="736939" cy="0"/>
-          </a:xfrm>
-          <a:prstGeom prst="line">
-            <a:avLst/>
-          </a:prstGeom>
-          <a:ln w="57150">
-            <a:solidFill>
-              <a:schemeClr val="accent4"/>
-            </a:solidFill>
-          </a:ln>
-        </p:spPr>
-        <p:style>
-          <a:lnRef idx="1">
-            <a:schemeClr val="accent1"/>
-          </a:lnRef>
-          <a:fillRef idx="0">
-            <a:schemeClr val="accent1"/>
-          </a:fillRef>
-          <a:effectRef idx="0">
-            <a:schemeClr val="accent1"/>
-          </a:effectRef>
-          <a:fontRef idx="minor">
-            <a:schemeClr val="tx1"/>
-          </a:fontRef>
-        </p:style>
-      </p:cxnSp>
-      <p:sp>
-        <p:nvSpPr>
-          <p:cNvPr id="3" name="Content Placeholder 2">
-            <a:extLst>
-              <a:ext uri="{FF2B5EF4-FFF2-40B4-BE49-F238E27FC236}">
-                <a16:creationId xmlns:a16="http://schemas.microsoft.com/office/drawing/2014/main" id="{D38F4323-8718-D310-D352-3F2DA4F0219E}"/>
-              </a:ext>
-            </a:extLst>
-          </p:cNvPr>
-          <p:cNvSpPr>
-            <a:spLocks noGrp="1"/>
-          </p:cNvSpPr>
-          <p:nvPr>
-            <p:ph idx="1"/>
-          </p:nvPr>
-        </p:nvSpPr>
-        <p:spPr>
-          <a:xfrm>
-            <a:off x="761840" y="2551176"/>
-            <a:ext cx="4544762" cy="3602935"/>
-          </a:xfrm>
-        </p:spPr>
-        <p:txBody>
-          <a:bodyPr>
-            <a:normAutofit/>
-          </a:bodyPr>
-          <a:lstStyle/>
-          <a:p>
-            <a:r>
-              <a:rPr lang="pt-BR" sz="1700" dirty="0" err="1"/>
-              <a:t>Welcome</a:t>
-            </a:r>
-            <a:r>
-              <a:rPr lang="pt-BR" sz="1700" dirty="0"/>
-              <a:t> to the </a:t>
-            </a:r>
-            <a:r>
-              <a:rPr lang="pt-BR" sz="1700" dirty="0" err="1"/>
-              <a:t>session</a:t>
-            </a:r>
-            <a:r>
-              <a:rPr lang="pt-BR" sz="1700" dirty="0"/>
-              <a:t>.</a:t>
-            </a:r>
-          </a:p>
-          <a:p>
-            <a:r>
-              <a:rPr lang="pt-BR" sz="1700" dirty="0" err="1"/>
-              <a:t>Brief</a:t>
-            </a:r>
-            <a:r>
-              <a:rPr lang="pt-BR" sz="1700" dirty="0"/>
-              <a:t> overview </a:t>
-            </a:r>
-            <a:r>
-              <a:rPr lang="pt-BR" sz="1700" dirty="0" err="1"/>
-              <a:t>of</a:t>
-            </a:r>
-            <a:r>
-              <a:rPr lang="pt-BR" sz="1700" dirty="0"/>
-              <a:t> the </a:t>
-            </a:r>
-            <a:r>
-              <a:rPr lang="pt-BR" sz="1700" dirty="0" err="1"/>
-              <a:t>objective</a:t>
-            </a:r>
-            <a:r>
-              <a:rPr lang="pt-BR" sz="1700" dirty="0"/>
-              <a:t>: </a:t>
-            </a:r>
-            <a:r>
-              <a:rPr lang="pt-BR" sz="1700" dirty="0" err="1"/>
-              <a:t>Understand</a:t>
-            </a:r>
-            <a:r>
-              <a:rPr lang="pt-BR" sz="1700" dirty="0"/>
-              <a:t> GPT-2 </a:t>
-            </a:r>
-            <a:r>
-              <a:rPr lang="pt-BR" sz="1700" dirty="0" err="1"/>
-              <a:t>and</a:t>
-            </a:r>
-            <a:r>
-              <a:rPr lang="pt-BR" sz="1700" dirty="0"/>
-              <a:t> </a:t>
-            </a:r>
-            <a:r>
-              <a:rPr lang="pt-BR" sz="1700" dirty="0" err="1"/>
-              <a:t>how</a:t>
-            </a:r>
-            <a:r>
-              <a:rPr lang="pt-BR" sz="1700" dirty="0"/>
-              <a:t> </a:t>
-            </a:r>
-            <a:r>
-              <a:rPr lang="pt-BR" sz="1700" dirty="0" err="1"/>
-              <a:t>GPUs</a:t>
-            </a:r>
-            <a:r>
-              <a:rPr lang="pt-BR" sz="1700" dirty="0"/>
-              <a:t> </a:t>
-            </a:r>
-            <a:r>
-              <a:rPr lang="pt-BR" sz="1700" dirty="0" err="1"/>
-              <a:t>boost</a:t>
-            </a:r>
-            <a:r>
-              <a:rPr lang="pt-BR" sz="1700" dirty="0"/>
-              <a:t> its performance.</a:t>
-            </a:r>
-          </a:p>
-          <a:p>
-            <a:r>
-              <a:rPr lang="pt-BR" sz="1700" dirty="0" err="1"/>
-              <a:t>Mention</a:t>
-            </a:r>
-            <a:r>
-              <a:rPr lang="pt-BR" sz="1700" dirty="0"/>
-              <a:t> the </a:t>
-            </a:r>
-            <a:r>
-              <a:rPr lang="pt-BR" sz="1700" dirty="0" err="1"/>
-              <a:t>relevance</a:t>
-            </a:r>
-            <a:r>
-              <a:rPr lang="pt-BR" sz="1700" dirty="0"/>
-              <a:t> </a:t>
-            </a:r>
-            <a:r>
-              <a:rPr lang="pt-BR" sz="1700" dirty="0" err="1"/>
-              <a:t>of</a:t>
-            </a:r>
-            <a:r>
-              <a:rPr lang="pt-BR" sz="1700" dirty="0"/>
-              <a:t> LLMs </a:t>
-            </a:r>
-            <a:r>
-              <a:rPr lang="pt-BR" sz="1700" dirty="0" err="1"/>
-              <a:t>and</a:t>
-            </a:r>
-            <a:r>
-              <a:rPr lang="pt-BR" sz="1700" dirty="0"/>
-              <a:t> high-performance </a:t>
-            </a:r>
-            <a:r>
-              <a:rPr lang="pt-BR" sz="1700" dirty="0" err="1"/>
-              <a:t>computing</a:t>
-            </a:r>
-            <a:r>
-              <a:rPr lang="pt-BR" sz="1700" dirty="0"/>
-              <a:t>.</a:t>
-            </a:r>
-          </a:p>
-          <a:p>
-            <a:r>
-              <a:rPr lang="pt-BR" sz="1700" dirty="0"/>
-              <a:t>Conceptual </a:t>
-            </a:r>
-            <a:r>
-              <a:rPr lang="pt-BR" sz="1700" dirty="0" err="1"/>
-              <a:t>reference</a:t>
-            </a:r>
-            <a:r>
-              <a:rPr lang="pt-BR" sz="1700" dirty="0"/>
-              <a:t> to </a:t>
-            </a:r>
-            <a:r>
-              <a:rPr lang="pt-BR" sz="1700" dirty="0" err="1"/>
-              <a:t>Andrej</a:t>
-            </a:r>
-            <a:r>
-              <a:rPr lang="pt-BR" sz="1700" dirty="0"/>
-              <a:t> </a:t>
-            </a:r>
-            <a:r>
-              <a:rPr lang="pt-BR" sz="1700" dirty="0" err="1"/>
-              <a:t>Karpathy's</a:t>
-            </a:r>
-            <a:r>
-              <a:rPr lang="pt-BR" sz="1700" dirty="0"/>
-              <a:t> </a:t>
-            </a:r>
-            <a:r>
-              <a:rPr lang="pt-BR" sz="1700" dirty="0" err="1"/>
-              <a:t>llm.c</a:t>
-            </a:r>
-            <a:r>
-              <a:rPr lang="pt-BR" sz="1700" dirty="0"/>
-              <a:t> </a:t>
-            </a:r>
-            <a:r>
-              <a:rPr lang="pt-BR" sz="1700" dirty="0" err="1"/>
-              <a:t>project</a:t>
-            </a:r>
-            <a:r>
-              <a:rPr lang="pt-BR" sz="1700" dirty="0"/>
-              <a:t> as a C/CUDA </a:t>
-            </a:r>
-            <a:r>
-              <a:rPr lang="pt-BR" sz="1700" dirty="0" err="1"/>
-              <a:t>implementation</a:t>
-            </a:r>
-            <a:r>
-              <a:rPr lang="pt-BR" sz="1700" dirty="0"/>
-              <a:t> </a:t>
-            </a:r>
-            <a:r>
-              <a:rPr lang="pt-BR" sz="1700" dirty="0" err="1"/>
-              <a:t>example</a:t>
-            </a:r>
-            <a:r>
-              <a:rPr lang="pt-BR" sz="1700" dirty="0"/>
-              <a:t>. </a:t>
-            </a:r>
-          </a:p>
-          <a:p>
-            <a:pPr lvl="1"/>
-            <a:r>
-              <a:rPr lang="pt-BR" sz="1700" dirty="0" err="1"/>
-              <a:t>Source</a:t>
-            </a:r>
-            <a:r>
-              <a:rPr lang="pt-BR" sz="1700" dirty="0"/>
-              <a:t>: https://github.com/karpathy/llm.c/blob/master/README.md</a:t>
-            </a:r>
-          </a:p>
-        </p:txBody>
-      </p:sp>
-      <p:pic>
-        <p:nvPicPr>
-          <p:cNvPr id="7" name="Graphic 6" descr="Presentation with Checklist">
-            <a:extLst>
-              <a:ext uri="{FF2B5EF4-FFF2-40B4-BE49-F238E27FC236}">
-                <a16:creationId xmlns:a16="http://schemas.microsoft.com/office/drawing/2014/main" id="{F5201FE4-A181-5899-6921-4712683E32BB}"/>
-              </a:ext>
-            </a:extLst>
-          </p:cNvPr>
-          <p:cNvPicPr>
-            <a:picLocks noChangeAspect="1"/>
-          </p:cNvPicPr>
-          <p:nvPr/>
-        </p:nvPicPr>
-        <p:blipFill>
-          <a:blip r:embed="rId2">
-            <a:extLst>
-              <a:ext uri="{28A0092B-C50C-407E-A947-70E740481C1C}">
-                <a14:useLocalDpi xmlns:a14="http://schemas.microsoft.com/office/drawing/2010/main" val="0"/>
-              </a:ext>
-              <a:ext uri="{96DAC541-7B7A-43D3-8B79-37D633B846F1}">
-                <asvg:svgBlip xmlns:asvg="http://schemas.microsoft.com/office/drawing/2016/SVG/main" r:embed="rId3"/>
-              </a:ext>
-            </a:extLst>
-          </a:blip>
-          <a:stretch>
-            <a:fillRect/>
-          </a:stretch>
-        </p:blipFill>
-        <p:spPr>
-          <a:xfrm>
-            <a:off x="6091780" y="771753"/>
-            <a:ext cx="5316095" cy="5316095"/>
-          </a:xfrm>
-          <a:prstGeom prst="rect">
-            <a:avLst/>
-          </a:prstGeom>
-        </p:spPr>
-      </p:pic>
-    </p:spTree>
-    <p:extLst>
-      <p:ext uri="{BB962C8B-B14F-4D97-AF65-F5344CB8AC3E}">
-        <p14:creationId xmlns:p14="http://schemas.microsoft.com/office/powerpoint/2010/main" val="328623004"/>
-      </p:ext>
-    </p:extLst>
-  </p:cSld>
-  <p:clrMapOvr>
-    <a:masterClrMapping/>
-  </p:clrMapOvr>
-</p:sld>
-</file>
-
-<file path=ppt/slides/slide20.xml><?xml version="1.0" encoding="utf-8"?>
+<file path=ppt/slides/slide21.xml><?xml version="1.0" encoding="utf-8"?>
 <p:sld xmlns:a="http://schemas.openxmlformats.org/drawingml/2006/main" xmlns:r="http://schemas.openxmlformats.org/officeDocument/2006/relationships" xmlns:p="http://schemas.openxmlformats.org/presentationml/2006/main">
   <p:cSld>
     <p:bg>
@@ -11912,7 +12353,7 @@
 </p:sld>
 </file>
 
-<file path=ppt/slides/slide21.xml><?xml version="1.0" encoding="utf-8"?>
+<file path=ppt/slides/slide22.xml><?xml version="1.0" encoding="utf-8"?>
 <p:sld xmlns:a="http://schemas.openxmlformats.org/drawingml/2006/main" xmlns:r="http://schemas.openxmlformats.org/officeDocument/2006/relationships" xmlns:p="http://schemas.openxmlformats.org/presentationml/2006/main">
   <p:cSld>
     <p:bg>
@@ -14011,20 +14452,8 @@
           <a:lstStyle/>
           <a:p>
             <a:r>
-              <a:rPr lang="es-PE" dirty="0" err="1"/>
-              <a:t>Getting</a:t>
-            </a:r>
-            <a:r>
-              <a:rPr lang="es-PE" dirty="0"/>
-              <a:t> to </a:t>
-            </a:r>
-            <a:r>
-              <a:rPr lang="es-PE" dirty="0" err="1"/>
-              <a:t>Know</a:t>
-            </a:r>
-            <a:r>
-              <a:rPr lang="es-PE" dirty="0"/>
-              <a:t> GPT-2</a:t>
+              <a:rPr lang="es-PE"/>
+              <a:t>Getting to Know GPT-2</a:t>
             </a:r>
             <a:endParaRPr lang="pt-BR" dirty="0"/>
           </a:p>
@@ -14046,7 +14475,12 @@
             <p:ph idx="1"/>
           </p:nvPr>
         </p:nvSpPr>
-        <p:spPr/>
+        <p:spPr>
+          <a:xfrm>
+            <a:off x="838200" y="1825625"/>
+            <a:ext cx="10515600" cy="4351338"/>
+          </a:xfrm>
+        </p:spPr>
         <p:txBody>
           <a:bodyPr>
             <a:normAutofit/>
@@ -14054,301 +14488,66 @@
           <a:lstStyle/>
           <a:p>
             <a:r>
-              <a:rPr lang="pt-BR" dirty="0" err="1"/>
-              <a:t>Decoder</a:t>
-            </a:r>
-            <a:r>
-              <a:rPr lang="pt-BR" dirty="0"/>
-              <a:t>-Only Architecture: Stack </a:t>
-            </a:r>
-            <a:r>
-              <a:rPr lang="pt-BR" dirty="0" err="1"/>
-              <a:t>of</a:t>
-            </a:r>
-            <a:r>
-              <a:rPr lang="pt-BR" dirty="0"/>
-              <a:t> </a:t>
-            </a:r>
-            <a:r>
-              <a:rPr lang="pt-BR" dirty="0" err="1"/>
-              <a:t>decoder</a:t>
-            </a:r>
-            <a:r>
-              <a:rPr lang="pt-BR" dirty="0"/>
-              <a:t> </a:t>
-            </a:r>
-            <a:r>
-              <a:rPr lang="pt-BR" dirty="0" err="1"/>
-              <a:t>blocks</a:t>
-            </a:r>
-            <a:r>
-              <a:rPr lang="pt-BR" dirty="0"/>
-              <a:t>.</a:t>
-            </a:r>
-          </a:p>
-          <a:p>
-            <a:r>
-              <a:rPr lang="pt-BR" dirty="0" err="1"/>
-              <a:t>Autoregressive</a:t>
-            </a:r>
-            <a:r>
-              <a:rPr lang="pt-BR" dirty="0"/>
-              <a:t>: </a:t>
-            </a:r>
-            <a:r>
-              <a:rPr lang="pt-BR" dirty="0" err="1"/>
-              <a:t>Sequential</a:t>
-            </a:r>
-            <a:r>
-              <a:rPr lang="pt-BR" dirty="0"/>
-              <a:t> </a:t>
-            </a:r>
-            <a:r>
-              <a:rPr lang="pt-BR" dirty="0" err="1"/>
-              <a:t>text</a:t>
-            </a:r>
-            <a:r>
-              <a:rPr lang="pt-BR" dirty="0"/>
-              <a:t> </a:t>
-            </a:r>
-            <a:r>
-              <a:rPr lang="pt-BR" dirty="0" err="1"/>
-              <a:t>generation</a:t>
-            </a:r>
-            <a:r>
-              <a:rPr lang="pt-BR" dirty="0"/>
-              <a:t>.</a:t>
-            </a:r>
-          </a:p>
-          <a:p>
-            <a:r>
-              <a:rPr lang="pt-BR" dirty="0" err="1"/>
-              <a:t>Masked</a:t>
-            </a:r>
-            <a:r>
-              <a:rPr lang="pt-BR" dirty="0"/>
-              <a:t> Self-</a:t>
-            </a:r>
-            <a:r>
-              <a:rPr lang="pt-BR" dirty="0" err="1"/>
-              <a:t>Attention</a:t>
-            </a:r>
-            <a:r>
-              <a:rPr lang="pt-BR" dirty="0"/>
-              <a:t>:</a:t>
+              <a:rPr lang="pt-BR"/>
+              <a:t>Decoder-Only Architecture: Stack of decoder blocks.</a:t>
+            </a:r>
+          </a:p>
+          <a:p>
+            <a:r>
+              <a:rPr lang="pt-BR"/>
+              <a:t>Autoregressive: Sequential text generation.</a:t>
+            </a:r>
+          </a:p>
+          <a:p>
+            <a:r>
+              <a:rPr lang="pt-BR"/>
+              <a:t>Masked Self-Attention:</a:t>
             </a:r>
           </a:p>
           <a:p>
             <a:pPr lvl="1"/>
             <a:r>
-              <a:rPr lang="pt-BR" dirty="0"/>
-              <a:t>When </a:t>
-            </a:r>
-            <a:r>
-              <a:rPr lang="pt-BR" dirty="0" err="1"/>
-              <a:t>predicting</a:t>
-            </a:r>
-            <a:r>
-              <a:rPr lang="pt-BR" dirty="0"/>
-              <a:t> token i, it </a:t>
-            </a:r>
-            <a:r>
-              <a:rPr lang="pt-BR" dirty="0" err="1"/>
-              <a:t>can</a:t>
-            </a:r>
-            <a:r>
-              <a:rPr lang="pt-BR" dirty="0"/>
-              <a:t> </a:t>
-            </a:r>
-            <a:r>
-              <a:rPr lang="pt-BR" dirty="0" err="1"/>
-              <a:t>only</a:t>
-            </a:r>
-            <a:r>
-              <a:rPr lang="pt-BR" dirty="0"/>
-              <a:t> </a:t>
-            </a:r>
-            <a:r>
-              <a:rPr lang="pt-BR" dirty="0" err="1"/>
-              <a:t>attend</a:t>
-            </a:r>
-            <a:r>
-              <a:rPr lang="pt-BR" dirty="0"/>
-              <a:t> to tokens </a:t>
-            </a:r>
-            <a:r>
-              <a:rPr lang="pt-BR" dirty="0" err="1"/>
-              <a:t>from</a:t>
-            </a:r>
-            <a:r>
-              <a:rPr lang="pt-BR" dirty="0"/>
-              <a:t> 0 to i-1.</a:t>
+              <a:rPr lang="pt-BR"/>
+              <a:t>When predicting token i, it can only attend to tokens from 0 to i-1.</a:t>
             </a:r>
           </a:p>
           <a:p>
             <a:pPr lvl="1"/>
             <a:r>
-              <a:rPr lang="pt-BR" dirty="0" err="1"/>
-              <a:t>Essential</a:t>
-            </a:r>
-            <a:r>
-              <a:rPr lang="pt-BR" dirty="0"/>
-              <a:t> for the </a:t>
-            </a:r>
-            <a:r>
-              <a:rPr lang="pt-BR" dirty="0" err="1"/>
-              <a:t>autoregressive</a:t>
-            </a:r>
-            <a:r>
-              <a:rPr lang="pt-BR" dirty="0"/>
-              <a:t> </a:t>
-            </a:r>
-            <a:r>
-              <a:rPr lang="pt-BR" dirty="0" err="1"/>
-              <a:t>property</a:t>
-            </a:r>
-            <a:r>
-              <a:rPr lang="pt-BR" dirty="0"/>
-              <a:t>.</a:t>
-            </a:r>
-          </a:p>
-          <a:p>
-            <a:r>
-              <a:rPr lang="pt-BR" dirty="0"/>
-              <a:t>Large </a:t>
-            </a:r>
-            <a:r>
-              <a:rPr lang="pt-BR" dirty="0" err="1"/>
-              <a:t>Scale</a:t>
-            </a:r>
-            <a:r>
-              <a:rPr lang="pt-BR" dirty="0"/>
-              <a:t>: </a:t>
-            </a:r>
-            <a:r>
-              <a:rPr lang="pt-BR" dirty="0" err="1"/>
-              <a:t>Various</a:t>
-            </a:r>
-            <a:r>
-              <a:rPr lang="pt-BR" dirty="0"/>
-              <a:t> </a:t>
-            </a:r>
-            <a:r>
-              <a:rPr lang="pt-BR" dirty="0" err="1"/>
-              <a:t>sizes</a:t>
-            </a:r>
-            <a:r>
-              <a:rPr lang="pt-BR" dirty="0"/>
-              <a:t> (e.g., 124M </a:t>
-            </a:r>
-            <a:r>
-              <a:rPr lang="pt-BR" dirty="0" err="1"/>
-              <a:t>parameters</a:t>
-            </a:r>
-            <a:r>
-              <a:rPr lang="pt-BR" dirty="0"/>
-              <a:t> in </a:t>
-            </a:r>
-            <a:r>
-              <a:rPr lang="pt-BR" dirty="0" err="1"/>
-              <a:t>llm.c</a:t>
-            </a:r>
-            <a:r>
-              <a:rPr lang="pt-BR" dirty="0"/>
-              <a:t> </a:t>
-            </a:r>
-            <a:r>
-              <a:rPr lang="pt-BR" sz="1800" dirty="0" err="1"/>
-              <a:t>Source</a:t>
-            </a:r>
-            <a:r>
-              <a:rPr lang="pt-BR" sz="1800" dirty="0"/>
-              <a:t>: </a:t>
-            </a:r>
-            <a:r>
-              <a:rPr lang="pt-BR" sz="1800" dirty="0">
+              <a:rPr lang="pt-BR"/>
+              <a:t>Essential for the autoregressive property.</a:t>
+            </a:r>
+          </a:p>
+          <a:p>
+            <a:r>
+              <a:rPr lang="pt-BR"/>
+              <a:t>Large Scale: Various sizes (e.g., 124M parameters in llm.c </a:t>
+            </a:r>
+            <a:r>
+              <a:rPr lang="pt-BR" sz="1800"/>
+              <a:t>Source: </a:t>
+            </a:r>
+            <a:r>
+              <a:rPr lang="pt-BR" sz="1800">
                 <a:hlinkClick r:id="rId2"/>
               </a:rPr>
               <a:t>https://github.com/karpathy/llm.c/blob/master/README.md</a:t>
             </a:r>
             <a:r>
-              <a:rPr lang="pt-BR" sz="1800" dirty="0"/>
+              <a:rPr lang="pt-BR" sz="1800"/>
               <a:t> </a:t>
             </a:r>
             <a:r>
-              <a:rPr lang="pt-BR" dirty="0" err="1"/>
-              <a:t>up</a:t>
-            </a:r>
-            <a:r>
-              <a:rPr lang="pt-BR" dirty="0"/>
-              <a:t> to 1.5B+).</a:t>
-            </a:r>
-          </a:p>
-          <a:p>
-            <a:r>
-              <a:rPr lang="pt-BR" dirty="0" err="1"/>
-              <a:t>Typical</a:t>
-            </a:r>
-            <a:r>
-              <a:rPr lang="pt-BR" dirty="0"/>
-              <a:t> </a:t>
-            </a:r>
-            <a:r>
-              <a:rPr lang="pt-BR" dirty="0" err="1"/>
-              <a:t>Components</a:t>
-            </a:r>
-            <a:r>
-              <a:rPr lang="pt-BR" dirty="0"/>
-              <a:t> per Block: </a:t>
-            </a:r>
-            <a:r>
-              <a:rPr lang="pt-BR" dirty="0" err="1"/>
-              <a:t>Embeddings</a:t>
-            </a:r>
-            <a:r>
-              <a:rPr lang="pt-BR" dirty="0"/>
-              <a:t>, </a:t>
-            </a:r>
-            <a:r>
-              <a:rPr lang="pt-BR" dirty="0" err="1"/>
-              <a:t>Multi-Head</a:t>
-            </a:r>
-            <a:r>
-              <a:rPr lang="pt-BR" dirty="0"/>
-              <a:t> </a:t>
-            </a:r>
-            <a:r>
-              <a:rPr lang="pt-BR" dirty="0" err="1"/>
-              <a:t>Attention</a:t>
-            </a:r>
-            <a:r>
-              <a:rPr lang="pt-BR" dirty="0"/>
-              <a:t>, </a:t>
-            </a:r>
-            <a:r>
-              <a:rPr lang="pt-BR" dirty="0" err="1"/>
-              <a:t>Layer</a:t>
-            </a:r>
-            <a:r>
-              <a:rPr lang="pt-BR" dirty="0"/>
-              <a:t> </a:t>
-            </a:r>
-            <a:r>
-              <a:rPr lang="pt-BR" dirty="0" err="1"/>
-              <a:t>Normalization</a:t>
-            </a:r>
-            <a:r>
-              <a:rPr lang="pt-BR" dirty="0"/>
-              <a:t>, Feed-</a:t>
-            </a:r>
-            <a:r>
-              <a:rPr lang="pt-BR" dirty="0" err="1"/>
-              <a:t>Forward</a:t>
-            </a:r>
-            <a:r>
-              <a:rPr lang="pt-BR" dirty="0"/>
-              <a:t> Network.</a:t>
-            </a:r>
+              <a:rPr lang="pt-BR"/>
+              <a:t>up to 1.5B+).</a:t>
+            </a:r>
+          </a:p>
+          <a:p>
+            <a:r>
+              <a:rPr lang="pt-BR"/>
+              <a:t>Typical Components per Block: Embeddings, Multi-Head Attention, Layer Normalization, Feed-Forward Network.</a:t>
+            </a:r>
+            <a:endParaRPr lang="pt-BR" dirty="0"/>
           </a:p>
         </p:txBody>
       </p:sp>
@@ -14392,6 +14591,466 @@
       </p:grpSpPr>
       <p:sp useBgFill="1">
         <p:nvSpPr>
+          <p:cNvPr id="2074" name="Rectangle 2073">
+            <a:extLst>
+              <a:ext uri="{FF2B5EF4-FFF2-40B4-BE49-F238E27FC236}">
+                <a16:creationId xmlns:a16="http://schemas.microsoft.com/office/drawing/2014/main" id="{BA79A7CF-01AF-4178-9369-94E0C90EB046}"/>
+              </a:ext>
+              <a:ext uri="{C183D7F6-B498-43B3-948B-1728B52AA6E4}">
+                <adec:decorative xmlns:adec="http://schemas.microsoft.com/office/drawing/2017/decorative" val="1"/>
+              </a:ext>
+            </a:extLst>
+          </p:cNvPr>
+          <p:cNvSpPr>
+            <a:spLocks noGrp="1" noRot="1" noChangeAspect="1" noMove="1" noResize="1" noEditPoints="1" noAdjustHandles="1" noChangeArrowheads="1" noChangeShapeType="1" noTextEdit="1"/>
+          </p:cNvSpPr>
+          <p:nvPr>
+            <p:extLst>
+              <p:ext uri="{386F3935-93C4-4BCD-93E2-E3B085C9AB24}">
+                <p16:designElem xmlns:p16="http://schemas.microsoft.com/office/powerpoint/2015/main" val="1"/>
+              </p:ext>
+            </p:extLst>
+          </p:nvPr>
+        </p:nvSpPr>
+        <p:spPr>
+          <a:xfrm>
+            <a:off x="0" y="0"/>
+            <a:ext cx="12191999" cy="6857365"/>
+          </a:xfrm>
+          <a:prstGeom prst="rect">
+            <a:avLst/>
+          </a:prstGeom>
+          <a:ln>
+            <a:noFill/>
+          </a:ln>
+        </p:spPr>
+        <p:style>
+          <a:lnRef idx="2">
+            <a:schemeClr val="accent1">
+              <a:shade val="50000"/>
+            </a:schemeClr>
+          </a:lnRef>
+          <a:fillRef idx="1">
+            <a:schemeClr val="accent1"/>
+          </a:fillRef>
+          <a:effectRef idx="0">
+            <a:schemeClr val="accent1"/>
+          </a:effectRef>
+          <a:fontRef idx="minor">
+            <a:schemeClr val="lt1"/>
+          </a:fontRef>
+        </p:style>
+        <p:txBody>
+          <a:bodyPr rtlCol="0" anchor="ctr"/>
+          <a:lstStyle/>
+          <a:p>
+            <a:pPr algn="ctr"/>
+            <a:endParaRPr lang="en-US"/>
+          </a:p>
+        </p:txBody>
+      </p:sp>
+      <p:sp>
+        <p:nvSpPr>
+          <p:cNvPr id="2" name="Title 1">
+            <a:extLst>
+              <a:ext uri="{FF2B5EF4-FFF2-40B4-BE49-F238E27FC236}">
+                <a16:creationId xmlns:a16="http://schemas.microsoft.com/office/drawing/2014/main" id="{94546E81-003C-44C1-EA62-DC0D3F1DDFEB}"/>
+              </a:ext>
+            </a:extLst>
+          </p:cNvPr>
+          <p:cNvSpPr>
+            <a:spLocks noGrp="1"/>
+          </p:cNvSpPr>
+          <p:nvPr>
+            <p:ph type="title"/>
+          </p:nvPr>
+        </p:nvSpPr>
+        <p:spPr>
+          <a:xfrm>
+            <a:off x="9267909" y="2023110"/>
+            <a:ext cx="2469624" cy="2846070"/>
+          </a:xfrm>
+        </p:spPr>
+        <p:txBody>
+          <a:bodyPr vert="horz" lIns="91440" tIns="45720" rIns="91440" bIns="45720" rtlCol="0" anchor="ctr">
+            <a:normAutofit/>
+          </a:bodyPr>
+          <a:lstStyle/>
+          <a:p>
+            <a:r>
+              <a:rPr lang="en-US" sz="3700" kern="1200">
+                <a:solidFill>
+                  <a:schemeClr val="tx1"/>
+                </a:solidFill>
+                <a:latin typeface="+mj-lt"/>
+                <a:ea typeface="+mj-ea"/>
+                <a:cs typeface="+mj-cs"/>
+              </a:rPr>
+              <a:t>List of Model Size</a:t>
+            </a:r>
+          </a:p>
+        </p:txBody>
+      </p:sp>
+      <p:sp>
+        <p:nvSpPr>
+          <p:cNvPr id="3" name="Content Placeholder 2">
+            <a:extLst>
+              <a:ext uri="{FF2B5EF4-FFF2-40B4-BE49-F238E27FC236}">
+                <a16:creationId xmlns:a16="http://schemas.microsoft.com/office/drawing/2014/main" id="{637AB427-F001-6EA2-53C8-C89E0A57C9DD}"/>
+              </a:ext>
+            </a:extLst>
+          </p:cNvPr>
+          <p:cNvSpPr>
+            <a:spLocks noGrp="1"/>
+          </p:cNvSpPr>
+          <p:nvPr>
+            <p:ph idx="1"/>
+          </p:nvPr>
+        </p:nvSpPr>
+        <p:spPr>
+          <a:xfrm>
+            <a:off x="8627870" y="6024880"/>
+            <a:ext cx="3442210" cy="239768"/>
+          </a:xfrm>
+        </p:spPr>
+        <p:txBody>
+          <a:bodyPr vert="horz" lIns="91440" tIns="45720" rIns="91440" bIns="45720" rtlCol="0">
+            <a:normAutofit/>
+          </a:bodyPr>
+          <a:lstStyle/>
+          <a:p>
+            <a:pPr marL="0" indent="0">
+              <a:buNone/>
+            </a:pPr>
+            <a:r>
+              <a:rPr lang="en-US" sz="1000" kern="1200" dirty="0" err="1">
+                <a:solidFill>
+                  <a:schemeClr val="tx1"/>
+                </a:solidFill>
+                <a:latin typeface="+mn-lt"/>
+                <a:ea typeface="+mn-ea"/>
+                <a:cs typeface="+mn-cs"/>
+              </a:rPr>
+              <a:t>Souce</a:t>
+            </a:r>
+            <a:r>
+              <a:rPr lang="en-US" sz="1000" kern="1200" dirty="0">
+                <a:solidFill>
+                  <a:schemeClr val="tx1"/>
+                </a:solidFill>
+                <a:latin typeface="+mn-lt"/>
+                <a:ea typeface="+mn-ea"/>
+                <a:cs typeface="+mn-cs"/>
+              </a:rPr>
+              <a:t> </a:t>
+            </a:r>
+            <a:r>
+              <a:rPr lang="en-US" sz="1000" kern="1200" dirty="0">
+                <a:solidFill>
+                  <a:schemeClr val="tx1"/>
+                </a:solidFill>
+                <a:latin typeface="+mn-lt"/>
+                <a:ea typeface="+mn-ea"/>
+                <a:cs typeface="+mn-cs"/>
+                <a:hlinkClick r:id="rId2"/>
+              </a:rPr>
+              <a:t>https://github.com/bethanyhgardner/llm-size-plot</a:t>
+            </a:r>
+            <a:r>
+              <a:rPr lang="en-US" sz="1000" kern="1200" dirty="0">
+                <a:solidFill>
+                  <a:schemeClr val="tx1"/>
+                </a:solidFill>
+                <a:latin typeface="+mn-lt"/>
+                <a:ea typeface="+mn-ea"/>
+                <a:cs typeface="+mn-cs"/>
+              </a:rPr>
+              <a:t> </a:t>
+            </a:r>
+          </a:p>
+        </p:txBody>
+      </p:sp>
+      <p:sp>
+        <p:nvSpPr>
+          <p:cNvPr id="2075" name="Rectangle 2074">
+            <a:extLst>
+              <a:ext uri="{FF2B5EF4-FFF2-40B4-BE49-F238E27FC236}">
+                <a16:creationId xmlns:a16="http://schemas.microsoft.com/office/drawing/2014/main" id="{99413ED5-9ED4-4772-BCE4-2BCAE6B12E35}"/>
+              </a:ext>
+              <a:ext uri="{C183D7F6-B498-43B3-948B-1728B52AA6E4}">
+                <adec:decorative xmlns:adec="http://schemas.microsoft.com/office/drawing/2017/decorative" val="1"/>
+              </a:ext>
+            </a:extLst>
+          </p:cNvPr>
+          <p:cNvSpPr>
+            <a:spLocks noGrp="1" noRot="1" noChangeAspect="1" noMove="1" noResize="1" noEditPoints="1" noAdjustHandles="1" noChangeArrowheads="1" noChangeShapeType="1" noTextEdit="1"/>
+          </p:cNvSpPr>
+          <p:nvPr>
+            <p:extLst>
+              <p:ext uri="{386F3935-93C4-4BCD-93E2-E3B085C9AB24}">
+                <p16:designElem xmlns:p16="http://schemas.microsoft.com/office/powerpoint/2015/main" val="1"/>
+              </p:ext>
+            </p:extLst>
+          </p:nvPr>
+        </p:nvSpPr>
+        <p:spPr>
+          <a:xfrm rot="16200000">
+            <a:off x="3433973" y="-827233"/>
+            <a:ext cx="1715478" cy="8583421"/>
+          </a:xfrm>
+          <a:prstGeom prst="rect">
+            <a:avLst/>
+          </a:prstGeom>
+          <a:solidFill>
+            <a:schemeClr val="accent4"/>
+          </a:solidFill>
+          <a:ln>
+            <a:noFill/>
+          </a:ln>
+        </p:spPr>
+        <p:style>
+          <a:lnRef idx="2">
+            <a:schemeClr val="accent1">
+              <a:shade val="50000"/>
+            </a:schemeClr>
+          </a:lnRef>
+          <a:fillRef idx="1">
+            <a:schemeClr val="accent1"/>
+          </a:fillRef>
+          <a:effectRef idx="0">
+            <a:schemeClr val="accent1"/>
+          </a:effectRef>
+          <a:fontRef idx="minor">
+            <a:schemeClr val="lt1"/>
+          </a:fontRef>
+        </p:style>
+        <p:txBody>
+          <a:bodyPr rtlCol="0" anchor="ctr"/>
+          <a:lstStyle/>
+          <a:p>
+            <a:pPr algn="ctr"/>
+            <a:endParaRPr lang="en-US" dirty="0"/>
+          </a:p>
+        </p:txBody>
+      </p:sp>
+      <p:sp>
+        <p:nvSpPr>
+          <p:cNvPr id="2076" name="Rectangle 2075">
+            <a:extLst>
+              <a:ext uri="{FF2B5EF4-FFF2-40B4-BE49-F238E27FC236}">
+                <a16:creationId xmlns:a16="http://schemas.microsoft.com/office/drawing/2014/main" id="{04357C93-F0CB-4A1C-8F77-4E9063789819}"/>
+              </a:ext>
+              <a:ext uri="{C183D7F6-B498-43B3-948B-1728B52AA6E4}">
+                <adec:decorative xmlns:adec="http://schemas.microsoft.com/office/drawing/2017/decorative" val="1"/>
+              </a:ext>
+            </a:extLst>
+          </p:cNvPr>
+          <p:cNvSpPr>
+            <a:spLocks noGrp="1" noRot="1" noChangeAspect="1" noMove="1" noResize="1" noEditPoints="1" noAdjustHandles="1" noChangeArrowheads="1" noChangeShapeType="1" noTextEdit="1"/>
+          </p:cNvSpPr>
+          <p:nvPr>
+            <p:extLst>
+              <p:ext uri="{386F3935-93C4-4BCD-93E2-E3B085C9AB24}">
+                <p16:designElem xmlns:p16="http://schemas.microsoft.com/office/powerpoint/2015/main" val="1"/>
+              </p:ext>
+            </p:extLst>
+          </p:nvPr>
+        </p:nvSpPr>
+        <p:spPr>
+          <a:xfrm>
+            <a:off x="302085" y="664308"/>
+            <a:ext cx="8082632" cy="5600340"/>
+          </a:xfrm>
+          <a:prstGeom prst="rect">
+            <a:avLst/>
+          </a:prstGeom>
+          <a:solidFill>
+            <a:schemeClr val="bg1"/>
+          </a:solidFill>
+          <a:ln>
+            <a:noFill/>
+          </a:ln>
+          <a:effectLst>
+            <a:outerShdw blurRad="139700" dist="127000" dir="5400000" algn="t" rotWithShape="0">
+              <a:prstClr val="black">
+                <a:alpha val="15000"/>
+              </a:prstClr>
+            </a:outerShdw>
+          </a:effectLst>
+        </p:spPr>
+        <p:style>
+          <a:lnRef idx="2">
+            <a:schemeClr val="accent1">
+              <a:shade val="50000"/>
+            </a:schemeClr>
+          </a:lnRef>
+          <a:fillRef idx="1">
+            <a:schemeClr val="accent1"/>
+          </a:fillRef>
+          <a:effectRef idx="0">
+            <a:schemeClr val="accent1"/>
+          </a:effectRef>
+          <a:fontRef idx="minor">
+            <a:schemeClr val="lt1"/>
+          </a:fontRef>
+        </p:style>
+        <p:txBody>
+          <a:bodyPr rtlCol="0" anchor="ctr"/>
+          <a:lstStyle/>
+          <a:p>
+            <a:pPr algn="ctr"/>
+            <a:endParaRPr lang="en-US"/>
+          </a:p>
+        </p:txBody>
+      </p:sp>
+      <p:pic>
+        <p:nvPicPr>
+          <p:cNvPr id="2050" name="Picture 2">
+            <a:extLst>
+              <a:ext uri="{FF2B5EF4-FFF2-40B4-BE49-F238E27FC236}">
+                <a16:creationId xmlns:a16="http://schemas.microsoft.com/office/drawing/2014/main" id="{88DE810E-99A6-E95D-1E25-E5DD63BA6166}"/>
+              </a:ext>
+            </a:extLst>
+          </p:cNvPr>
+          <p:cNvPicPr>
+            <a:picLocks noChangeAspect="1" noChangeArrowheads="1"/>
+          </p:cNvPicPr>
+          <p:nvPr/>
+        </p:nvPicPr>
+        <p:blipFill rotWithShape="1">
+          <a:blip r:embed="rId3">
+            <a:extLst>
+              <a:ext uri="{28A0092B-C50C-407E-A947-70E740481C1C}">
+                <a14:useLocalDpi xmlns:a14="http://schemas.microsoft.com/office/drawing/2010/main" val="0"/>
+              </a:ext>
+            </a:extLst>
+          </a:blip>
+          <a:srcRect b="41333"/>
+          <a:stretch/>
+        </p:blipFill>
+        <p:spPr bwMode="auto">
+          <a:xfrm>
+            <a:off x="545238" y="1232697"/>
+            <a:ext cx="7608304" cy="4463562"/>
+          </a:xfrm>
+          <a:prstGeom prst="rect">
+            <a:avLst/>
+          </a:prstGeom>
+          <a:noFill/>
+          <a:extLst>
+            <a:ext uri="{909E8E84-426E-40DD-AFC4-6F175D3DCCD1}">
+              <a14:hiddenFill xmlns:a14="http://schemas.microsoft.com/office/drawing/2010/main">
+                <a:solidFill>
+                  <a:srgbClr val="FFFFFF"/>
+                </a:solidFill>
+              </a14:hiddenFill>
+            </a:ext>
+          </a:extLst>
+        </p:spPr>
+      </p:pic>
+      <p:sp>
+        <p:nvSpPr>
+          <p:cNvPr id="2077" name="Rectangle 2076">
+            <a:extLst>
+              <a:ext uri="{FF2B5EF4-FFF2-40B4-BE49-F238E27FC236}">
+                <a16:creationId xmlns:a16="http://schemas.microsoft.com/office/drawing/2014/main" id="{90F533E9-6690-41A8-A372-4C6C622D028D}"/>
+              </a:ext>
+              <a:ext uri="{C183D7F6-B498-43B3-948B-1728B52AA6E4}">
+                <adec:decorative xmlns:adec="http://schemas.microsoft.com/office/drawing/2017/decorative" val="1"/>
+              </a:ext>
+            </a:extLst>
+          </p:cNvPr>
+          <p:cNvSpPr>
+            <a:spLocks noGrp="1" noRot="1" noChangeAspect="1" noMove="1" noResize="1" noEditPoints="1" noAdjustHandles="1" noChangeArrowheads="1" noChangeShapeType="1" noTextEdit="1"/>
+          </p:cNvSpPr>
+          <p:nvPr>
+            <p:extLst>
+              <p:ext uri="{386F3935-93C4-4BCD-93E2-E3B085C9AB24}">
+                <p16:designElem xmlns:p16="http://schemas.microsoft.com/office/powerpoint/2015/main" val="1"/>
+              </p:ext>
+            </p:extLst>
+          </p:nvPr>
+        </p:nvSpPr>
+        <p:spPr>
+          <a:xfrm rot="5400000">
+            <a:off x="7950447" y="3392097"/>
+            <a:ext cx="1719072" cy="152382"/>
+          </a:xfrm>
+          <a:prstGeom prst="rect">
+            <a:avLst/>
+          </a:prstGeom>
+          <a:solidFill>
+            <a:schemeClr val="accent4"/>
+          </a:solidFill>
+          <a:ln>
+            <a:noFill/>
+          </a:ln>
+        </p:spPr>
+        <p:style>
+          <a:lnRef idx="2">
+            <a:schemeClr val="accent1">
+              <a:shade val="50000"/>
+            </a:schemeClr>
+          </a:lnRef>
+          <a:fillRef idx="1">
+            <a:schemeClr val="accent1"/>
+          </a:fillRef>
+          <a:effectRef idx="0">
+            <a:schemeClr val="accent1"/>
+          </a:effectRef>
+          <a:fontRef idx="minor">
+            <a:schemeClr val="lt1"/>
+          </a:fontRef>
+        </p:style>
+        <p:txBody>
+          <a:bodyPr rtlCol="0" anchor="ctr"/>
+          <a:lstStyle/>
+          <a:p>
+            <a:pPr algn="ctr"/>
+            <a:endParaRPr lang="en-US"/>
+          </a:p>
+        </p:txBody>
+      </p:sp>
+    </p:spTree>
+    <p:extLst>
+      <p:ext uri="{BB962C8B-B14F-4D97-AF65-F5344CB8AC3E}">
+        <p14:creationId xmlns:p14="http://schemas.microsoft.com/office/powerpoint/2010/main" val="1629620901"/>
+      </p:ext>
+    </p:extLst>
+  </p:cSld>
+  <p:clrMapOvr>
+    <a:masterClrMapping/>
+  </p:clrMapOvr>
+</p:sld>
+</file>
+
+<file path=ppt/slides/slide8.xml><?xml version="1.0" encoding="utf-8"?>
+<p:sld xmlns:a="http://schemas.openxmlformats.org/drawingml/2006/main" xmlns:r="http://schemas.openxmlformats.org/officeDocument/2006/relationships" xmlns:p="http://schemas.openxmlformats.org/presentationml/2006/main">
+  <p:cSld>
+    <p:bg>
+      <p:bgPr>
+        <a:solidFill>
+          <a:schemeClr val="bg1"/>
+        </a:solidFill>
+        <a:effectLst/>
+      </p:bgPr>
+    </p:bg>
+    <p:spTree>
+      <p:nvGrpSpPr>
+        <p:cNvPr id="1" name=""/>
+        <p:cNvGrpSpPr/>
+        <p:nvPr/>
+      </p:nvGrpSpPr>
+      <p:grpSpPr>
+        <a:xfrm>
+          <a:off x="0" y="0"/>
+          <a:ext cx="0" cy="0"/>
+          <a:chOff x="0" y="0"/>
+          <a:chExt cx="0" cy="0"/>
+        </a:xfrm>
+      </p:grpSpPr>
+      <p:sp useBgFill="1">
+        <p:nvSpPr>
           <p:cNvPr id="12" name="Rectangle 11">
             <a:extLst>
               <a:ext uri="{FF2B5EF4-FFF2-40B4-BE49-F238E27FC236}">
@@ -14868,7 +15527,7 @@
 </p:sld>
 </file>
 
-<file path=ppt/slides/slide8.xml><?xml version="1.0" encoding="utf-8"?>
+<file path=ppt/slides/slide9.xml><?xml version="1.0" encoding="utf-8"?>
 <p:sld xmlns:a="http://schemas.openxmlformats.org/drawingml/2006/main" xmlns:r="http://schemas.openxmlformats.org/officeDocument/2006/relationships" xmlns:p="http://schemas.openxmlformats.org/presentationml/2006/main">
   <p:cSld>
     <p:bg>
@@ -15434,446 +16093,6 @@
     <p:extLst>
       <p:ext uri="{BB962C8B-B14F-4D97-AF65-F5344CB8AC3E}">
         <p14:creationId xmlns:p14="http://schemas.microsoft.com/office/powerpoint/2010/main" val="526184052"/>
-      </p:ext>
-    </p:extLst>
-  </p:cSld>
-  <p:clrMapOvr>
-    <a:masterClrMapping/>
-  </p:clrMapOvr>
-</p:sld>
-</file>
-
-<file path=ppt/slides/slide9.xml><?xml version="1.0" encoding="utf-8"?>
-<p:sld xmlns:a="http://schemas.openxmlformats.org/drawingml/2006/main" xmlns:r="http://schemas.openxmlformats.org/officeDocument/2006/relationships" xmlns:p="http://schemas.openxmlformats.org/presentationml/2006/main">
-  <p:cSld>
-    <p:bg>
-      <p:bgPr>
-        <a:solidFill>
-          <a:schemeClr val="bg1"/>
-        </a:solidFill>
-        <a:effectLst/>
-      </p:bgPr>
-    </p:bg>
-    <p:spTree>
-      <p:nvGrpSpPr>
-        <p:cNvPr id="1" name=""/>
-        <p:cNvGrpSpPr/>
-        <p:nvPr/>
-      </p:nvGrpSpPr>
-      <p:grpSpPr>
-        <a:xfrm>
-          <a:off x="0" y="0"/>
-          <a:ext cx="0" cy="0"/>
-          <a:chOff x="0" y="0"/>
-          <a:chExt cx="0" cy="0"/>
-        </a:xfrm>
-      </p:grpSpPr>
-      <p:sp useBgFill="1">
-        <p:nvSpPr>
-          <p:cNvPr id="10" name="Rectangle 9">
-            <a:extLst>
-              <a:ext uri="{FF2B5EF4-FFF2-40B4-BE49-F238E27FC236}">
-                <a16:creationId xmlns:a16="http://schemas.microsoft.com/office/drawing/2014/main" id="{058A14AF-9FB5-4CC7-BA35-E8E85D3EDF0E}"/>
-              </a:ext>
-              <a:ext uri="{C183D7F6-B498-43B3-948B-1728B52AA6E4}">
-                <adec:decorative xmlns:adec="http://schemas.microsoft.com/office/drawing/2017/decorative" val="1"/>
-              </a:ext>
-            </a:extLst>
-          </p:cNvPr>
-          <p:cNvSpPr>
-            <a:spLocks noGrp="1" noRot="1" noChangeAspect="1" noMove="1" noResize="1" noEditPoints="1" noAdjustHandles="1" noChangeArrowheads="1" noChangeShapeType="1" noTextEdit="1"/>
-          </p:cNvSpPr>
-          <p:nvPr>
-            <p:extLst>
-              <p:ext uri="{386F3935-93C4-4BCD-93E2-E3B085C9AB24}">
-                <p16:designElem xmlns:p16="http://schemas.microsoft.com/office/powerpoint/2015/main" val="1"/>
-              </p:ext>
-            </p:extLst>
-          </p:nvPr>
-        </p:nvSpPr>
-        <p:spPr>
-          <a:xfrm>
-            <a:off x="0" y="0"/>
-            <a:ext cx="12191999" cy="6857365"/>
-          </a:xfrm>
-          <a:prstGeom prst="rect">
-            <a:avLst/>
-          </a:prstGeom>
-          <a:ln>
-            <a:noFill/>
-          </a:ln>
-        </p:spPr>
-        <p:style>
-          <a:lnRef idx="2">
-            <a:schemeClr val="accent1">
-              <a:shade val="50000"/>
-            </a:schemeClr>
-          </a:lnRef>
-          <a:fillRef idx="1">
-            <a:schemeClr val="accent1"/>
-          </a:fillRef>
-          <a:effectRef idx="0">
-            <a:schemeClr val="accent1"/>
-          </a:effectRef>
-          <a:fontRef idx="minor">
-            <a:schemeClr val="lt1"/>
-          </a:fontRef>
-        </p:style>
-        <p:txBody>
-          <a:bodyPr rtlCol="0" anchor="ctr"/>
-          <a:lstStyle/>
-          <a:p>
-            <a:pPr algn="ctr"/>
-            <a:endParaRPr lang="en-US"/>
-          </a:p>
-        </p:txBody>
-      </p:sp>
-      <p:sp>
-        <p:nvSpPr>
-          <p:cNvPr id="2" name="Title 1">
-            <a:extLst>
-              <a:ext uri="{FF2B5EF4-FFF2-40B4-BE49-F238E27FC236}">
-                <a16:creationId xmlns:a16="http://schemas.microsoft.com/office/drawing/2014/main" id="{FF8A60A0-2C08-9D28-6F25-107F5D86A218}"/>
-              </a:ext>
-            </a:extLst>
-          </p:cNvPr>
-          <p:cNvSpPr>
-            <a:spLocks noGrp="1"/>
-          </p:cNvSpPr>
-          <p:nvPr>
-            <p:ph type="title"/>
-          </p:nvPr>
-        </p:nvSpPr>
-        <p:spPr>
-          <a:xfrm>
-            <a:off x="793662" y="386930"/>
-            <a:ext cx="10066122" cy="1298448"/>
-          </a:xfrm>
-        </p:spPr>
-        <p:txBody>
-          <a:bodyPr anchor="b">
-            <a:normAutofit/>
-          </a:bodyPr>
-          <a:lstStyle/>
-          <a:p>
-            <a:r>
-              <a:rPr lang="en-US" sz="4800"/>
-              <a:t>The Heart of GPT: Attention (Part 1)</a:t>
-            </a:r>
-            <a:endParaRPr lang="pt-BR" sz="4800"/>
-          </a:p>
-        </p:txBody>
-      </p:sp>
-      <p:sp>
-        <p:nvSpPr>
-          <p:cNvPr id="12" name="Rectangle 11">
-            <a:extLst>
-              <a:ext uri="{FF2B5EF4-FFF2-40B4-BE49-F238E27FC236}">
-                <a16:creationId xmlns:a16="http://schemas.microsoft.com/office/drawing/2014/main" id="{3A9A4357-BD1D-4622-A4FE-766E6AB8DE84}"/>
-              </a:ext>
-              <a:ext uri="{C183D7F6-B498-43B3-948B-1728B52AA6E4}">
-                <adec:decorative xmlns:adec="http://schemas.microsoft.com/office/drawing/2017/decorative" val="1"/>
-              </a:ext>
-            </a:extLst>
-          </p:cNvPr>
-          <p:cNvSpPr>
-            <a:spLocks noGrp="1" noRot="1" noChangeAspect="1" noMove="1" noResize="1" noEditPoints="1" noAdjustHandles="1" noChangeArrowheads="1" noChangeShapeType="1" noTextEdit="1"/>
-          </p:cNvSpPr>
-          <p:nvPr>
-            <p:extLst>
-              <p:ext uri="{386F3935-93C4-4BCD-93E2-E3B085C9AB24}">
-                <p16:designElem xmlns:p16="http://schemas.microsoft.com/office/powerpoint/2015/main" val="1"/>
-              </p:ext>
-            </p:extLst>
-          </p:nvPr>
-        </p:nvSpPr>
-        <p:spPr>
-          <a:xfrm flipH="1" flipV="1">
-            <a:off x="-2" y="1998845"/>
-            <a:ext cx="11454595" cy="781699"/>
-          </a:xfrm>
-          <a:prstGeom prst="rect">
-            <a:avLst/>
-          </a:prstGeom>
-          <a:solidFill>
-            <a:schemeClr val="accent4"/>
-          </a:solidFill>
-          <a:ln>
-            <a:noFill/>
-          </a:ln>
-        </p:spPr>
-        <p:style>
-          <a:lnRef idx="2">
-            <a:schemeClr val="accent1">
-              <a:shade val="50000"/>
-            </a:schemeClr>
-          </a:lnRef>
-          <a:fillRef idx="1">
-            <a:schemeClr val="accent1"/>
-          </a:fillRef>
-          <a:effectRef idx="0">
-            <a:schemeClr val="accent1"/>
-          </a:effectRef>
-          <a:fontRef idx="minor">
-            <a:schemeClr val="lt1"/>
-          </a:fontRef>
-        </p:style>
-        <p:txBody>
-          <a:bodyPr rtlCol="0" anchor="ctr"/>
-          <a:lstStyle/>
-          <a:p>
-            <a:pPr algn="ctr"/>
-            <a:endParaRPr lang="en-US"/>
-          </a:p>
-        </p:txBody>
-      </p:sp>
-      <p:sp>
-        <p:nvSpPr>
-          <p:cNvPr id="14" name="Rectangle 13">
-            <a:extLst>
-              <a:ext uri="{FF2B5EF4-FFF2-40B4-BE49-F238E27FC236}">
-                <a16:creationId xmlns:a16="http://schemas.microsoft.com/office/drawing/2014/main" id="{E659831F-0D9A-4C63-9EBB-8435B85A440F}"/>
-              </a:ext>
-              <a:ext uri="{C183D7F6-B498-43B3-948B-1728B52AA6E4}">
-                <adec:decorative xmlns:adec="http://schemas.microsoft.com/office/drawing/2017/decorative" val="1"/>
-              </a:ext>
-            </a:extLst>
-          </p:cNvPr>
-          <p:cNvSpPr>
-            <a:spLocks noGrp="1" noRot="1" noChangeAspect="1" noMove="1" noResize="1" noEditPoints="1" noAdjustHandles="1" noChangeArrowheads="1" noChangeShapeType="1" noTextEdit="1"/>
-          </p:cNvSpPr>
-          <p:nvPr>
-            <p:extLst>
-              <p:ext uri="{386F3935-93C4-4BCD-93E2-E3B085C9AB24}">
-                <p16:designElem xmlns:p16="http://schemas.microsoft.com/office/powerpoint/2015/main" val="1"/>
-              </p:ext>
-            </p:extLst>
-          </p:nvPr>
-        </p:nvSpPr>
-        <p:spPr>
-          <a:xfrm>
-            <a:off x="0" y="2203079"/>
-            <a:ext cx="11383362" cy="4267991"/>
-          </a:xfrm>
-          <a:prstGeom prst="rect">
-            <a:avLst/>
-          </a:prstGeom>
-          <a:solidFill>
-            <a:schemeClr val="bg1"/>
-          </a:solidFill>
-          <a:ln>
-            <a:noFill/>
-          </a:ln>
-          <a:effectLst>
-            <a:outerShdw blurRad="139700" dist="127000" dir="5400000" algn="t" rotWithShape="0">
-              <a:prstClr val="black">
-                <a:alpha val="15000"/>
-              </a:prstClr>
-            </a:outerShdw>
-          </a:effectLst>
-        </p:spPr>
-        <p:style>
-          <a:lnRef idx="2">
-            <a:schemeClr val="accent1">
-              <a:shade val="50000"/>
-            </a:schemeClr>
-          </a:lnRef>
-          <a:fillRef idx="1">
-            <a:schemeClr val="accent1"/>
-          </a:fillRef>
-          <a:effectRef idx="0">
-            <a:schemeClr val="accent1"/>
-          </a:effectRef>
-          <a:fontRef idx="minor">
-            <a:schemeClr val="lt1"/>
-          </a:fontRef>
-        </p:style>
-        <p:txBody>
-          <a:bodyPr rtlCol="0" anchor="ctr"/>
-          <a:lstStyle/>
-          <a:p>
-            <a:pPr algn="ctr"/>
-            <a:endParaRPr lang="en-US"/>
-          </a:p>
-        </p:txBody>
-      </p:sp>
-      <p:sp>
-        <p:nvSpPr>
-          <p:cNvPr id="3" name="Content Placeholder 2">
-            <a:extLst>
-              <a:ext uri="{FF2B5EF4-FFF2-40B4-BE49-F238E27FC236}">
-                <a16:creationId xmlns:a16="http://schemas.microsoft.com/office/drawing/2014/main" id="{5E2234BA-5C57-45E2-29E6-CD2B11285ED1}"/>
-              </a:ext>
-            </a:extLst>
-          </p:cNvPr>
-          <p:cNvSpPr>
-            <a:spLocks noGrp="1"/>
-          </p:cNvSpPr>
-          <p:nvPr>
-            <p:ph idx="1"/>
-          </p:nvPr>
-        </p:nvSpPr>
-        <p:spPr>
-          <a:xfrm>
-            <a:off x="793661" y="2599509"/>
-            <a:ext cx="4530898" cy="3639450"/>
-          </a:xfrm>
-        </p:spPr>
-        <p:txBody>
-          <a:bodyPr anchor="ctr">
-            <a:normAutofit/>
-          </a:bodyPr>
-          <a:lstStyle/>
-          <a:p>
-            <a:r>
-              <a:rPr lang="en-US" sz="1600" dirty="0"/>
-              <a:t>Objective: Allow the model to weigh the importance of different previous tokens when processing the current token.    </a:t>
-            </a:r>
-          </a:p>
-          <a:p>
-            <a:r>
-              <a:rPr lang="en-US" sz="1600" dirty="0"/>
-              <a:t>Process per attention head:</a:t>
-            </a:r>
-          </a:p>
-          <a:p>
-            <a:pPr marL="800100" lvl="1" indent="-342900">
-              <a:buFont typeface="+mj-lt"/>
-              <a:buAutoNum type="arabicPeriod"/>
-            </a:pPr>
-            <a:r>
-              <a:rPr lang="en-US" sz="1600" dirty="0"/>
-              <a:t>Linear Projections: From the input embeddings, three vectors are generated for each token:            </a:t>
-            </a:r>
-          </a:p>
-          <a:p>
-            <a:pPr lvl="2"/>
-            <a:r>
-              <a:rPr lang="en-US" sz="1600" dirty="0"/>
-              <a:t>Query (Q): Represents the current token "asking" for relevance.            </a:t>
-            </a:r>
-          </a:p>
-          <a:p>
-            <a:pPr lvl="2"/>
-            <a:r>
-              <a:rPr lang="en-US" sz="1600" dirty="0"/>
-              <a:t>Key (K): Represents how each previous token "answers" the query.            </a:t>
-            </a:r>
-          </a:p>
-          <a:p>
-            <a:pPr lvl="2"/>
-            <a:r>
-              <a:rPr lang="en-US" sz="1600" dirty="0"/>
-              <a:t>Value (V): Represents the actual content of the previous token.        </a:t>
-            </a:r>
-          </a:p>
-          <a:p>
-            <a:pPr lvl="2"/>
-            <a:r>
-              <a:rPr lang="en-US" sz="1600" dirty="0"/>
-              <a:t>(These are matrix multiplications).</a:t>
-            </a:r>
-            <a:endParaRPr lang="pt-BR" sz="1600" dirty="0"/>
-          </a:p>
-        </p:txBody>
-      </p:sp>
-      <p:pic>
-        <p:nvPicPr>
-          <p:cNvPr id="5" name="Picture 4" descr="A diagram of a machine&#10;&#10;AI-generated content may be incorrect.">
-            <a:extLst>
-              <a:ext uri="{FF2B5EF4-FFF2-40B4-BE49-F238E27FC236}">
-                <a16:creationId xmlns:a16="http://schemas.microsoft.com/office/drawing/2014/main" id="{C77BFECA-0093-0BD7-C258-E61014AB9A34}"/>
-              </a:ext>
-            </a:extLst>
-          </p:cNvPr>
-          <p:cNvPicPr>
-            <a:picLocks noChangeAspect="1"/>
-          </p:cNvPicPr>
-          <p:nvPr/>
-        </p:nvPicPr>
-        <p:blipFill>
-          <a:blip r:embed="rId2"/>
-          <a:stretch>
-            <a:fillRect/>
-          </a:stretch>
-        </p:blipFill>
-        <p:spPr>
-          <a:xfrm>
-            <a:off x="5911532" y="3330635"/>
-            <a:ext cx="5150277" cy="2021483"/>
-          </a:xfrm>
-          <a:prstGeom prst="rect">
-            <a:avLst/>
-          </a:prstGeom>
-        </p:spPr>
-      </p:pic>
-      <p:sp>
-        <p:nvSpPr>
-          <p:cNvPr id="16" name="Rectangle 15">
-            <a:extLst>
-              <a:ext uri="{FF2B5EF4-FFF2-40B4-BE49-F238E27FC236}">
-                <a16:creationId xmlns:a16="http://schemas.microsoft.com/office/drawing/2014/main" id="{E6995CE5-F890-4ABA-82A2-26507CE8D2A3}"/>
-              </a:ext>
-              <a:ext uri="{C183D7F6-B498-43B3-948B-1728B52AA6E4}">
-                <adec:decorative xmlns:adec="http://schemas.microsoft.com/office/drawing/2017/decorative" val="1"/>
-              </a:ext>
-            </a:extLst>
-          </p:cNvPr>
-          <p:cNvSpPr>
-            <a:spLocks noGrp="1" noRot="1" noChangeAspect="1" noMove="1" noResize="1" noEditPoints="1" noAdjustHandles="1" noChangeArrowheads="1" noChangeShapeType="1" noTextEdit="1"/>
-          </p:cNvSpPr>
-          <p:nvPr>
-            <p:extLst>
-              <p:ext uri="{386F3935-93C4-4BCD-93E2-E3B085C9AB24}">
-                <p16:designElem xmlns:p16="http://schemas.microsoft.com/office/powerpoint/2015/main" val="1"/>
-              </p:ext>
-            </p:extLst>
-          </p:nvPr>
-        </p:nvSpPr>
-        <p:spPr>
-          <a:xfrm rot="5400000">
-            <a:off x="11228040" y="2313027"/>
-            <a:ext cx="781700" cy="152382"/>
-          </a:xfrm>
-          <a:prstGeom prst="rect">
-            <a:avLst/>
-          </a:prstGeom>
-          <a:solidFill>
-            <a:schemeClr val="accent4"/>
-          </a:solidFill>
-          <a:ln>
-            <a:noFill/>
-          </a:ln>
-        </p:spPr>
-        <p:style>
-          <a:lnRef idx="2">
-            <a:schemeClr val="accent1">
-              <a:shade val="50000"/>
-            </a:schemeClr>
-          </a:lnRef>
-          <a:fillRef idx="1">
-            <a:schemeClr val="accent1"/>
-          </a:fillRef>
-          <a:effectRef idx="0">
-            <a:schemeClr val="accent1"/>
-          </a:effectRef>
-          <a:fontRef idx="minor">
-            <a:schemeClr val="lt1"/>
-          </a:fontRef>
-        </p:style>
-        <p:txBody>
-          <a:bodyPr rtlCol="0" anchor="ctr"/>
-          <a:lstStyle/>
-          <a:p>
-            <a:pPr algn="ctr"/>
-            <a:endParaRPr lang="en-US"/>
-          </a:p>
-        </p:txBody>
-      </p:sp>
-    </p:spTree>
-    <p:extLst>
-      <p:ext uri="{BB962C8B-B14F-4D97-AF65-F5344CB8AC3E}">
-        <p14:creationId xmlns:p14="http://schemas.microsoft.com/office/powerpoint/2010/main" val="98167611"/>
       </p:ext>
     </p:extLst>
   </p:cSld>

--- a/Accelerating GPT-2 with GPUs - A Deep Dive.pptx
+++ b/Accelerating GPT-2 with GPUs - A Deep Dive.pptx
@@ -4553,8 +4553,8 @@
         </p:blipFill>
         <p:spPr>
           <a:xfrm>
-            <a:off x="1087642" y="511293"/>
-            <a:ext cx="4008460" cy="5665670"/>
+            <a:off x="838200" y="155672"/>
+            <a:ext cx="4631757" cy="6546655"/>
           </a:xfrm>
           <a:custGeom>
             <a:avLst/>
@@ -4623,8 +4623,8 @@
         </p:nvSpPr>
         <p:spPr>
           <a:xfrm>
-            <a:off x="5894962" y="1984443"/>
-            <a:ext cx="5458838" cy="4192520"/>
+            <a:off x="5914631" y="3144973"/>
+            <a:ext cx="5786301" cy="4192520"/>
           </a:xfrm>
         </p:spPr>
         <p:txBody>
@@ -4634,7 +4634,7 @@
           <a:lstStyle/>
           <a:p>
             <a:r>
-              <a:rPr lang="en-US" sz="1400"/>
+              <a:rPr lang="en-US" sz="1600" dirty="0"/>
               <a:t>Process per head (cont.):        </a:t>
             </a:r>
           </a:p>
@@ -4644,23 +4644,41 @@
               <a:buAutoNum type="arabicPeriod" startAt="2"/>
             </a:pPr>
             <a:r>
-              <a:rPr lang="en-US" sz="1400"/>
-              <a:t>Attention Score Calculation: `Scores = (Q * K^T) / sqrt(</a:t>
-            </a:r>
-            <a:r>
-              <a:rPr lang="en-US" sz="1400" err="1"/>
+              <a:rPr lang="en-US" sz="1600" dirty="0"/>
+              <a:t>Attention Score Calculation: `</a:t>
+            </a:r>
+          </a:p>
+          <a:p>
+            <a:pPr marL="914400" lvl="2" indent="0">
+              <a:buNone/>
+            </a:pPr>
+            <a:r>
+              <a:rPr lang="en-US" sz="1800" b="1" dirty="0"/>
+              <a:t>Scores = (Q * K^T) / sqrt(</a:t>
+            </a:r>
+            <a:r>
+              <a:rPr lang="en-US" sz="1800" b="1" dirty="0" err="1"/>
               <a:t>d_k</a:t>
             </a:r>
             <a:r>
-              <a:rPr lang="en-US" sz="1400"/>
-              <a:t>)`            * `</a:t>
-            </a:r>
-            <a:r>
-              <a:rPr lang="en-US" sz="1400" err="1"/>
+              <a:rPr lang="en-US" sz="1800" b="1" dirty="0"/>
+              <a:t>)      </a:t>
+            </a:r>
+          </a:p>
+          <a:p>
+            <a:pPr marL="914400" lvl="2" indent="0">
+              <a:buNone/>
+            </a:pPr>
+            <a:r>
+              <a:rPr lang="en-US" sz="1050" dirty="0"/>
+              <a:t>where `</a:t>
+            </a:r>
+            <a:r>
+              <a:rPr lang="en-US" sz="1050" dirty="0" err="1"/>
               <a:t>d_k</a:t>
             </a:r>
             <a:r>
-              <a:rPr lang="en-US" sz="1400"/>
+              <a:rPr lang="en-US" sz="1050" dirty="0"/>
               <a:t>` is the dimension of the Key vectors.        </a:t>
             </a:r>
           </a:p>
@@ -4670,8 +4688,12 @@
               <a:buAutoNum type="arabicPeriod" startAt="2"/>
             </a:pPr>
             <a:r>
-              <a:rPr lang="en-US" sz="1400"/>
-              <a:t>Masking: A mask is applied so tokens cannot "see" future tokens (essential for autoregression). Scores of future tokens are set to `-infinity`.        </a:t>
+              <a:rPr lang="en-US" sz="1600" b="1" dirty="0"/>
+              <a:t>Masking</a:t>
+            </a:r>
+            <a:r>
+              <a:rPr lang="en-US" sz="1600" dirty="0"/>
+              <a:t>: A mask is applied so tokens cannot "see" future tokens (essential for autoregression). Scores of future tokens are set to `-infinity`.        </a:t>
             </a:r>
           </a:p>
           <a:p>
@@ -4680,11 +4702,11 @@
               <a:buAutoNum type="arabicPeriod" startAt="2"/>
             </a:pPr>
             <a:r>
-              <a:rPr lang="en-US" sz="1400" err="1"/>
+              <a:rPr lang="en-US" sz="1800" b="1" dirty="0" err="1"/>
               <a:t>Softmax</a:t>
             </a:r>
             <a:r>
-              <a:rPr lang="en-US" sz="1400"/>
+              <a:rPr lang="en-US" sz="1600" dirty="0"/>
               <a:t>: Applied to the masked scores to obtain attention weights (probabilities that sum to 1).        </a:t>
             </a:r>
           </a:p>
@@ -4694,26 +4716,99 @@
               <a:buAutoNum type="arabicPeriod" startAt="2"/>
             </a:pPr>
             <a:r>
-              <a:rPr lang="en-US" sz="1400"/>
-              <a:t>Head Output: Weighted sum of the Value vectors: `</a:t>
-            </a:r>
-            <a:r>
-              <a:rPr lang="en-US" sz="1400" err="1"/>
+              <a:rPr lang="en-US" sz="1600" dirty="0"/>
+              <a:t>Head Output: Weighted sum of the Value vectors:</a:t>
+            </a:r>
+          </a:p>
+          <a:p>
+            <a:pPr marL="457200" lvl="1" indent="0">
+              <a:buNone/>
+            </a:pPr>
+            <a:r>
+              <a:rPr lang="en-US" sz="1600" dirty="0"/>
+              <a:t>	</a:t>
+            </a:r>
+            <a:r>
+              <a:rPr lang="en-US" sz="1800" b="1" dirty="0" err="1"/>
               <a:t>Output_head</a:t>
             </a:r>
             <a:r>
-              <a:rPr lang="en-US" sz="1400"/>
+              <a:rPr lang="en-US" sz="1800" b="1" dirty="0"/>
               <a:t> = </a:t>
             </a:r>
             <a:r>
-              <a:rPr lang="en-US" sz="1400" err="1"/>
+              <a:rPr lang="en-US" sz="1800" b="1" dirty="0" err="1"/>
               <a:t>Attention_Weights</a:t>
             </a:r>
             <a:r>
-              <a:rPr lang="en-US" sz="1400"/>
-              <a:t> * V`.</a:t>
-            </a:r>
-            <a:endParaRPr lang="pt-BR" sz="1400"/>
+              <a:rPr lang="en-US" sz="1800" b="1" dirty="0"/>
+              <a:t> * V</a:t>
+            </a:r>
+            <a:endParaRPr lang="pt-BR" sz="1600" b="1" dirty="0"/>
+          </a:p>
+        </p:txBody>
+      </p:sp>
+      <p:sp>
+        <p:nvSpPr>
+          <p:cNvPr id="6" name="TextBox 5">
+            <a:extLst>
+              <a:ext uri="{FF2B5EF4-FFF2-40B4-BE49-F238E27FC236}">
+                <a16:creationId xmlns:a16="http://schemas.microsoft.com/office/drawing/2014/main" id="{7EBE75EF-F528-BB2A-FD39-69FD9B9E2853}"/>
+              </a:ext>
+            </a:extLst>
+          </p:cNvPr>
+          <p:cNvSpPr txBox="1"/>
+          <p:nvPr/>
+        </p:nvSpPr>
+        <p:spPr>
+          <a:xfrm>
+            <a:off x="5876357" y="2299962"/>
+            <a:ext cx="6096000" cy="400110"/>
+          </a:xfrm>
+          <a:prstGeom prst="rect">
+            <a:avLst/>
+          </a:prstGeom>
+          <a:noFill/>
+        </p:spPr>
+        <p:txBody>
+          <a:bodyPr wrap="square">
+            <a:spAutoFit/>
+          </a:bodyPr>
+          <a:lstStyle/>
+          <a:p>
+            <a:r>
+              <a:rPr lang="es-PE" sz="2000" b="1" dirty="0" err="1"/>
+              <a:t>Attention</a:t>
+            </a:r>
+            <a:r>
+              <a:rPr lang="es-PE" sz="2000" b="1" dirty="0"/>
+              <a:t>(Q, K, V) = </a:t>
+            </a:r>
+            <a:r>
+              <a:rPr lang="es-PE" sz="2000" b="1" dirty="0" err="1"/>
+              <a:t>softmax</a:t>
+            </a:r>
+            <a:r>
+              <a:rPr lang="es-PE" sz="2000" b="1" dirty="0"/>
+              <a:t>( (QK^T) / </a:t>
+            </a:r>
+            <a:r>
+              <a:rPr lang="es-PE" sz="2000" b="1" dirty="0" err="1"/>
+              <a:t>sqrt</a:t>
+            </a:r>
+            <a:r>
+              <a:rPr lang="es-PE" sz="2000" b="1" dirty="0"/>
+              <a:t>(</a:t>
+            </a:r>
+            <a:r>
+              <a:rPr lang="es-PE" sz="2000" b="1" dirty="0" err="1"/>
+              <a:t>d_k</a:t>
+            </a:r>
+            <a:r>
+              <a:rPr lang="es-PE" sz="2000" b="1" dirty="0"/>
+              <a:t>) ) * V</a:t>
+            </a:r>
+            <a:endParaRPr lang="pt-BR" sz="2000" b="1" dirty="0"/>
           </a:p>
         </p:txBody>
       </p:sp>
@@ -5006,8 +5101,8 @@
         </p:blipFill>
         <p:spPr>
           <a:xfrm>
-            <a:off x="576244" y="1082463"/>
-            <a:ext cx="5628018" cy="4460203"/>
+            <a:off x="335104" y="909656"/>
+            <a:ext cx="6160103" cy="4881880"/>
           </a:xfrm>
           <a:prstGeom prst="rect">
             <a:avLst/>
@@ -7848,8 +7943,8 @@
         </p:nvSpPr>
         <p:spPr>
           <a:xfrm>
-            <a:off x="793661" y="2599509"/>
-            <a:ext cx="4530898" cy="3639450"/>
+            <a:off x="23194" y="2340035"/>
+            <a:ext cx="5391419" cy="4069231"/>
           </a:xfrm>
         </p:spPr>
         <p:txBody>
@@ -7859,453 +7954,453 @@
           <a:lstStyle/>
           <a:p>
             <a:r>
-              <a:rPr lang="es-PE" sz="1100" dirty="0"/>
+              <a:rPr lang="es-PE" sz="1200" dirty="0"/>
               <a:t>Dense </a:t>
             </a:r>
             <a:r>
-              <a:rPr lang="es-PE" sz="1100" dirty="0" err="1"/>
+              <a:rPr lang="es-PE" sz="1200" dirty="0" err="1"/>
               <a:t>matrix</a:t>
             </a:r>
             <a:r>
-              <a:rPr lang="es-PE" sz="1100" dirty="0"/>
+              <a:rPr lang="es-PE" sz="1200" dirty="0"/>
               <a:t> </a:t>
             </a:r>
             <a:r>
-              <a:rPr lang="es-PE" sz="1100" dirty="0" err="1"/>
+              <a:rPr lang="es-PE" sz="1200" dirty="0" err="1"/>
               <a:t>multiplications</a:t>
             </a:r>
             <a:r>
-              <a:rPr lang="es-PE" sz="1100" dirty="0"/>
+              <a:rPr lang="es-PE" sz="1200" dirty="0"/>
               <a:t> are the </a:t>
             </a:r>
             <a:r>
-              <a:rPr lang="es-PE" sz="1100" dirty="0" err="1"/>
+              <a:rPr lang="es-PE" sz="1200" dirty="0" err="1"/>
               <a:t>most</a:t>
             </a:r>
             <a:r>
-              <a:rPr lang="es-PE" sz="1100" dirty="0"/>
+              <a:rPr lang="es-PE" sz="1200" dirty="0"/>
               <a:t> </a:t>
             </a:r>
             <a:r>
-              <a:rPr lang="es-PE" sz="1100" dirty="0" err="1"/>
+              <a:rPr lang="es-PE" sz="1200" dirty="0" err="1"/>
               <a:t>common</a:t>
             </a:r>
             <a:r>
-              <a:rPr lang="es-PE" sz="1100" dirty="0"/>
+              <a:rPr lang="es-PE" sz="1200" dirty="0"/>
               <a:t> and </a:t>
             </a:r>
             <a:r>
-              <a:rPr lang="es-PE" sz="1100" dirty="0" err="1"/>
+              <a:rPr lang="es-PE" sz="1200" dirty="0" err="1"/>
               <a:t>expensive</a:t>
             </a:r>
             <a:r>
-              <a:rPr lang="es-PE" sz="1100" dirty="0"/>
+              <a:rPr lang="es-PE" sz="1200" dirty="0"/>
               <a:t> </a:t>
             </a:r>
             <a:r>
-              <a:rPr lang="es-PE" sz="1100" dirty="0" err="1"/>
+              <a:rPr lang="es-PE" sz="1200" dirty="0" err="1"/>
               <a:t>operation</a:t>
             </a:r>
             <a:r>
-              <a:rPr lang="es-PE" sz="1100" dirty="0"/>
+              <a:rPr lang="es-PE" sz="1200" dirty="0"/>
               <a:t> in LLMs (QKV </a:t>
             </a:r>
             <a:r>
-              <a:rPr lang="es-PE" sz="1100" dirty="0" err="1"/>
+              <a:rPr lang="es-PE" sz="1200" dirty="0" err="1"/>
               <a:t>projections</a:t>
             </a:r>
             <a:r>
-              <a:rPr lang="es-PE" sz="1100" dirty="0"/>
+              <a:rPr lang="es-PE" sz="1200" dirty="0"/>
               <a:t>, FFN </a:t>
             </a:r>
             <a:r>
-              <a:rPr lang="es-PE" sz="1100" dirty="0" err="1"/>
+              <a:rPr lang="es-PE" sz="1200" dirty="0" err="1"/>
               <a:t>layers</a:t>
             </a:r>
             <a:r>
-              <a:rPr lang="es-PE" sz="1100" dirty="0"/>
+              <a:rPr lang="es-PE" sz="1200" dirty="0"/>
               <a:t>, output </a:t>
             </a:r>
             <a:r>
-              <a:rPr lang="es-PE" sz="1100" dirty="0" err="1"/>
+              <a:rPr lang="es-PE" sz="1200" dirty="0" err="1"/>
               <a:t>layer</a:t>
             </a:r>
             <a:r>
-              <a:rPr lang="es-PE" sz="1100" dirty="0"/>
+              <a:rPr lang="es-PE" sz="1200" dirty="0"/>
               <a:t>). </a:t>
             </a:r>
           </a:p>
           <a:p>
             <a:r>
-              <a:rPr lang="es-PE" sz="1100" dirty="0"/>
+              <a:rPr lang="es-PE" sz="1200" dirty="0"/>
               <a:t>GPU Strategy (GEMM </a:t>
             </a:r>
             <a:r>
-              <a:rPr lang="es-PE" sz="1100" dirty="0" err="1"/>
+              <a:rPr lang="es-PE" sz="1200" dirty="0" err="1"/>
               <a:t>Kernel</a:t>
             </a:r>
             <a:r>
-              <a:rPr lang="es-PE" sz="1100" dirty="0"/>
+              <a:rPr lang="es-PE" sz="1200" dirty="0"/>
               <a:t>):</a:t>
             </a:r>
           </a:p>
           <a:p>
             <a:pPr lvl="1"/>
             <a:r>
-              <a:rPr lang="es-PE" sz="1100" dirty="0"/>
+              <a:rPr lang="es-PE" sz="1200" dirty="0"/>
               <a:t>The output </a:t>
             </a:r>
             <a:r>
-              <a:rPr lang="es-PE" sz="1100" dirty="0" err="1"/>
+              <a:rPr lang="es-PE" sz="1200" dirty="0" err="1"/>
               <a:t>matrix</a:t>
             </a:r>
             <a:r>
-              <a:rPr lang="es-PE" sz="1100" dirty="0"/>
+              <a:rPr lang="es-PE" sz="1200" dirty="0"/>
               <a:t> </a:t>
             </a:r>
             <a:r>
-              <a:rPr lang="es-PE" sz="1100" dirty="0" err="1"/>
+              <a:rPr lang="es-PE" sz="1200" dirty="0" err="1"/>
               <a:t>is</a:t>
             </a:r>
             <a:r>
-              <a:rPr lang="es-PE" sz="1100" dirty="0"/>
+              <a:rPr lang="es-PE" sz="1200" dirty="0"/>
               <a:t> </a:t>
             </a:r>
             <a:r>
-              <a:rPr lang="es-PE" sz="1100" dirty="0" err="1"/>
+              <a:rPr lang="es-PE" sz="1200" dirty="0" err="1"/>
               <a:t>divided</a:t>
             </a:r>
             <a:r>
-              <a:rPr lang="es-PE" sz="1100" dirty="0"/>
+              <a:rPr lang="es-PE" sz="1200" dirty="0"/>
               <a:t> </a:t>
             </a:r>
             <a:r>
-              <a:rPr lang="es-PE" sz="1100" dirty="0" err="1"/>
+              <a:rPr lang="es-PE" sz="1200" dirty="0" err="1"/>
               <a:t>into</a:t>
             </a:r>
             <a:r>
-              <a:rPr lang="es-PE" sz="1100" dirty="0"/>
+              <a:rPr lang="es-PE" sz="1200" dirty="0"/>
               <a:t> tiles. </a:t>
             </a:r>
           </a:p>
           <a:p>
             <a:pPr lvl="1"/>
             <a:r>
-              <a:rPr lang="es-PE" sz="1100" dirty="0" err="1"/>
+              <a:rPr lang="es-PE" sz="1200" dirty="0" err="1"/>
               <a:t>Each</a:t>
             </a:r>
             <a:r>
-              <a:rPr lang="es-PE" sz="1100" dirty="0"/>
+              <a:rPr lang="es-PE" sz="1200" dirty="0"/>
               <a:t> GPU </a:t>
             </a:r>
             <a:r>
-              <a:rPr lang="es-PE" sz="1100" dirty="0" err="1"/>
+              <a:rPr lang="es-PE" sz="1200" dirty="0" err="1"/>
               <a:t>thread</a:t>
             </a:r>
             <a:r>
-              <a:rPr lang="es-PE" sz="1100" dirty="0"/>
+              <a:rPr lang="es-PE" sz="1200" dirty="0"/>
               <a:t> block computes </a:t>
             </a:r>
             <a:r>
-              <a:rPr lang="es-PE" sz="1100" dirty="0" err="1"/>
+              <a:rPr lang="es-PE" sz="1200" dirty="0" err="1"/>
               <a:t>one</a:t>
             </a:r>
             <a:r>
-              <a:rPr lang="es-PE" sz="1100" dirty="0"/>
+              <a:rPr lang="es-PE" sz="1200" dirty="0"/>
               <a:t> tile </a:t>
             </a:r>
             <a:r>
-              <a:rPr lang="es-PE" sz="1100" dirty="0" err="1"/>
+              <a:rPr lang="es-PE" sz="1200" dirty="0" err="1"/>
               <a:t>of</a:t>
             </a:r>
             <a:r>
-              <a:rPr lang="es-PE" sz="1100" dirty="0"/>
+              <a:rPr lang="es-PE" sz="1200" dirty="0"/>
               <a:t> the </a:t>
             </a:r>
             <a:r>
-              <a:rPr lang="es-PE" sz="1100" dirty="0" err="1"/>
+              <a:rPr lang="es-PE" sz="1200" dirty="0" err="1"/>
               <a:t>result</a:t>
             </a:r>
             <a:r>
-              <a:rPr lang="es-PE" sz="1100" dirty="0"/>
+              <a:rPr lang="es-PE" sz="1200" dirty="0"/>
               <a:t> </a:t>
             </a:r>
             <a:r>
-              <a:rPr lang="es-PE" sz="1100" dirty="0" err="1"/>
+              <a:rPr lang="es-PE" sz="1200" dirty="0" err="1"/>
               <a:t>matrix</a:t>
             </a:r>
             <a:r>
-              <a:rPr lang="es-PE" sz="1100" dirty="0"/>
+              <a:rPr lang="es-PE" sz="1200" dirty="0"/>
               <a:t>. </a:t>
             </a:r>
           </a:p>
           <a:p>
             <a:pPr lvl="1"/>
             <a:r>
-              <a:rPr lang="es-PE" sz="1100" dirty="0" err="1"/>
+              <a:rPr lang="es-PE" sz="1200" dirty="0" err="1"/>
               <a:t>Threads</a:t>
             </a:r>
             <a:r>
-              <a:rPr lang="es-PE" sz="1100" dirty="0"/>
+              <a:rPr lang="es-PE" sz="1200" dirty="0"/>
               <a:t> </a:t>
             </a:r>
             <a:r>
-              <a:rPr lang="es-PE" sz="1100" dirty="0" err="1"/>
+              <a:rPr lang="es-PE" sz="1200" dirty="0" err="1"/>
               <a:t>within</a:t>
             </a:r>
             <a:r>
-              <a:rPr lang="es-PE" sz="1100" dirty="0"/>
+              <a:rPr lang="es-PE" sz="1200" dirty="0"/>
               <a:t> a block </a:t>
             </a:r>
             <a:r>
-              <a:rPr lang="es-PE" sz="1100" dirty="0" err="1"/>
+              <a:rPr lang="es-PE" sz="1200" dirty="0" err="1"/>
               <a:t>collaborate</a:t>
             </a:r>
             <a:r>
-              <a:rPr lang="es-PE" sz="1100" dirty="0"/>
+              <a:rPr lang="es-PE" sz="1200" dirty="0"/>
               <a:t>: </a:t>
             </a:r>
           </a:p>
           <a:p>
             <a:pPr lvl="2"/>
             <a:r>
-              <a:rPr lang="es-PE" sz="1100" dirty="0"/>
+              <a:rPr lang="es-PE" sz="1200" dirty="0"/>
               <a:t>Load tiles </a:t>
             </a:r>
             <a:r>
-              <a:rPr lang="es-PE" sz="1100" dirty="0" err="1"/>
+              <a:rPr lang="es-PE" sz="1200" dirty="0" err="1"/>
               <a:t>of</a:t>
             </a:r>
             <a:r>
-              <a:rPr lang="es-PE" sz="1100" dirty="0"/>
+              <a:rPr lang="es-PE" sz="1200" dirty="0"/>
               <a:t> input matrices </a:t>
             </a:r>
             <a:r>
-              <a:rPr lang="es-PE" sz="1100" dirty="0" err="1"/>
+              <a:rPr lang="es-PE" sz="1200" dirty="0" err="1"/>
               <a:t>into</a:t>
             </a:r>
             <a:r>
-              <a:rPr lang="es-PE" sz="1100" dirty="0"/>
+              <a:rPr lang="es-PE" sz="1200" dirty="0"/>
               <a:t> **</a:t>
             </a:r>
             <a:r>
-              <a:rPr lang="es-PE" sz="1100" dirty="0" err="1"/>
+              <a:rPr lang="es-PE" sz="1200" dirty="0" err="1"/>
               <a:t>shared</a:t>
             </a:r>
             <a:r>
-              <a:rPr lang="es-PE" sz="1100" dirty="0"/>
+              <a:rPr lang="es-PE" sz="1200" dirty="0"/>
               <a:t> </a:t>
             </a:r>
             <a:r>
-              <a:rPr lang="es-PE" sz="1100" dirty="0" err="1"/>
+              <a:rPr lang="es-PE" sz="1200" dirty="0" err="1"/>
               <a:t>memory</a:t>
             </a:r>
             <a:r>
-              <a:rPr lang="es-PE" sz="1100" dirty="0"/>
+              <a:rPr lang="es-PE" sz="1200" dirty="0"/>
               <a:t>** (</a:t>
             </a:r>
             <a:r>
-              <a:rPr lang="es-PE" sz="1100" dirty="0" err="1"/>
+              <a:rPr lang="es-PE" sz="1200" dirty="0" err="1"/>
               <a:t>faster</a:t>
             </a:r>
             <a:r>
-              <a:rPr lang="es-PE" sz="1100" dirty="0"/>
+              <a:rPr lang="es-PE" sz="1200" dirty="0"/>
               <a:t> and reduces global </a:t>
             </a:r>
             <a:r>
-              <a:rPr lang="es-PE" sz="1100" dirty="0" err="1"/>
+              <a:rPr lang="es-PE" sz="1200" dirty="0" err="1"/>
               <a:t>memory</a:t>
             </a:r>
             <a:r>
-              <a:rPr lang="es-PE" sz="1100" dirty="0"/>
+              <a:rPr lang="es-PE" sz="1200" dirty="0"/>
               <a:t> </a:t>
             </a:r>
             <a:r>
-              <a:rPr lang="es-PE" sz="1100" dirty="0" err="1"/>
+              <a:rPr lang="es-PE" sz="1200" dirty="0" err="1"/>
               <a:t>access</a:t>
             </a:r>
             <a:r>
-              <a:rPr lang="es-PE" sz="1100" dirty="0"/>
+              <a:rPr lang="es-PE" sz="1200" dirty="0"/>
               <a:t>). * </a:t>
             </a:r>
             <a:r>
-              <a:rPr lang="es-PE" sz="1100" dirty="0" err="1"/>
+              <a:rPr lang="es-PE" sz="1200" dirty="0" err="1"/>
               <a:t>Perform</a:t>
             </a:r>
             <a:r>
-              <a:rPr lang="es-PE" sz="1100" dirty="0"/>
+              <a:rPr lang="es-PE" sz="1200" dirty="0"/>
               <a:t> </a:t>
             </a:r>
             <a:r>
-              <a:rPr lang="es-PE" sz="1100" dirty="0" err="1"/>
+              <a:rPr lang="es-PE" sz="1200" dirty="0" err="1"/>
               <a:t>partial</a:t>
             </a:r>
             <a:r>
-              <a:rPr lang="es-PE" sz="1100" dirty="0"/>
+              <a:rPr lang="es-PE" sz="1200" dirty="0"/>
               <a:t> </a:t>
             </a:r>
             <a:r>
-              <a:rPr lang="es-PE" sz="1100" dirty="0" err="1"/>
+              <a:rPr lang="es-PE" sz="1200" dirty="0" err="1"/>
               <a:t>dot</a:t>
             </a:r>
             <a:r>
-              <a:rPr lang="es-PE" sz="1100" dirty="0"/>
+              <a:rPr lang="es-PE" sz="1200" dirty="0"/>
               <a:t> </a:t>
             </a:r>
             <a:r>
-              <a:rPr lang="es-PE" sz="1100" dirty="0" err="1"/>
+              <a:rPr lang="es-PE" sz="1200" dirty="0" err="1"/>
               <a:t>products</a:t>
             </a:r>
             <a:r>
-              <a:rPr lang="es-PE" sz="1100" dirty="0"/>
+              <a:rPr lang="es-PE" sz="1200" dirty="0"/>
               <a:t> and </a:t>
             </a:r>
             <a:r>
-              <a:rPr lang="es-PE" sz="1100" dirty="0" err="1"/>
+              <a:rPr lang="es-PE" sz="1200" dirty="0" err="1"/>
               <a:t>accumulate</a:t>
             </a:r>
             <a:r>
-              <a:rPr lang="es-PE" sz="1100" dirty="0"/>
+              <a:rPr lang="es-PE" sz="1200" dirty="0"/>
               <a:t> </a:t>
             </a:r>
             <a:r>
-              <a:rPr lang="es-PE" sz="1100" dirty="0" err="1"/>
+              <a:rPr lang="es-PE" sz="1200" dirty="0" err="1"/>
               <a:t>results</a:t>
             </a:r>
             <a:r>
-              <a:rPr lang="es-PE" sz="1100" dirty="0"/>
+              <a:rPr lang="es-PE" sz="1200" dirty="0"/>
               <a:t>. </a:t>
             </a:r>
           </a:p>
           <a:p>
             <a:pPr lvl="2"/>
             <a:r>
-              <a:rPr lang="es-PE" sz="1100" dirty="0" err="1"/>
+              <a:rPr lang="es-PE" sz="1200" dirty="0" err="1"/>
               <a:t>Libraries</a:t>
             </a:r>
             <a:r>
-              <a:rPr lang="es-PE" sz="1100" dirty="0"/>
+              <a:rPr lang="es-PE" sz="1200" dirty="0"/>
               <a:t> </a:t>
             </a:r>
             <a:r>
-              <a:rPr lang="es-PE" sz="1100" dirty="0" err="1"/>
+              <a:rPr lang="es-PE" sz="1200" dirty="0" err="1"/>
               <a:t>like</a:t>
             </a:r>
             <a:r>
-              <a:rPr lang="es-PE" sz="1100" dirty="0"/>
+              <a:rPr lang="es-PE" sz="1200" dirty="0"/>
               <a:t> </a:t>
             </a:r>
             <a:r>
-              <a:rPr lang="es-PE" sz="1100" dirty="0" err="1"/>
+              <a:rPr lang="es-PE" sz="1200" dirty="0" err="1"/>
               <a:t>cuBLAS</a:t>
             </a:r>
             <a:r>
-              <a:rPr lang="es-PE" sz="1100" dirty="0"/>
+              <a:rPr lang="es-PE" sz="1200" dirty="0"/>
               <a:t> </a:t>
             </a:r>
             <a:r>
-              <a:rPr lang="es-PE" sz="1100" dirty="0" err="1"/>
+              <a:rPr lang="es-PE" sz="1200" dirty="0" err="1"/>
               <a:t>offer</a:t>
             </a:r>
             <a:r>
-              <a:rPr lang="es-PE" sz="1100" dirty="0"/>
+              <a:rPr lang="es-PE" sz="1200" dirty="0"/>
               <a:t> </a:t>
             </a:r>
             <a:r>
-              <a:rPr lang="es-PE" sz="1100" dirty="0" err="1"/>
+              <a:rPr lang="es-PE" sz="1200" dirty="0" err="1"/>
               <a:t>highly</a:t>
             </a:r>
             <a:r>
-              <a:rPr lang="es-PE" sz="1100" dirty="0"/>
+              <a:rPr lang="es-PE" sz="1200" dirty="0"/>
               <a:t> </a:t>
             </a:r>
             <a:r>
-              <a:rPr lang="es-PE" sz="1100" dirty="0" err="1"/>
+              <a:rPr lang="es-PE" sz="1200" dirty="0" err="1"/>
               <a:t>optimized</a:t>
             </a:r>
             <a:r>
-              <a:rPr lang="es-PE" sz="1100" dirty="0"/>
+              <a:rPr lang="es-PE" sz="1200" dirty="0"/>
               <a:t> GEMM </a:t>
             </a:r>
             <a:r>
-              <a:rPr lang="es-PE" sz="1100" dirty="0" err="1"/>
+              <a:rPr lang="es-PE" sz="1200" dirty="0" err="1"/>
               <a:t>implementations</a:t>
             </a:r>
             <a:r>
-              <a:rPr lang="es-PE" sz="1100" dirty="0"/>
+              <a:rPr lang="es-PE" sz="1200" dirty="0"/>
               <a:t>. </a:t>
             </a:r>
           </a:p>
           <a:p>
             <a:pPr lvl="2"/>
             <a:r>
-              <a:rPr lang="es-PE" sz="1100" dirty="0"/>
+              <a:rPr lang="es-PE" sz="1200" dirty="0"/>
               <a:t>Reference: `</a:t>
             </a:r>
             <a:r>
-              <a:rPr lang="es-PE" sz="1100" dirty="0" err="1"/>
+              <a:rPr lang="es-PE" sz="1200" dirty="0" err="1"/>
               <a:t>llmc</a:t>
             </a:r>
             <a:r>
-              <a:rPr lang="es-PE" sz="1100" dirty="0"/>
+              <a:rPr lang="es-PE" sz="1200" dirty="0"/>
               <a:t>/</a:t>
             </a:r>
             <a:r>
-              <a:rPr lang="es-PE" sz="1100" dirty="0" err="1"/>
+              <a:rPr lang="es-PE" sz="1200" dirty="0" err="1"/>
               <a:t>matmul.cuh</a:t>
             </a:r>
             <a:r>
-              <a:rPr lang="es-PE" sz="1100" dirty="0"/>
+              <a:rPr lang="es-PE" sz="1200" dirty="0"/>
               <a:t>`, `</a:t>
             </a:r>
             <a:r>
-              <a:rPr lang="es-PE" sz="1100" dirty="0" err="1"/>
+              <a:rPr lang="es-PE" sz="1200" dirty="0" err="1"/>
               <a:t>dev</a:t>
             </a:r>
             <a:r>
-              <a:rPr lang="es-PE" sz="1100" dirty="0"/>
+              <a:rPr lang="es-PE" sz="1200" dirty="0"/>
               <a:t>/</a:t>
             </a:r>
             <a:r>
-              <a:rPr lang="es-PE" sz="1100" dirty="0" err="1"/>
+              <a:rPr lang="es-PE" sz="1200" dirty="0" err="1"/>
               <a:t>cuda</a:t>
             </a:r>
             <a:r>
-              <a:rPr lang="es-PE" sz="1100" dirty="0"/>
+              <a:rPr lang="es-PE" sz="1200" dirty="0"/>
               <a:t>/matmul_forward.cu` in `</a:t>
             </a:r>
             <a:r>
-              <a:rPr lang="es-PE" sz="1100" dirty="0" err="1"/>
+              <a:rPr lang="es-PE" sz="1200" dirty="0" err="1"/>
               <a:t>llm.c</a:t>
             </a:r>
             <a:r>
-              <a:rPr lang="es-PE" sz="1100" dirty="0"/>
+              <a:rPr lang="es-PE" sz="1200" dirty="0"/>
               <a:t>` </a:t>
             </a:r>
           </a:p>
           <a:p>
             <a:pPr lvl="3"/>
             <a:r>
-              <a:rPr lang="es-PE" sz="1100" dirty="0">
+              <a:rPr lang="es-PE" sz="1200" dirty="0">
                 <a:hlinkClick r:id="rId2"/>
               </a:rPr>
               <a:t>https://github.com/karpathy/llm.c/blob/master/llmc/matmul.cuh</a:t>
             </a:r>
-            <a:endParaRPr lang="es-PE" sz="1100" dirty="0"/>
+            <a:endParaRPr lang="es-PE" sz="1200" dirty="0"/>
           </a:p>
           <a:p>
             <a:pPr lvl="3"/>
             <a:r>
-              <a:rPr lang="es-PE" sz="1100" dirty="0">
+              <a:rPr lang="es-PE" sz="1200" dirty="0">
                 <a:hlinkClick r:id="rId3"/>
               </a:rPr>
               <a:t>https://github.com/karpathy/llm.c/blob/master/dev/cuda/matmul_forward.cu</a:t>
             </a:r>
-            <a:endParaRPr lang="pt-BR" sz="1100" dirty="0"/>
+            <a:endParaRPr lang="pt-BR" sz="1200" dirty="0"/>
           </a:p>
           <a:p>
             <a:pPr lvl="3"/>
-            <a:endParaRPr lang="es-PE" sz="1100" dirty="0"/>
+            <a:endParaRPr lang="es-PE" sz="1200" dirty="0"/>
           </a:p>
         </p:txBody>
       </p:sp>
@@ -8331,8 +8426,8 @@
         </p:blipFill>
         <p:spPr>
           <a:xfrm>
-            <a:off x="5911532" y="3111748"/>
-            <a:ext cx="5150277" cy="2459257"/>
+            <a:off x="5245298" y="2655866"/>
+            <a:ext cx="6699020" cy="3198782"/>
           </a:xfrm>
           <a:prstGeom prst="rect">
             <a:avLst/>
@@ -14930,8 +15025,8 @@
         </p:blipFill>
         <p:spPr bwMode="auto">
           <a:xfrm>
-            <a:off x="545238" y="1232697"/>
-            <a:ext cx="7608304" cy="4463562"/>
+            <a:off x="302084" y="787400"/>
+            <a:ext cx="8883290" cy="5477248"/>
           </a:xfrm>
           <a:prstGeom prst="rect">
             <a:avLst/>
@@ -15506,8 +15601,8 @@
         </p:blipFill>
         <p:spPr>
           <a:xfrm>
-            <a:off x="6751953" y="650494"/>
-            <a:ext cx="4099588" cy="5324142"/>
+            <a:off x="6281198" y="236712"/>
+            <a:ext cx="5174201" cy="6033459"/>
           </a:xfrm>
           <a:prstGeom prst="rect">
             <a:avLst/>
